--- a/results-presentations/model-test-BAOBAB.pptx
+++ b/results-presentations/model-test-BAOBAB.pptx
@@ -5,12 +5,15 @@
     <p:sldMasterId id="2147483648" r:id="rId1"/>
   </p:sldMasterIdLst>
   <p:notesMasterIdLst>
-    <p:notesMasterId r:id="rId5"/>
+    <p:notesMasterId r:id="rId8"/>
   </p:notesMasterIdLst>
   <p:sldIdLst>
     <p:sldId id="256" r:id="rId2"/>
-    <p:sldId id="260" r:id="rId3"/>
-    <p:sldId id="261" r:id="rId4"/>
+    <p:sldId id="262" r:id="rId3"/>
+    <p:sldId id="263" r:id="rId4"/>
+    <p:sldId id="260" r:id="rId5"/>
+    <p:sldId id="261" r:id="rId6"/>
+    <p:sldId id="264" r:id="rId7"/>
   </p:sldIdLst>
   <p:sldSz cx="12192000" cy="6858000"/>
   <p:notesSz cx="6858000" cy="9144000"/>
@@ -109,7 +112,150 @@
       </a:defRPr>
     </a:lvl9pPr>
   </p:defaultTextStyle>
+  <p:extLst>
+    <p:ext uri="{EFAFB233-063F-42B5-8137-9DF3F51BA10A}">
+      <p15:sldGuideLst xmlns:p15="http://schemas.microsoft.com/office/powerpoint/2012/main"/>
+    </p:ext>
+  </p:extLst>
 </p:presentation>
+</file>
+
+<file path=ppt/revisionInfo.xml><?xml version="1.0" encoding="utf-8"?>
+<p1510:revInfo xmlns:a="http://schemas.openxmlformats.org/drawingml/2006/main" xmlns:r="http://schemas.openxmlformats.org/officeDocument/2006/relationships" xmlns:p1510="http://schemas.microsoft.com/office/powerpoint/2015/10/main">
+  <p1510:revLst>
+    <p1510:client id="{A1FE3073-CEB4-3140-B0CA-5FEA12E5C3D9}" v="3" dt="2023-02-28T11:45:53.507"/>
+  </p1510:revLst>
+</p1510:revInfo>
+</file>
+
+<file path=ppt/changesInfos/changesInfo1.xml><?xml version="1.0" encoding="utf-8"?>
+<pc:chgInfo xmlns:a="http://schemas.openxmlformats.org/drawingml/2006/main" xmlns:r="http://schemas.openxmlformats.org/officeDocument/2006/relationships" xmlns:ac="http://schemas.microsoft.com/office/drawing/2013/main/command" xmlns:pc="http://schemas.microsoft.com/office/powerpoint/2013/main/command">
+  <pc:docChgLst>
+    <pc:chgData name="Savagar, Bethan Alice" userId="dc0b6509-dca5-46f6-b355-e03f7348faa9" providerId="ADAL" clId="{A1FE3073-CEB4-3140-B0CA-5FEA12E5C3D9}"/>
+    <pc:docChg chg="undo custSel addSld modSld">
+      <pc:chgData name="Savagar, Bethan Alice" userId="dc0b6509-dca5-46f6-b355-e03f7348faa9" providerId="ADAL" clId="{A1FE3073-CEB4-3140-B0CA-5FEA12E5C3D9}" dt="2023-02-28T12:01:14.033" v="495" actId="20577"/>
+      <pc:docMkLst>
+        <pc:docMk/>
+      </pc:docMkLst>
+      <pc:sldChg chg="modNotesTx">
+        <pc:chgData name="Savagar, Bethan Alice" userId="dc0b6509-dca5-46f6-b355-e03f7348faa9" providerId="ADAL" clId="{A1FE3073-CEB4-3140-B0CA-5FEA12E5C3D9}" dt="2023-02-28T12:01:14.033" v="495" actId="20577"/>
+        <pc:sldMkLst>
+          <pc:docMk/>
+          <pc:sldMk cId="2073572194" sldId="260"/>
+        </pc:sldMkLst>
+      </pc:sldChg>
+      <pc:sldChg chg="addSp delSp modSp new mod setBg modNotesTx">
+        <pc:chgData name="Savagar, Bethan Alice" userId="dc0b6509-dca5-46f6-b355-e03f7348faa9" providerId="ADAL" clId="{A1FE3073-CEB4-3140-B0CA-5FEA12E5C3D9}" dt="2023-02-28T11:46:53.159" v="139" actId="20577"/>
+        <pc:sldMkLst>
+          <pc:docMk/>
+          <pc:sldMk cId="1361513349" sldId="262"/>
+        </pc:sldMkLst>
+        <pc:spChg chg="mod">
+          <ac:chgData name="Savagar, Bethan Alice" userId="dc0b6509-dca5-46f6-b355-e03f7348faa9" providerId="ADAL" clId="{A1FE3073-CEB4-3140-B0CA-5FEA12E5C3D9}" dt="2023-02-28T11:39:52.036" v="94" actId="26606"/>
+          <ac:spMkLst>
+            <pc:docMk/>
+            <pc:sldMk cId="1361513349" sldId="262"/>
+            <ac:spMk id="2" creationId="{1B6688C9-0601-6784-CCC2-33D20AABBF9E}"/>
+          </ac:spMkLst>
+        </pc:spChg>
+        <pc:spChg chg="del">
+          <ac:chgData name="Savagar, Bethan Alice" userId="dc0b6509-dca5-46f6-b355-e03f7348faa9" providerId="ADAL" clId="{A1FE3073-CEB4-3140-B0CA-5FEA12E5C3D9}" dt="2023-02-28T11:39:52.036" v="94" actId="26606"/>
+          <ac:spMkLst>
+            <pc:docMk/>
+            <pc:sldMk cId="1361513349" sldId="262"/>
+            <ac:spMk id="3" creationId="{11353860-457B-D721-0CCE-D679C9CDC7E6}"/>
+          </ac:spMkLst>
+        </pc:spChg>
+        <pc:spChg chg="add mod">
+          <ac:chgData name="Savagar, Bethan Alice" userId="dc0b6509-dca5-46f6-b355-e03f7348faa9" providerId="ADAL" clId="{A1FE3073-CEB4-3140-B0CA-5FEA12E5C3D9}" dt="2023-02-28T11:46:30.055" v="121" actId="1076"/>
+          <ac:spMkLst>
+            <pc:docMk/>
+            <pc:sldMk cId="1361513349" sldId="262"/>
+            <ac:spMk id="10" creationId="{4298E43C-1FBE-622C-E185-AB0D6DD6F52A}"/>
+          </ac:spMkLst>
+        </pc:spChg>
+        <pc:picChg chg="add mod">
+          <ac:chgData name="Savagar, Bethan Alice" userId="dc0b6509-dca5-46f6-b355-e03f7348faa9" providerId="ADAL" clId="{A1FE3073-CEB4-3140-B0CA-5FEA12E5C3D9}" dt="2023-02-28T11:44:48.823" v="104" actId="1076"/>
+          <ac:picMkLst>
+            <pc:docMk/>
+            <pc:sldMk cId="1361513349" sldId="262"/>
+            <ac:picMk id="4" creationId="{EBE65530-7438-00EE-FEC1-EFCFF2A8FF1E}"/>
+          </ac:picMkLst>
+        </pc:picChg>
+        <pc:picChg chg="add mod">
+          <ac:chgData name="Savagar, Bethan Alice" userId="dc0b6509-dca5-46f6-b355-e03f7348faa9" providerId="ADAL" clId="{A1FE3073-CEB4-3140-B0CA-5FEA12E5C3D9}" dt="2023-02-28T11:44:53.336" v="106" actId="1076"/>
+          <ac:picMkLst>
+            <pc:docMk/>
+            <pc:sldMk cId="1361513349" sldId="262"/>
+            <ac:picMk id="5" creationId="{9E909BD6-7F82-25B9-EF20-6615FE3841E7}"/>
+          </ac:picMkLst>
+        </pc:picChg>
+        <pc:cxnChg chg="add mod">
+          <ac:chgData name="Savagar, Bethan Alice" userId="dc0b6509-dca5-46f6-b355-e03f7348faa9" providerId="ADAL" clId="{A1FE3073-CEB4-3140-B0CA-5FEA12E5C3D9}" dt="2023-02-28T11:45:49.147" v="113" actId="1582"/>
+          <ac:cxnSpMkLst>
+            <pc:docMk/>
+            <pc:sldMk cId="1361513349" sldId="262"/>
+            <ac:cxnSpMk id="7" creationId="{D8AC02E2-2CC6-0C2F-E225-58A9B58ACE30}"/>
+          </ac:cxnSpMkLst>
+        </pc:cxnChg>
+        <pc:cxnChg chg="add mod">
+          <ac:chgData name="Savagar, Bethan Alice" userId="dc0b6509-dca5-46f6-b355-e03f7348faa9" providerId="ADAL" clId="{A1FE3073-CEB4-3140-B0CA-5FEA12E5C3D9}" dt="2023-02-28T11:46:06.916" v="116" actId="1076"/>
+          <ac:cxnSpMkLst>
+            <pc:docMk/>
+            <pc:sldMk cId="1361513349" sldId="262"/>
+            <ac:cxnSpMk id="8" creationId="{F4933424-D00D-8E14-5B3C-1F727FE5C45D}"/>
+          </ac:cxnSpMkLst>
+        </pc:cxnChg>
+      </pc:sldChg>
+      <pc:sldChg chg="addSp delSp modSp new mod modNotesTx">
+        <pc:chgData name="Savagar, Bethan Alice" userId="dc0b6509-dca5-46f6-b355-e03f7348faa9" providerId="ADAL" clId="{A1FE3073-CEB4-3140-B0CA-5FEA12E5C3D9}" dt="2023-02-28T11:51:15.525" v="463" actId="20577"/>
+        <pc:sldMkLst>
+          <pc:docMk/>
+          <pc:sldMk cId="3929642493" sldId="263"/>
+        </pc:sldMkLst>
+        <pc:spChg chg="mod">
+          <ac:chgData name="Savagar, Bethan Alice" userId="dc0b6509-dca5-46f6-b355-e03f7348faa9" providerId="ADAL" clId="{A1FE3073-CEB4-3140-B0CA-5FEA12E5C3D9}" dt="2023-02-28T11:48:24.448" v="151" actId="20577"/>
+          <ac:spMkLst>
+            <pc:docMk/>
+            <pc:sldMk cId="3929642493" sldId="263"/>
+            <ac:spMk id="2" creationId="{886AA6A4-35E3-0AA1-51AC-149697AD0686}"/>
+          </ac:spMkLst>
+        </pc:spChg>
+        <pc:spChg chg="del mod">
+          <ac:chgData name="Savagar, Bethan Alice" userId="dc0b6509-dca5-46f6-b355-e03f7348faa9" providerId="ADAL" clId="{A1FE3073-CEB4-3140-B0CA-5FEA12E5C3D9}" dt="2023-02-28T11:49:22.225" v="173" actId="478"/>
+          <ac:spMkLst>
+            <pc:docMk/>
+            <pc:sldMk cId="3929642493" sldId="263"/>
+            <ac:spMk id="3" creationId="{2D4704C9-F23B-16D7-DD6B-C8D8DFB09E2E}"/>
+          </ac:spMkLst>
+        </pc:spChg>
+        <pc:spChg chg="add mod">
+          <ac:chgData name="Savagar, Bethan Alice" userId="dc0b6509-dca5-46f6-b355-e03f7348faa9" providerId="ADAL" clId="{A1FE3073-CEB4-3140-B0CA-5FEA12E5C3D9}" dt="2023-02-28T11:50:08.749" v="208" actId="20577"/>
+          <ac:spMkLst>
+            <pc:docMk/>
+            <pc:sldMk cId="3929642493" sldId="263"/>
+            <ac:spMk id="5" creationId="{BBF75125-788D-4D03-EC0A-A3C284BEC4EF}"/>
+          </ac:spMkLst>
+        </pc:spChg>
+      </pc:sldChg>
+      <pc:sldChg chg="addSp new mod">
+        <pc:chgData name="Savagar, Bethan Alice" userId="dc0b6509-dca5-46f6-b355-e03f7348faa9" providerId="ADAL" clId="{A1FE3073-CEB4-3140-B0CA-5FEA12E5C3D9}" dt="2023-02-28T11:58:55.112" v="465" actId="22"/>
+        <pc:sldMkLst>
+          <pc:docMk/>
+          <pc:sldMk cId="2166822845" sldId="264"/>
+        </pc:sldMkLst>
+        <pc:spChg chg="add">
+          <ac:chgData name="Savagar, Bethan Alice" userId="dc0b6509-dca5-46f6-b355-e03f7348faa9" providerId="ADAL" clId="{A1FE3073-CEB4-3140-B0CA-5FEA12E5C3D9}" dt="2023-02-28T11:58:55.112" v="465" actId="22"/>
+          <ac:spMkLst>
+            <pc:docMk/>
+            <pc:sldMk cId="2166822845" sldId="264"/>
+            <ac:spMk id="3" creationId="{2CEAF43A-3C94-8B4E-2E3A-71E8CE67926E}"/>
+          </ac:spMkLst>
+        </pc:spChg>
+      </pc:sldChg>
+    </pc:docChg>
+  </pc:docChgLst>
+</pc:chgInfo>
 </file>
 
 <file path=ppt/notesMasters/notesMaster1.xml><?xml version="1.0" encoding="utf-8"?>
@@ -194,7 +340,7 @@
           <a:p>
             <a:fld id="{12BFABB2-EEA0-864E-BF55-7EF7D8AD924B}" type="datetimeFigureOut">
               <a:rPr lang="en-US" smtClean="0"/>
-              <a:t>2/9/23</a:t>
+              <a:t>2/27/23</a:t>
             </a:fld>
             <a:endParaRPr lang="en-US"/>
           </a:p>
@@ -507,27 +653,228 @@
           <a:lstStyle/>
           <a:p>
             <a:r>
-              <a:rPr lang="en-US" dirty="0"/>
-              <a:t>BAOBAB data</a:t>
-            </a:r>
-          </a:p>
-          <a:p>
-            <a:r>
-              <a:rPr lang="en-US" dirty="0"/>
-              <a:t>Downward trend – probably due to misinterpreting parameters (especially reproductive rate)</a:t>
-            </a:r>
-          </a:p>
-          <a:p>
-            <a:r>
-              <a:rPr lang="en-US" dirty="0"/>
-              <a:t>BAOBAB data doesn’t differentiate male and female rates</a:t>
-            </a:r>
-          </a:p>
-          <a:p>
-            <a:r>
-              <a:rPr lang="en-US" dirty="0"/>
-              <a:t>Nb. NET offtake is 0</a:t>
-            </a:r>
+              <a:rPr lang="en-GB" sz="1800" i="1" dirty="0" err="1">
+                <a:effectLst/>
+                <a:latin typeface="Calibri" panose="020F0502020204030204" pitchFamily="34" charset="0"/>
+                <a:ea typeface="Calibri" panose="020F0502020204030204" pitchFamily="34" charset="0"/>
+                <a:cs typeface="Times New Roman" panose="02020603050405020304" pitchFamily="18" charset="0"/>
+              </a:rPr>
+              <a:t>Bodjo</a:t>
+            </a:r>
+            <a:r>
+              <a:rPr lang="en-GB" sz="1800" i="1" dirty="0">
+                <a:effectLst/>
+                <a:latin typeface="Calibri" panose="020F0502020204030204" pitchFamily="34" charset="0"/>
+                <a:ea typeface="Calibri" panose="020F0502020204030204" pitchFamily="34" charset="0"/>
+                <a:cs typeface="Times New Roman" panose="02020603050405020304" pitchFamily="18" charset="0"/>
+              </a:rPr>
+              <a:t> et al.</a:t>
+            </a:r>
+            <a:endParaRPr lang="en-GB" sz="1800" dirty="0">
+              <a:effectLst/>
+              <a:latin typeface="Calibri" panose="020F0502020204030204" pitchFamily="34" charset="0"/>
+              <a:ea typeface="Calibri" panose="020F0502020204030204" pitchFamily="34" charset="0"/>
+              <a:cs typeface="Times New Roman" panose="02020603050405020304" pitchFamily="18" charset="0"/>
+            </a:endParaRPr>
+          </a:p>
+          <a:p>
+            <a:r>
+              <a:rPr lang="en-GB" sz="1800" i="1" dirty="0">
+                <a:effectLst/>
+                <a:latin typeface="Calibri" panose="020F0502020204030204" pitchFamily="34" charset="0"/>
+                <a:ea typeface="Calibri" panose="020F0502020204030204" pitchFamily="34" charset="0"/>
+                <a:cs typeface="Times New Roman" panose="02020603050405020304" pitchFamily="18" charset="0"/>
+              </a:rPr>
+              <a:t> </a:t>
+            </a:r>
+            <a:endParaRPr lang="en-GB" sz="1800" dirty="0">
+              <a:effectLst/>
+              <a:latin typeface="Calibri" panose="020F0502020204030204" pitchFamily="34" charset="0"/>
+              <a:ea typeface="Calibri" panose="020F0502020204030204" pitchFamily="34" charset="0"/>
+              <a:cs typeface="Times New Roman" panose="02020603050405020304" pitchFamily="18" charset="0"/>
+            </a:endParaRPr>
+          </a:p>
+          <a:p>
+            <a:pPr marL="342900" lvl="0" indent="-342900">
+              <a:buFont typeface="Symbol" pitchFamily="2" charset="2"/>
+              <a:buChar char=""/>
+            </a:pPr>
+            <a:r>
+              <a:rPr lang="en-GB" sz="1800" dirty="0">
+                <a:effectLst/>
+                <a:latin typeface="Calibri" panose="020F0502020204030204" pitchFamily="34" charset="0"/>
+                <a:ea typeface="Calibri" panose="020F0502020204030204" pitchFamily="34" charset="0"/>
+                <a:cs typeface="Times New Roman" panose="02020603050405020304" pitchFamily="18" charset="0"/>
+              </a:rPr>
+              <a:t>Tested duration of maternal immunity in 112 lambs up to 150 days after birth, born to ewes vaccinated with the homologous PPR vaccine “Nigeria 75/1" at day 90 and day 120 of pregnancy.</a:t>
+            </a:r>
+          </a:p>
+          <a:p>
+            <a:pPr marL="342900" lvl="0" indent="-342900">
+              <a:buFont typeface="Symbol" pitchFamily="2" charset="2"/>
+              <a:buChar char=""/>
+            </a:pPr>
+            <a:r>
+              <a:rPr lang="en-GB" sz="1800" dirty="0">
+                <a:effectLst/>
+                <a:latin typeface="Calibri" panose="020F0502020204030204" pitchFamily="34" charset="0"/>
+                <a:ea typeface="Calibri" panose="020F0502020204030204" pitchFamily="34" charset="0"/>
+                <a:cs typeface="Times New Roman" panose="02020603050405020304" pitchFamily="18" charset="0"/>
+              </a:rPr>
+              <a:t>Results (seropositivity):</a:t>
+            </a:r>
+          </a:p>
+          <a:p>
+            <a:pPr marL="342900" lvl="0" indent="-342900">
+              <a:buFont typeface="Symbol" pitchFamily="2" charset="2"/>
+              <a:buChar char=""/>
+            </a:pPr>
+            <a:r>
+              <a:rPr lang="en-GB" sz="1800" dirty="0">
+                <a:effectLst/>
+                <a:latin typeface="Calibri" panose="020F0502020204030204" pitchFamily="34" charset="0"/>
+                <a:ea typeface="Calibri" panose="020F0502020204030204" pitchFamily="34" charset="0"/>
+                <a:cs typeface="Times New Roman" panose="02020603050405020304" pitchFamily="18" charset="0"/>
+              </a:rPr>
+              <a:t>Day 15 = 92%, Day 30 = 89.3%, day 45 = 84%, day 60 = 70.5%, day 75 = 32%, day 90 = 5.3% , day 105 = 4.5%, day 120 – 4.5%, day 135 = 1.8%, Day 150 = 1.8%</a:t>
+            </a:r>
+          </a:p>
+          <a:p>
+            <a:endParaRPr lang="en-US" dirty="0"/>
+          </a:p>
+          <a:p>
+            <a:endParaRPr lang="en-US" dirty="0"/>
+          </a:p>
+          <a:p>
+            <a:r>
+              <a:rPr lang="en-GB" sz="1200" dirty="0">
+                <a:effectLst/>
+                <a:latin typeface="Calibri" panose="020F0502020204030204" pitchFamily="34" charset="0"/>
+                <a:ea typeface="Calibri" panose="020F0502020204030204" pitchFamily="34" charset="0"/>
+                <a:cs typeface="Times New Roman" panose="02020603050405020304" pitchFamily="18" charset="0"/>
+              </a:rPr>
+              <a:t>Decision:</a:t>
+            </a:r>
+          </a:p>
+          <a:p>
+            <a:pPr marL="342900" lvl="0" indent="-342900">
+              <a:buFont typeface="Calibri" panose="020F0502020204030204" pitchFamily="34" charset="0"/>
+              <a:buChar char="-"/>
+            </a:pPr>
+            <a:r>
+              <a:rPr lang="en-GB" sz="1200" dirty="0">
+                <a:effectLst/>
+                <a:latin typeface="Calibri" panose="020F0502020204030204" pitchFamily="34" charset="0"/>
+                <a:ea typeface="Calibri" panose="020F0502020204030204" pitchFamily="34" charset="0"/>
+                <a:cs typeface="Times New Roman" panose="02020603050405020304" pitchFamily="18" charset="0"/>
+              </a:rPr>
+              <a:t>Follow trend of </a:t>
+            </a:r>
+            <a:r>
+              <a:rPr lang="en-GB" sz="1200" dirty="0" err="1">
+                <a:effectLst/>
+                <a:latin typeface="Calibri" panose="020F0502020204030204" pitchFamily="34" charset="0"/>
+                <a:ea typeface="Calibri" panose="020F0502020204030204" pitchFamily="34" charset="0"/>
+                <a:cs typeface="Times New Roman" panose="02020603050405020304" pitchFamily="18" charset="0"/>
+              </a:rPr>
+              <a:t>Bodjo</a:t>
+            </a:r>
+            <a:r>
+              <a:rPr lang="en-GB" sz="1200" dirty="0">
+                <a:effectLst/>
+                <a:latin typeface="Calibri" panose="020F0502020204030204" pitchFamily="34" charset="0"/>
+                <a:ea typeface="Calibri" panose="020F0502020204030204" pitchFamily="34" charset="0"/>
+                <a:cs typeface="Times New Roman" panose="02020603050405020304" pitchFamily="18" charset="0"/>
+              </a:rPr>
+              <a:t> (supported by </a:t>
+            </a:r>
+            <a:r>
+              <a:rPr lang="en-GB" sz="1200" dirty="0" err="1">
+                <a:effectLst/>
+                <a:latin typeface="Calibri" panose="020F0502020204030204" pitchFamily="34" charset="0"/>
+                <a:ea typeface="Calibri" panose="020F0502020204030204" pitchFamily="34" charset="0"/>
+                <a:cs typeface="Times New Roman" panose="02020603050405020304" pitchFamily="18" charset="0"/>
+              </a:rPr>
+              <a:t>markus</a:t>
+            </a:r>
+            <a:r>
+              <a:rPr lang="en-GB" sz="1200" dirty="0">
+                <a:effectLst/>
+                <a:latin typeface="Calibri" panose="020F0502020204030204" pitchFamily="34" charset="0"/>
+                <a:ea typeface="Calibri" panose="020F0502020204030204" pitchFamily="34" charset="0"/>
+                <a:cs typeface="Times New Roman" panose="02020603050405020304" pitchFamily="18" charset="0"/>
+              </a:rPr>
+              <a:t>) with datapoints every 2 weeks (14days) - can fill in the midpoints for weekly decay</a:t>
+            </a:r>
+          </a:p>
+          <a:p>
+            <a:pPr marL="342900" lvl="0" indent="-342900">
+              <a:buFont typeface="Calibri" panose="020F0502020204030204" pitchFamily="34" charset="0"/>
+              <a:buChar char="-"/>
+            </a:pPr>
+            <a:r>
+              <a:rPr lang="en-GB" sz="1200" dirty="0">
+                <a:effectLst/>
+                <a:latin typeface="Calibri" panose="020F0502020204030204" pitchFamily="34" charset="0"/>
+                <a:ea typeface="Calibri" panose="020F0502020204030204" pitchFamily="34" charset="0"/>
+                <a:cs typeface="Times New Roman" panose="02020603050405020304" pitchFamily="18" charset="0"/>
+              </a:rPr>
+              <a:t>Set maternal immunity to last until 4</a:t>
+            </a:r>
+            <a:r>
+              <a:rPr lang="en-GB" sz="1200" baseline="30000" dirty="0">
+                <a:effectLst/>
+                <a:latin typeface="Calibri" panose="020F0502020204030204" pitchFamily="34" charset="0"/>
+                <a:ea typeface="Calibri" panose="020F0502020204030204" pitchFamily="34" charset="0"/>
+                <a:cs typeface="Times New Roman" panose="02020603050405020304" pitchFamily="18" charset="0"/>
+              </a:rPr>
+              <a:t>th</a:t>
+            </a:r>
+            <a:r>
+              <a:rPr lang="en-GB" sz="1200" dirty="0">
+                <a:effectLst/>
+                <a:latin typeface="Calibri" panose="020F0502020204030204" pitchFamily="34" charset="0"/>
+                <a:ea typeface="Calibri" panose="020F0502020204030204" pitchFamily="34" charset="0"/>
+                <a:cs typeface="Times New Roman" panose="02020603050405020304" pitchFamily="18" charset="0"/>
+              </a:rPr>
+              <a:t> month, day 119, week 17 (week 17 = 0 immunity)</a:t>
+            </a:r>
+          </a:p>
+          <a:p>
+            <a:pPr marL="742950" lvl="1" indent="-285750">
+              <a:buFont typeface="Courier New" panose="02070309020205020404" pitchFamily="49" charset="0"/>
+              <a:buChar char="o"/>
+            </a:pPr>
+            <a:r>
+              <a:rPr lang="en-GB" sz="1200" dirty="0">
+                <a:effectLst/>
+                <a:latin typeface="Calibri" panose="020F0502020204030204" pitchFamily="34" charset="0"/>
+                <a:ea typeface="Calibri" panose="020F0502020204030204" pitchFamily="34" charset="0"/>
+                <a:cs typeface="Times New Roman" panose="02020603050405020304" pitchFamily="18" charset="0"/>
+              </a:rPr>
+              <a:t>Supported by </a:t>
+            </a:r>
+            <a:r>
+              <a:rPr lang="en-GB" sz="1200" dirty="0" err="1">
+                <a:effectLst/>
+                <a:latin typeface="Calibri" panose="020F0502020204030204" pitchFamily="34" charset="0"/>
+                <a:ea typeface="Calibri" panose="020F0502020204030204" pitchFamily="34" charset="0"/>
+                <a:cs typeface="Times New Roman" panose="02020603050405020304" pitchFamily="18" charset="0"/>
+              </a:rPr>
+              <a:t>Bodjo</a:t>
+            </a:r>
+            <a:r>
+              <a:rPr lang="en-GB" sz="1200" dirty="0">
+                <a:effectLst/>
+                <a:latin typeface="Calibri" panose="020F0502020204030204" pitchFamily="34" charset="0"/>
+                <a:ea typeface="Calibri" panose="020F0502020204030204" pitchFamily="34" charset="0"/>
+                <a:cs typeface="Times New Roman" panose="02020603050405020304" pitchFamily="18" charset="0"/>
+              </a:rPr>
+              <a:t>, Markus, Awa</a:t>
+            </a:r>
+          </a:p>
+          <a:p>
+            <a:endParaRPr lang="en-US" dirty="0"/>
           </a:p>
         </p:txBody>
       </p:sp>
@@ -557,7 +904,7 @@
     </p:spTree>
     <p:extLst>
       <p:ext uri="{BB962C8B-B14F-4D97-AF65-F5344CB8AC3E}">
-        <p14:creationId xmlns:p14="http://schemas.microsoft.com/office/powerpoint/2010/main" val="1133383974"/>
+        <p14:creationId xmlns:p14="http://schemas.microsoft.com/office/powerpoint/2010/main" val="15099233"/>
       </p:ext>
     </p:extLst>
   </p:cSld>
@@ -613,18 +960,74 @@
           <a:p>
             <a:r>
               <a:rPr lang="en-US" dirty="0"/>
-              <a:t>As previous but with upper age limes of 5(male) and 7(female)</a:t>
+              <a:t>Rate = median monthly rate</a:t>
             </a:r>
           </a:p>
           <a:p>
             <a:r>
               <a:rPr lang="en-US" dirty="0"/>
-              <a:t>- Changed from 3 (male) and 5 </a:t>
-            </a:r>
-            <a:r>
-              <a:rPr lang="en-US"/>
-              <a:t>(female)</a:t>
-            </a:r>
+              <a:t>Week is computed weekly rate</a:t>
+            </a:r>
+          </a:p>
+          <a:p>
+            <a:endParaRPr lang="en-US" dirty="0"/>
+          </a:p>
+          <a:p>
+            <a:r>
+              <a:rPr lang="en-US" dirty="0" err="1"/>
+              <a:t>Hdea</a:t>
+            </a:r>
+            <a:r>
+              <a:rPr lang="en-US" dirty="0"/>
+              <a:t> = mortality</a:t>
+            </a:r>
+          </a:p>
+          <a:p>
+            <a:r>
+              <a:rPr lang="en-US" dirty="0"/>
+              <a:t>Hint = intake</a:t>
+            </a:r>
+          </a:p>
+          <a:p>
+            <a:r>
+              <a:rPr lang="en-US" dirty="0"/>
+              <a:t>Hoff = offtake</a:t>
+            </a:r>
+          </a:p>
+          <a:p>
+            <a:r>
+              <a:rPr lang="en-US" dirty="0" err="1"/>
+              <a:t>Hpar</a:t>
+            </a:r>
+            <a:r>
+              <a:rPr lang="en-US" dirty="0"/>
+              <a:t> = parturition risk</a:t>
+            </a:r>
+          </a:p>
+          <a:p>
+            <a:r>
+              <a:rPr lang="en-US" dirty="0" err="1"/>
+              <a:t>Netpro</a:t>
+            </a:r>
+            <a:r>
+              <a:rPr lang="en-US" dirty="0"/>
+              <a:t> = prolificacy (minus stillbirths)</a:t>
+            </a:r>
+          </a:p>
+          <a:p>
+            <a:r>
+              <a:rPr lang="en-US" dirty="0" err="1"/>
+              <a:t>Reprod</a:t>
+            </a:r>
+            <a:r>
+              <a:rPr lang="en-US" dirty="0"/>
+              <a:t> = parturition * </a:t>
+            </a:r>
+            <a:r>
+              <a:rPr lang="en-US" dirty="0" err="1"/>
+              <a:t>prolificac</a:t>
+            </a:r>
+            <a:endParaRPr lang="en-US" dirty="0"/>
           </a:p>
         </p:txBody>
       </p:sp>
@@ -646,6 +1049,218 @@
             <a:fld id="{E7831A90-815D-FC42-8522-216E5D416C20}" type="slidenum">
               <a:rPr lang="en-US" smtClean="0"/>
               <a:t>3</a:t>
+            </a:fld>
+            <a:endParaRPr lang="en-US"/>
+          </a:p>
+        </p:txBody>
+      </p:sp>
+    </p:spTree>
+    <p:extLst>
+      <p:ext uri="{BB962C8B-B14F-4D97-AF65-F5344CB8AC3E}">
+        <p14:creationId xmlns:p14="http://schemas.microsoft.com/office/powerpoint/2010/main" val="1520331078"/>
+      </p:ext>
+    </p:extLst>
+  </p:cSld>
+  <p:clrMapOvr>
+    <a:masterClrMapping/>
+  </p:clrMapOvr>
+</p:notes>
+</file>
+
+<file path=ppt/notesSlides/notesSlide3.xml><?xml version="1.0" encoding="utf-8"?>
+<p:notes xmlns:a="http://schemas.openxmlformats.org/drawingml/2006/main" xmlns:r="http://schemas.openxmlformats.org/officeDocument/2006/relationships" xmlns:p="http://schemas.openxmlformats.org/presentationml/2006/main">
+  <p:cSld>
+    <p:spTree>
+      <p:nvGrpSpPr>
+        <p:cNvPr id="1" name=""/>
+        <p:cNvGrpSpPr/>
+        <p:nvPr/>
+      </p:nvGrpSpPr>
+      <p:grpSpPr>
+        <a:xfrm>
+          <a:off x="0" y="0"/>
+          <a:ext cx="0" cy="0"/>
+          <a:chOff x="0" y="0"/>
+          <a:chExt cx="0" cy="0"/>
+        </a:xfrm>
+      </p:grpSpPr>
+      <p:sp>
+        <p:nvSpPr>
+          <p:cNvPr id="2" name="Slide Image Placeholder 1"/>
+          <p:cNvSpPr>
+            <a:spLocks noGrp="1" noRot="1" noChangeAspect="1"/>
+          </p:cNvSpPr>
+          <p:nvPr>
+            <p:ph type="sldImg"/>
+          </p:nvPr>
+        </p:nvSpPr>
+        <p:spPr/>
+      </p:sp>
+      <p:sp>
+        <p:nvSpPr>
+          <p:cNvPr id="3" name="Notes Placeholder 2"/>
+          <p:cNvSpPr>
+            <a:spLocks noGrp="1"/>
+          </p:cNvSpPr>
+          <p:nvPr>
+            <p:ph type="body" idx="1"/>
+          </p:nvPr>
+        </p:nvSpPr>
+        <p:spPr/>
+        <p:txBody>
+          <a:bodyPr/>
+          <a:lstStyle/>
+          <a:p>
+            <a:r>
+              <a:rPr lang="en-US" dirty="0"/>
+              <a:t>BAOBAB data</a:t>
+            </a:r>
+          </a:p>
+          <a:p>
+            <a:r>
+              <a:rPr lang="en-US" dirty="0"/>
+              <a:t>Pop size: 1700 </a:t>
+            </a:r>
+          </a:p>
+          <a:p>
+            <a:r>
+              <a:rPr lang="en-US" dirty="0"/>
+              <a:t>Max age F: 7y, M: 5y</a:t>
+            </a:r>
+          </a:p>
+          <a:p>
+            <a:r>
+              <a:rPr lang="en-US"/>
+              <a:t>Age cats: 4m/6m/12m/18m/18m+</a:t>
+            </a:r>
+            <a:endParaRPr lang="en-US" dirty="0"/>
+          </a:p>
+          <a:p>
+            <a:endParaRPr lang="en-US" dirty="0"/>
+          </a:p>
+          <a:p>
+            <a:r>
+              <a:rPr lang="en-US" dirty="0"/>
+              <a:t>No transmission</a:t>
+            </a:r>
+          </a:p>
+        </p:txBody>
+      </p:sp>
+      <p:sp>
+        <p:nvSpPr>
+          <p:cNvPr id="4" name="Slide Number Placeholder 3"/>
+          <p:cNvSpPr>
+            <a:spLocks noGrp="1"/>
+          </p:cNvSpPr>
+          <p:nvPr>
+            <p:ph type="sldNum" sz="quarter" idx="5"/>
+          </p:nvPr>
+        </p:nvSpPr>
+        <p:spPr/>
+        <p:txBody>
+          <a:bodyPr/>
+          <a:lstStyle/>
+          <a:p>
+            <a:fld id="{E7831A90-815D-FC42-8522-216E5D416C20}" type="slidenum">
+              <a:rPr lang="en-US" smtClean="0"/>
+              <a:t>4</a:t>
+            </a:fld>
+            <a:endParaRPr lang="en-US"/>
+          </a:p>
+        </p:txBody>
+      </p:sp>
+    </p:spTree>
+    <p:extLst>
+      <p:ext uri="{BB962C8B-B14F-4D97-AF65-F5344CB8AC3E}">
+        <p14:creationId xmlns:p14="http://schemas.microsoft.com/office/powerpoint/2010/main" val="1133383974"/>
+      </p:ext>
+    </p:extLst>
+  </p:cSld>
+  <p:clrMapOvr>
+    <a:masterClrMapping/>
+  </p:clrMapOvr>
+</p:notes>
+</file>
+
+<file path=ppt/notesSlides/notesSlide4.xml><?xml version="1.0" encoding="utf-8"?>
+<p:notes xmlns:a="http://schemas.openxmlformats.org/drawingml/2006/main" xmlns:r="http://schemas.openxmlformats.org/officeDocument/2006/relationships" xmlns:p="http://schemas.openxmlformats.org/presentationml/2006/main">
+  <p:cSld>
+    <p:spTree>
+      <p:nvGrpSpPr>
+        <p:cNvPr id="1" name=""/>
+        <p:cNvGrpSpPr/>
+        <p:nvPr/>
+      </p:nvGrpSpPr>
+      <p:grpSpPr>
+        <a:xfrm>
+          <a:off x="0" y="0"/>
+          <a:ext cx="0" cy="0"/>
+          <a:chOff x="0" y="0"/>
+          <a:chExt cx="0" cy="0"/>
+        </a:xfrm>
+      </p:grpSpPr>
+      <p:sp>
+        <p:nvSpPr>
+          <p:cNvPr id="2" name="Slide Image Placeholder 1"/>
+          <p:cNvSpPr>
+            <a:spLocks noGrp="1" noRot="1" noChangeAspect="1"/>
+          </p:cNvSpPr>
+          <p:nvPr>
+            <p:ph type="sldImg"/>
+          </p:nvPr>
+        </p:nvSpPr>
+        <p:spPr/>
+      </p:sp>
+      <p:sp>
+        <p:nvSpPr>
+          <p:cNvPr id="3" name="Notes Placeholder 2"/>
+          <p:cNvSpPr>
+            <a:spLocks noGrp="1"/>
+          </p:cNvSpPr>
+          <p:nvPr>
+            <p:ph type="body" idx="1"/>
+          </p:nvPr>
+        </p:nvSpPr>
+        <p:spPr/>
+        <p:txBody>
+          <a:bodyPr/>
+          <a:lstStyle/>
+          <a:p>
+            <a:r>
+              <a:rPr lang="en-US" dirty="0"/>
+              <a:t>As previous but with upper age limes of 5(male) and 7(female)</a:t>
+            </a:r>
+          </a:p>
+          <a:p>
+            <a:r>
+              <a:rPr lang="en-US" dirty="0"/>
+              <a:t>- Changed from 3 (male) and 5 </a:t>
+            </a:r>
+            <a:r>
+              <a:rPr lang="en-US"/>
+              <a:t>(female)</a:t>
+            </a:r>
+          </a:p>
+        </p:txBody>
+      </p:sp>
+      <p:sp>
+        <p:nvSpPr>
+          <p:cNvPr id="4" name="Slide Number Placeholder 3"/>
+          <p:cNvSpPr>
+            <a:spLocks noGrp="1"/>
+          </p:cNvSpPr>
+          <p:nvPr>
+            <p:ph type="sldNum" sz="quarter" idx="5"/>
+          </p:nvPr>
+        </p:nvSpPr>
+        <p:spPr/>
+        <p:txBody>
+          <a:bodyPr/>
+          <a:lstStyle/>
+          <a:p>
+            <a:fld id="{E7831A90-815D-FC42-8522-216E5D416C20}" type="slidenum">
+              <a:rPr lang="en-US" smtClean="0"/>
+              <a:t>5</a:t>
             </a:fld>
             <a:endParaRPr lang="en-US"/>
           </a:p>
@@ -813,7 +1428,7 @@
           <a:p>
             <a:fld id="{17EE346A-1225-314F-8E90-18293479AF17}" type="datetimeFigureOut">
               <a:rPr lang="en-US" smtClean="0"/>
-              <a:t>2/9/23</a:t>
+              <a:t>2/27/23</a:t>
             </a:fld>
             <a:endParaRPr lang="en-US"/>
           </a:p>
@@ -1013,7 +1628,7 @@
           <a:p>
             <a:fld id="{17EE346A-1225-314F-8E90-18293479AF17}" type="datetimeFigureOut">
               <a:rPr lang="en-US" smtClean="0"/>
-              <a:t>2/9/23</a:t>
+              <a:t>2/27/23</a:t>
             </a:fld>
             <a:endParaRPr lang="en-US"/>
           </a:p>
@@ -1223,7 +1838,7 @@
           <a:p>
             <a:fld id="{17EE346A-1225-314F-8E90-18293479AF17}" type="datetimeFigureOut">
               <a:rPr lang="en-US" smtClean="0"/>
-              <a:t>2/9/23</a:t>
+              <a:t>2/27/23</a:t>
             </a:fld>
             <a:endParaRPr lang="en-US"/>
           </a:p>
@@ -1423,7 +2038,7 @@
           <a:p>
             <a:fld id="{17EE346A-1225-314F-8E90-18293479AF17}" type="datetimeFigureOut">
               <a:rPr lang="en-US" smtClean="0"/>
-              <a:t>2/9/23</a:t>
+              <a:t>2/27/23</a:t>
             </a:fld>
             <a:endParaRPr lang="en-US"/>
           </a:p>
@@ -1699,7 +2314,7 @@
           <a:p>
             <a:fld id="{17EE346A-1225-314F-8E90-18293479AF17}" type="datetimeFigureOut">
               <a:rPr lang="en-US" smtClean="0"/>
-              <a:t>2/9/23</a:t>
+              <a:t>2/27/23</a:t>
             </a:fld>
             <a:endParaRPr lang="en-US"/>
           </a:p>
@@ -1967,7 +2582,7 @@
           <a:p>
             <a:fld id="{17EE346A-1225-314F-8E90-18293479AF17}" type="datetimeFigureOut">
               <a:rPr lang="en-US" smtClean="0"/>
-              <a:t>2/9/23</a:t>
+              <a:t>2/27/23</a:t>
             </a:fld>
             <a:endParaRPr lang="en-US"/>
           </a:p>
@@ -2382,7 +2997,7 @@
           <a:p>
             <a:fld id="{17EE346A-1225-314F-8E90-18293479AF17}" type="datetimeFigureOut">
               <a:rPr lang="en-US" smtClean="0"/>
-              <a:t>2/9/23</a:t>
+              <a:t>2/27/23</a:t>
             </a:fld>
             <a:endParaRPr lang="en-US"/>
           </a:p>
@@ -2524,7 +3139,7 @@
           <a:p>
             <a:fld id="{17EE346A-1225-314F-8E90-18293479AF17}" type="datetimeFigureOut">
               <a:rPr lang="en-US" smtClean="0"/>
-              <a:t>2/9/23</a:t>
+              <a:t>2/27/23</a:t>
             </a:fld>
             <a:endParaRPr lang="en-US"/>
           </a:p>
@@ -2637,7 +3252,7 @@
           <a:p>
             <a:fld id="{17EE346A-1225-314F-8E90-18293479AF17}" type="datetimeFigureOut">
               <a:rPr lang="en-US" smtClean="0"/>
-              <a:t>2/9/23</a:t>
+              <a:t>2/27/23</a:t>
             </a:fld>
             <a:endParaRPr lang="en-US"/>
           </a:p>
@@ -2950,7 +3565,7 @@
           <a:p>
             <a:fld id="{17EE346A-1225-314F-8E90-18293479AF17}" type="datetimeFigureOut">
               <a:rPr lang="en-US" smtClean="0"/>
-              <a:t>2/9/23</a:t>
+              <a:t>2/27/23</a:t>
             </a:fld>
             <a:endParaRPr lang="en-US"/>
           </a:p>
@@ -3239,7 +3854,7 @@
           <a:p>
             <a:fld id="{17EE346A-1225-314F-8E90-18293479AF17}" type="datetimeFigureOut">
               <a:rPr lang="en-US" smtClean="0"/>
-              <a:t>2/9/23</a:t>
+              <a:t>2/27/23</a:t>
             </a:fld>
             <a:endParaRPr lang="en-US"/>
           </a:p>
@@ -3482,7 +4097,7 @@
           <a:p>
             <a:fld id="{17EE346A-1225-314F-8E90-18293479AF17}" type="datetimeFigureOut">
               <a:rPr lang="en-US" smtClean="0"/>
-              <a:t>2/9/23</a:t>
+              <a:t>2/27/23</a:t>
             </a:fld>
             <a:endParaRPr lang="en-US"/>
           </a:p>
@@ -3990,6 +4605,526 @@
           <a:chExt cx="0" cy="0"/>
         </a:xfrm>
       </p:grpSpPr>
+      <p:sp>
+        <p:nvSpPr>
+          <p:cNvPr id="2" name="Title 1">
+            <a:extLst>
+              <a:ext uri="{FF2B5EF4-FFF2-40B4-BE49-F238E27FC236}">
+                <a16:creationId xmlns:a16="http://schemas.microsoft.com/office/drawing/2014/main" id="{1B6688C9-0601-6784-CCC2-33D20AABBF9E}"/>
+              </a:ext>
+            </a:extLst>
+          </p:cNvPr>
+          <p:cNvSpPr>
+            <a:spLocks noGrp="1"/>
+          </p:cNvSpPr>
+          <p:nvPr>
+            <p:ph type="title"/>
+          </p:nvPr>
+        </p:nvSpPr>
+        <p:spPr>
+          <a:xfrm>
+            <a:off x="838199" y="291090"/>
+            <a:ext cx="10515599" cy="932688"/>
+          </a:xfrm>
+        </p:spPr>
+        <p:txBody>
+          <a:bodyPr vert="horz" lIns="91440" tIns="45720" rIns="91440" bIns="45720" rtlCol="0" anchor="b">
+            <a:normAutofit/>
+          </a:bodyPr>
+          <a:lstStyle/>
+          <a:p>
+            <a:pPr algn="ctr"/>
+            <a:r>
+              <a:rPr lang="en-US" sz="5400" kern="1200">
+                <a:solidFill>
+                  <a:schemeClr val="tx1"/>
+                </a:solidFill>
+                <a:latin typeface="+mj-lt"/>
+                <a:ea typeface="+mj-ea"/>
+                <a:cs typeface="+mj-cs"/>
+              </a:rPr>
+              <a:t>Immune decay</a:t>
+            </a:r>
+          </a:p>
+        </p:txBody>
+      </p:sp>
+      <p:pic>
+        <p:nvPicPr>
+          <p:cNvPr id="4" name="Content Placeholder 3" descr="Chart, line chart&#10;&#10;Description automatically generated">
+            <a:extLst>
+              <a:ext uri="{FF2B5EF4-FFF2-40B4-BE49-F238E27FC236}">
+                <a16:creationId xmlns:a16="http://schemas.microsoft.com/office/drawing/2014/main" id="{EBE65530-7438-00EE-FEC1-EFCFF2A8FF1E}"/>
+              </a:ext>
+            </a:extLst>
+          </p:cNvPr>
+          <p:cNvPicPr>
+            <a:picLocks noGrp="1" noChangeAspect="1"/>
+          </p:cNvPicPr>
+          <p:nvPr>
+            <p:ph idx="1"/>
+          </p:nvPr>
+        </p:nvPicPr>
+        <p:blipFill>
+          <a:blip r:embed="rId3"/>
+          <a:stretch>
+            <a:fillRect/>
+          </a:stretch>
+        </p:blipFill>
+        <p:spPr>
+          <a:xfrm>
+            <a:off x="261439" y="2001652"/>
+            <a:ext cx="5723421" cy="3362510"/>
+          </a:xfrm>
+          <a:prstGeom prst="rect">
+            <a:avLst/>
+          </a:prstGeom>
+        </p:spPr>
+      </p:pic>
+      <p:pic>
+        <p:nvPicPr>
+          <p:cNvPr id="5" name="Picture 4" descr="Chart, line chart&#10;&#10;Description automatically generated">
+            <a:extLst>
+              <a:ext uri="{FF2B5EF4-FFF2-40B4-BE49-F238E27FC236}">
+                <a16:creationId xmlns:a16="http://schemas.microsoft.com/office/drawing/2014/main" id="{9E909BD6-7F82-25B9-EF20-6615FE3841E7}"/>
+              </a:ext>
+            </a:extLst>
+          </p:cNvPr>
+          <p:cNvPicPr>
+            <a:picLocks noChangeAspect="1"/>
+          </p:cNvPicPr>
+          <p:nvPr/>
+        </p:nvPicPr>
+        <p:blipFill>
+          <a:blip r:embed="rId4"/>
+          <a:stretch>
+            <a:fillRect/>
+          </a:stretch>
+        </p:blipFill>
+        <p:spPr>
+          <a:xfrm>
+            <a:off x="6207142" y="1893887"/>
+            <a:ext cx="5316566" cy="3592513"/>
+          </a:xfrm>
+          <a:prstGeom prst="rect">
+            <a:avLst/>
+          </a:prstGeom>
+        </p:spPr>
+      </p:pic>
+      <p:cxnSp>
+        <p:nvCxnSpPr>
+          <p:cNvPr id="7" name="Straight Connector 6">
+            <a:extLst>
+              <a:ext uri="{FF2B5EF4-FFF2-40B4-BE49-F238E27FC236}">
+                <a16:creationId xmlns:a16="http://schemas.microsoft.com/office/drawing/2014/main" id="{D8AC02E2-2CC6-0C2F-E225-58A9B58ACE30}"/>
+              </a:ext>
+            </a:extLst>
+          </p:cNvPr>
+          <p:cNvCxnSpPr/>
+          <p:nvPr/>
+        </p:nvCxnSpPr>
+        <p:spPr>
+          <a:xfrm>
+            <a:off x="10425918" y="1223778"/>
+            <a:ext cx="0" cy="4662672"/>
+          </a:xfrm>
+          <a:prstGeom prst="line">
+            <a:avLst/>
+          </a:prstGeom>
+          <a:ln w="38100">
+            <a:prstDash val="dash"/>
+          </a:ln>
+        </p:spPr>
+        <p:style>
+          <a:lnRef idx="3">
+            <a:schemeClr val="accent4"/>
+          </a:lnRef>
+          <a:fillRef idx="0">
+            <a:schemeClr val="accent4"/>
+          </a:fillRef>
+          <a:effectRef idx="2">
+            <a:schemeClr val="accent4"/>
+          </a:effectRef>
+          <a:fontRef idx="minor">
+            <a:schemeClr val="tx1"/>
+          </a:fontRef>
+        </p:style>
+      </p:cxnSp>
+      <p:cxnSp>
+        <p:nvCxnSpPr>
+          <p:cNvPr id="8" name="Straight Connector 7">
+            <a:extLst>
+              <a:ext uri="{FF2B5EF4-FFF2-40B4-BE49-F238E27FC236}">
+                <a16:creationId xmlns:a16="http://schemas.microsoft.com/office/drawing/2014/main" id="{F4933424-D00D-8E14-5B3C-1F727FE5C45D}"/>
+              </a:ext>
+            </a:extLst>
+          </p:cNvPr>
+          <p:cNvCxnSpPr/>
+          <p:nvPr/>
+        </p:nvCxnSpPr>
+        <p:spPr>
+          <a:xfrm>
+            <a:off x="3417862" y="1097664"/>
+            <a:ext cx="0" cy="4662672"/>
+          </a:xfrm>
+          <a:prstGeom prst="line">
+            <a:avLst/>
+          </a:prstGeom>
+          <a:ln w="38100">
+            <a:prstDash val="dash"/>
+          </a:ln>
+        </p:spPr>
+        <p:style>
+          <a:lnRef idx="3">
+            <a:schemeClr val="accent4"/>
+          </a:lnRef>
+          <a:fillRef idx="0">
+            <a:schemeClr val="accent4"/>
+          </a:fillRef>
+          <a:effectRef idx="2">
+            <a:schemeClr val="accent4"/>
+          </a:effectRef>
+          <a:fontRef idx="minor">
+            <a:schemeClr val="tx1"/>
+          </a:fontRef>
+        </p:style>
+      </p:cxnSp>
+      <p:sp>
+        <p:nvSpPr>
+          <p:cNvPr id="10" name="TextBox 9">
+            <a:extLst>
+              <a:ext uri="{FF2B5EF4-FFF2-40B4-BE49-F238E27FC236}">
+                <a16:creationId xmlns:a16="http://schemas.microsoft.com/office/drawing/2014/main" id="{4298E43C-1FBE-622C-E185-AB0D6DD6F52A}"/>
+              </a:ext>
+            </a:extLst>
+          </p:cNvPr>
+          <p:cNvSpPr txBox="1"/>
+          <p:nvPr/>
+        </p:nvSpPr>
+        <p:spPr>
+          <a:xfrm>
+            <a:off x="3123149" y="2030451"/>
+            <a:ext cx="3231929" cy="646331"/>
+          </a:xfrm>
+          <a:prstGeom prst="rect">
+            <a:avLst/>
+          </a:prstGeom>
+          <a:noFill/>
+        </p:spPr>
+        <p:txBody>
+          <a:bodyPr wrap="square">
+            <a:spAutoFit/>
+          </a:bodyPr>
+          <a:lstStyle/>
+          <a:p>
+            <a:pPr marL="342900" lvl="0" indent="-342900">
+              <a:buFont typeface="Calibri" panose="020F0502020204030204" pitchFamily="34" charset="0"/>
+              <a:buChar char="-"/>
+            </a:pPr>
+            <a:r>
+              <a:rPr lang="en-GB" sz="1200" dirty="0">
+                <a:effectLst/>
+                <a:latin typeface="Calibri" panose="020F0502020204030204" pitchFamily="34" charset="0"/>
+                <a:ea typeface="Calibri" panose="020F0502020204030204" pitchFamily="34" charset="0"/>
+                <a:cs typeface="Times New Roman" panose="02020603050405020304" pitchFamily="18" charset="0"/>
+              </a:rPr>
+              <a:t>Set maternal immunity to last until 4</a:t>
+            </a:r>
+            <a:r>
+              <a:rPr lang="en-GB" sz="1200" baseline="30000" dirty="0">
+                <a:effectLst/>
+                <a:latin typeface="Calibri" panose="020F0502020204030204" pitchFamily="34" charset="0"/>
+                <a:ea typeface="Calibri" panose="020F0502020204030204" pitchFamily="34" charset="0"/>
+                <a:cs typeface="Times New Roman" panose="02020603050405020304" pitchFamily="18" charset="0"/>
+              </a:rPr>
+              <a:t>th</a:t>
+            </a:r>
+            <a:r>
+              <a:rPr lang="en-GB" sz="1200" dirty="0">
+                <a:effectLst/>
+                <a:latin typeface="Calibri" panose="020F0502020204030204" pitchFamily="34" charset="0"/>
+                <a:ea typeface="Calibri" panose="020F0502020204030204" pitchFamily="34" charset="0"/>
+                <a:cs typeface="Times New Roman" panose="02020603050405020304" pitchFamily="18" charset="0"/>
+              </a:rPr>
+              <a:t> month (week 17 = 0 immunity)</a:t>
+            </a:r>
+          </a:p>
+          <a:p>
+            <a:pPr marL="742950" lvl="1" indent="-285750">
+              <a:buFont typeface="Courier New" panose="02070309020205020404" pitchFamily="49" charset="0"/>
+              <a:buChar char="o"/>
+            </a:pPr>
+            <a:r>
+              <a:rPr lang="en-GB" sz="1200" dirty="0">
+                <a:effectLst/>
+                <a:latin typeface="Calibri" panose="020F0502020204030204" pitchFamily="34" charset="0"/>
+                <a:ea typeface="Calibri" panose="020F0502020204030204" pitchFamily="34" charset="0"/>
+                <a:cs typeface="Times New Roman" panose="02020603050405020304" pitchFamily="18" charset="0"/>
+              </a:rPr>
+              <a:t>Supported by </a:t>
+            </a:r>
+            <a:r>
+              <a:rPr lang="en-GB" sz="1200" dirty="0" err="1">
+                <a:effectLst/>
+                <a:latin typeface="Calibri" panose="020F0502020204030204" pitchFamily="34" charset="0"/>
+                <a:ea typeface="Calibri" panose="020F0502020204030204" pitchFamily="34" charset="0"/>
+                <a:cs typeface="Times New Roman" panose="02020603050405020304" pitchFamily="18" charset="0"/>
+              </a:rPr>
+              <a:t>Bodjo</a:t>
+            </a:r>
+            <a:r>
+              <a:rPr lang="en-GB" sz="1200" dirty="0">
+                <a:effectLst/>
+                <a:latin typeface="Calibri" panose="020F0502020204030204" pitchFamily="34" charset="0"/>
+                <a:ea typeface="Calibri" panose="020F0502020204030204" pitchFamily="34" charset="0"/>
+                <a:cs typeface="Times New Roman" panose="02020603050405020304" pitchFamily="18" charset="0"/>
+              </a:rPr>
+              <a:t>, Markus, Awa</a:t>
+            </a:r>
+          </a:p>
+        </p:txBody>
+      </p:sp>
+    </p:spTree>
+    <p:extLst>
+      <p:ext uri="{BB962C8B-B14F-4D97-AF65-F5344CB8AC3E}">
+        <p14:creationId xmlns:p14="http://schemas.microsoft.com/office/powerpoint/2010/main" val="1361513349"/>
+      </p:ext>
+    </p:extLst>
+  </p:cSld>
+  <p:clrMapOvr>
+    <a:masterClrMapping/>
+  </p:clrMapOvr>
+</p:sld>
+</file>
+
+<file path=ppt/slides/slide3.xml><?xml version="1.0" encoding="utf-8"?>
+<p:sld xmlns:a="http://schemas.openxmlformats.org/drawingml/2006/main" xmlns:r="http://schemas.openxmlformats.org/officeDocument/2006/relationships" xmlns:p="http://schemas.openxmlformats.org/presentationml/2006/main">
+  <p:cSld>
+    <p:spTree>
+      <p:nvGrpSpPr>
+        <p:cNvPr id="1" name=""/>
+        <p:cNvGrpSpPr/>
+        <p:nvPr/>
+      </p:nvGrpSpPr>
+      <p:grpSpPr>
+        <a:xfrm>
+          <a:off x="0" y="0"/>
+          <a:ext cx="0" cy="0"/>
+          <a:chOff x="0" y="0"/>
+          <a:chExt cx="0" cy="0"/>
+        </a:xfrm>
+      </p:grpSpPr>
+      <p:sp>
+        <p:nvSpPr>
+          <p:cNvPr id="2" name="Title 1">
+            <a:extLst>
+              <a:ext uri="{FF2B5EF4-FFF2-40B4-BE49-F238E27FC236}">
+                <a16:creationId xmlns:a16="http://schemas.microsoft.com/office/drawing/2014/main" id="{886AA6A4-35E3-0AA1-51AC-149697AD0686}"/>
+              </a:ext>
+            </a:extLst>
+          </p:cNvPr>
+          <p:cNvSpPr>
+            <a:spLocks noGrp="1"/>
+          </p:cNvSpPr>
+          <p:nvPr>
+            <p:ph type="title"/>
+          </p:nvPr>
+        </p:nvSpPr>
+        <p:spPr/>
+        <p:txBody>
+          <a:bodyPr/>
+          <a:lstStyle/>
+          <a:p>
+            <a:r>
+              <a:rPr lang="en-US" dirty="0"/>
+              <a:t>BAOBAB Test</a:t>
+            </a:r>
+          </a:p>
+        </p:txBody>
+      </p:sp>
+      <p:sp>
+        <p:nvSpPr>
+          <p:cNvPr id="5" name="TextBox 4">
+            <a:extLst>
+              <a:ext uri="{FF2B5EF4-FFF2-40B4-BE49-F238E27FC236}">
+                <a16:creationId xmlns:a16="http://schemas.microsoft.com/office/drawing/2014/main" id="{BBF75125-788D-4D03-EC0A-A3C284BEC4EF}"/>
+              </a:ext>
+            </a:extLst>
+          </p:cNvPr>
+          <p:cNvSpPr txBox="1"/>
+          <p:nvPr/>
+        </p:nvSpPr>
+        <p:spPr>
+          <a:xfrm>
+            <a:off x="838200" y="1690688"/>
+            <a:ext cx="7389056" cy="2308324"/>
+          </a:xfrm>
+          <a:prstGeom prst="rect">
+            <a:avLst/>
+          </a:prstGeom>
+          <a:noFill/>
+        </p:spPr>
+        <p:txBody>
+          <a:bodyPr wrap="square">
+            <a:spAutoFit/>
+          </a:bodyPr>
+          <a:lstStyle/>
+          <a:p>
+            <a:r>
+              <a:rPr lang="en-US" dirty="0"/>
+              <a:t> parameter	rate 		</a:t>
+            </a:r>
+            <a:r>
+              <a:rPr lang="en-US" dirty="0" err="1"/>
+              <a:t>rate_wk</a:t>
+            </a:r>
+            <a:endParaRPr lang="en-US" dirty="0"/>
+          </a:p>
+          <a:p>
+            <a:r>
+              <a:rPr lang="en-US" dirty="0"/>
+              <a:t>  &lt;</a:t>
+            </a:r>
+            <a:r>
+              <a:rPr lang="en-US" dirty="0" err="1"/>
+              <a:t>fct</a:t>
+            </a:r>
+            <a:r>
+              <a:rPr lang="en-US" dirty="0"/>
+              <a:t>&gt;      		&lt;</a:t>
+            </a:r>
+            <a:r>
+              <a:rPr lang="en-US" dirty="0" err="1"/>
+              <a:t>dbl</a:t>
+            </a:r>
+            <a:r>
+              <a:rPr lang="en-US" dirty="0"/>
+              <a:t>&gt;   		&lt;</a:t>
+            </a:r>
+            <a:r>
+              <a:rPr lang="en-US" dirty="0" err="1"/>
+              <a:t>dbl</a:t>
+            </a:r>
+            <a:r>
+              <a:rPr lang="en-US" dirty="0"/>
+              <a:t>&gt;</a:t>
+            </a:r>
+          </a:p>
+          <a:p>
+            <a:r>
+              <a:rPr lang="en-US" dirty="0"/>
+              <a:t>1 </a:t>
+            </a:r>
+            <a:r>
+              <a:rPr lang="en-US" dirty="0" err="1"/>
+              <a:t>hdea</a:t>
+            </a:r>
+            <a:r>
+              <a:rPr lang="en-US" dirty="0"/>
+              <a:t>      	0.0234 		0.00537</a:t>
+            </a:r>
+          </a:p>
+          <a:p>
+            <a:r>
+              <a:rPr lang="en-US" dirty="0"/>
+              <a:t>2 hint      		0.0527 		0.0121 </a:t>
+            </a:r>
+          </a:p>
+          <a:p>
+            <a:r>
+              <a:rPr lang="en-US" dirty="0"/>
+              <a:t>3 </a:t>
+            </a:r>
+            <a:r>
+              <a:rPr lang="en-US" dirty="0" err="1"/>
+              <a:t>hoff</a:t>
+            </a:r>
+            <a:r>
+              <a:rPr lang="en-US" dirty="0"/>
+              <a:t>      		0.0527 		0.0121 </a:t>
+            </a:r>
+          </a:p>
+          <a:p>
+            <a:r>
+              <a:rPr lang="en-US" dirty="0"/>
+              <a:t>4 </a:t>
+            </a:r>
+            <a:r>
+              <a:rPr lang="en-US" dirty="0" err="1"/>
+              <a:t>hpar</a:t>
+            </a:r>
+            <a:r>
+              <a:rPr lang="en-US" dirty="0"/>
+              <a:t>      		0.0680 		0.0157 </a:t>
+            </a:r>
+          </a:p>
+          <a:p>
+            <a:r>
+              <a:rPr lang="en-US" dirty="0"/>
+              <a:t>5 </a:t>
+            </a:r>
+            <a:r>
+              <a:rPr lang="en-US" dirty="0" err="1"/>
+              <a:t>netpro</a:t>
+            </a:r>
+            <a:r>
+              <a:rPr lang="en-US" dirty="0"/>
+              <a:t>    	1.48   		0.341  </a:t>
+            </a:r>
+          </a:p>
+          <a:p>
+            <a:r>
+              <a:rPr lang="en-US" dirty="0"/>
+              <a:t>6 </a:t>
+            </a:r>
+            <a:r>
+              <a:rPr lang="en-US" dirty="0" err="1"/>
+              <a:t>reprod</a:t>
+            </a:r>
+            <a:r>
+              <a:rPr lang="en-US" dirty="0"/>
+              <a:t>    	0.0997 		0.0230 </a:t>
+            </a:r>
+          </a:p>
+        </p:txBody>
+      </p:sp>
+    </p:spTree>
+    <p:extLst>
+      <p:ext uri="{BB962C8B-B14F-4D97-AF65-F5344CB8AC3E}">
+        <p14:creationId xmlns:p14="http://schemas.microsoft.com/office/powerpoint/2010/main" val="3929642493"/>
+      </p:ext>
+    </p:extLst>
+  </p:cSld>
+  <p:clrMapOvr>
+    <a:masterClrMapping/>
+  </p:clrMapOvr>
+</p:sld>
+</file>
+
+<file path=ppt/slides/slide4.xml><?xml version="1.0" encoding="utf-8"?>
+<p:sld xmlns:a="http://schemas.openxmlformats.org/drawingml/2006/main" xmlns:r="http://schemas.openxmlformats.org/officeDocument/2006/relationships" xmlns:p="http://schemas.openxmlformats.org/presentationml/2006/main">
+  <p:cSld>
+    <p:bg>
+      <p:bgPr>
+        <a:solidFill>
+          <a:schemeClr val="bg1"/>
+        </a:solidFill>
+        <a:effectLst/>
+      </p:bgPr>
+    </p:bg>
+    <p:spTree>
+      <p:nvGrpSpPr>
+        <p:cNvPr id="1" name=""/>
+        <p:cNvGrpSpPr/>
+        <p:nvPr/>
+      </p:nvGrpSpPr>
+      <p:grpSpPr>
+        <a:xfrm>
+          <a:off x="0" y="0"/>
+          <a:ext cx="0" cy="0"/>
+          <a:chOff x="0" y="0"/>
+          <a:chExt cx="0" cy="0"/>
+        </a:xfrm>
+      </p:grpSpPr>
       <p:pic>
         <p:nvPicPr>
           <p:cNvPr id="5" name="Picture 4">
@@ -4321,7 +5456,7 @@
 </p:sld>
 </file>
 
-<file path=ppt/slides/slide3.xml><?xml version="1.0" encoding="utf-8"?>
+<file path=ppt/slides/slide5.xml><?xml version="1.0" encoding="utf-8"?>
 <p:sld xmlns:a="http://schemas.openxmlformats.org/drawingml/2006/main" xmlns:r="http://schemas.openxmlformats.org/officeDocument/2006/relationships" xmlns:p="http://schemas.openxmlformats.org/presentationml/2006/main">
   <p:cSld>
     <p:bg>
@@ -4668,6 +5803,201 @@
     <p:extLst>
       <p:ext uri="{BB962C8B-B14F-4D97-AF65-F5344CB8AC3E}">
         <p14:creationId xmlns:p14="http://schemas.microsoft.com/office/powerpoint/2010/main" val="419127042"/>
+      </p:ext>
+    </p:extLst>
+  </p:cSld>
+  <p:clrMapOvr>
+    <a:masterClrMapping/>
+  </p:clrMapOvr>
+</p:sld>
+</file>
+
+<file path=ppt/slides/slide6.xml><?xml version="1.0" encoding="utf-8"?>
+<p:sld xmlns:a="http://schemas.openxmlformats.org/drawingml/2006/main" xmlns:r="http://schemas.openxmlformats.org/officeDocument/2006/relationships" xmlns:p="http://schemas.openxmlformats.org/presentationml/2006/main">
+  <p:cSld>
+    <p:spTree>
+      <p:nvGrpSpPr>
+        <p:cNvPr id="1" name=""/>
+        <p:cNvGrpSpPr/>
+        <p:nvPr/>
+      </p:nvGrpSpPr>
+      <p:grpSpPr>
+        <a:xfrm>
+          <a:off x="0" y="0"/>
+          <a:ext cx="0" cy="0"/>
+          <a:chOff x="0" y="0"/>
+          <a:chExt cx="0" cy="0"/>
+        </a:xfrm>
+      </p:grpSpPr>
+      <p:sp>
+        <p:nvSpPr>
+          <p:cNvPr id="3" name="TextBox 2">
+            <a:extLst>
+              <a:ext uri="{FF2B5EF4-FFF2-40B4-BE49-F238E27FC236}">
+                <a16:creationId xmlns:a16="http://schemas.microsoft.com/office/drawing/2014/main" id="{2CEAF43A-3C94-8B4E-2E3A-71E8CE67926E}"/>
+              </a:ext>
+            </a:extLst>
+          </p:cNvPr>
+          <p:cNvSpPr txBox="1"/>
+          <p:nvPr/>
+        </p:nvSpPr>
+        <p:spPr>
+          <a:xfrm>
+            <a:off x="3049172" y="2709242"/>
+            <a:ext cx="6098344" cy="1446550"/>
+          </a:xfrm>
+          <a:prstGeom prst="rect">
+            <a:avLst/>
+          </a:prstGeom>
+          <a:noFill/>
+        </p:spPr>
+        <p:txBody>
+          <a:bodyPr wrap="square">
+            <a:spAutoFit/>
+          </a:bodyPr>
+          <a:lstStyle/>
+          <a:p>
+            <a:pPr rtl="0" fontAlgn="ctr">
+              <a:spcBef>
+                <a:spcPts val="0"/>
+              </a:spcBef>
+              <a:spcAft>
+                <a:spcPts val="0"/>
+              </a:spcAft>
+              <a:buFont typeface="Courier New" panose="02070309020205020404" pitchFamily="49" charset="0"/>
+              <a:buChar char="o"/>
+            </a:pPr>
+            <a:r>
+              <a:rPr lang="en-GB" sz="1100" dirty="0">
+                <a:effectLst/>
+                <a:latin typeface="Calibri" panose="020F0502020204030204" pitchFamily="34" charset="0"/>
+              </a:rPr>
+              <a:t>Developments:</a:t>
+            </a:r>
+          </a:p>
+          <a:p>
+            <a:pPr marL="742950" lvl="1" indent="-285750" rtl="0" fontAlgn="ctr">
+              <a:spcBef>
+                <a:spcPts val="0"/>
+              </a:spcBef>
+              <a:spcAft>
+                <a:spcPts val="0"/>
+              </a:spcAft>
+              <a:buFont typeface="Arial" panose="020B0604020202020204" pitchFamily="34" charset="0"/>
+              <a:buChar char="•"/>
+            </a:pPr>
+            <a:r>
+              <a:rPr lang="en-GB" sz="1100" dirty="0">
+                <a:effectLst/>
+                <a:latin typeface="Calibri" panose="020F0502020204030204" pitchFamily="34" charset="0"/>
+              </a:rPr>
+              <a:t>Controlling population size (tbc when more parameter sets fitted)</a:t>
+            </a:r>
+          </a:p>
+          <a:p>
+            <a:pPr marL="1143000" lvl="2" indent="-228600" rtl="0" fontAlgn="ctr">
+              <a:spcBef>
+                <a:spcPts val="0"/>
+              </a:spcBef>
+              <a:spcAft>
+                <a:spcPts val="0"/>
+              </a:spcAft>
+              <a:buFont typeface="Arial" panose="020B0604020202020204" pitchFamily="34" charset="0"/>
+              <a:buChar char="§"/>
+            </a:pPr>
+            <a:r>
+              <a:rPr lang="en-GB" sz="1100" dirty="0">
+                <a:solidFill>
+                  <a:srgbClr val="7F7F7F"/>
+                </a:solidFill>
+                <a:effectLst/>
+                <a:latin typeface="Calibri" panose="020F0502020204030204" pitchFamily="34" charset="0"/>
+              </a:rPr>
+              <a:t>GF: Need to think about end population - stable / exponential / avoid collapse</a:t>
+            </a:r>
+          </a:p>
+          <a:p>
+            <a:pPr marL="742950" lvl="1" indent="-285750" rtl="0" fontAlgn="ctr">
+              <a:spcBef>
+                <a:spcPts val="0"/>
+              </a:spcBef>
+              <a:spcAft>
+                <a:spcPts val="0"/>
+              </a:spcAft>
+              <a:buFont typeface="Arial" panose="020B0604020202020204" pitchFamily="34" charset="0"/>
+              <a:buChar char="•"/>
+            </a:pPr>
+            <a:r>
+              <a:rPr lang="en-GB" sz="1100" dirty="0">
+                <a:effectLst/>
+                <a:latin typeface="Calibri" panose="020F0502020204030204" pitchFamily="34" charset="0"/>
+              </a:rPr>
+              <a:t>Add in transmission</a:t>
+            </a:r>
+          </a:p>
+          <a:p>
+            <a:pPr marL="742950" lvl="1" indent="-285750" rtl="0" fontAlgn="ctr">
+              <a:spcBef>
+                <a:spcPts val="0"/>
+              </a:spcBef>
+              <a:spcAft>
+                <a:spcPts val="0"/>
+              </a:spcAft>
+              <a:buFont typeface="Arial" panose="020B0604020202020204" pitchFamily="34" charset="0"/>
+              <a:buChar char="•"/>
+            </a:pPr>
+            <a:r>
+              <a:rPr lang="en-GB" sz="1100" dirty="0">
+                <a:effectLst/>
+                <a:latin typeface="Calibri" panose="020F0502020204030204" pitchFamily="34" charset="0"/>
+              </a:rPr>
+              <a:t>Seasonality of demographic rates (how?) - thinking just 2 seasons, 1 "peak", remainder "normal"</a:t>
+            </a:r>
+          </a:p>
+          <a:p>
+            <a:pPr rtl="0" fontAlgn="ctr">
+              <a:spcBef>
+                <a:spcPts val="0"/>
+              </a:spcBef>
+              <a:spcAft>
+                <a:spcPts val="0"/>
+              </a:spcAft>
+              <a:buFont typeface="Courier New" panose="02070309020205020404" pitchFamily="49" charset="0"/>
+              <a:buChar char="o"/>
+            </a:pPr>
+            <a:r>
+              <a:rPr lang="en-GB" sz="1100" dirty="0">
+                <a:effectLst/>
+                <a:latin typeface="Calibri" panose="020F0502020204030204" pitchFamily="34" charset="0"/>
+              </a:rPr>
+              <a:t>Timestep of model</a:t>
+            </a:r>
+          </a:p>
+          <a:p>
+            <a:pPr marL="742950" lvl="1" indent="-285750" rtl="0" fontAlgn="ctr">
+              <a:spcBef>
+                <a:spcPts val="0"/>
+              </a:spcBef>
+              <a:spcAft>
+                <a:spcPts val="0"/>
+              </a:spcAft>
+              <a:buFont typeface="Arial" panose="020B0604020202020204" pitchFamily="34" charset="0"/>
+              <a:buChar char="•"/>
+            </a:pPr>
+            <a:r>
+              <a:rPr lang="en-GB" sz="1100" dirty="0">
+                <a:effectLst/>
+                <a:latin typeface="Calibri" panose="020F0502020204030204" pitchFamily="34" charset="0"/>
+              </a:rPr>
+              <a:t>Weekly demographic rates are hard to come by…</a:t>
+            </a:r>
+          </a:p>
+        </p:txBody>
+      </p:sp>
+    </p:spTree>
+    <p:extLst>
+      <p:ext uri="{BB962C8B-B14F-4D97-AF65-F5344CB8AC3E}">
+        <p14:creationId xmlns:p14="http://schemas.microsoft.com/office/powerpoint/2010/main" val="2166822845"/>
       </p:ext>
     </p:extLst>
   </p:cSld>

--- a/results-presentations/model-test-BAOBAB.pptx
+++ b/results-presentations/model-test-BAOBAB.pptx
@@ -5,15 +5,16 @@
     <p:sldMasterId id="2147483648" r:id="rId1"/>
   </p:sldMasterIdLst>
   <p:notesMasterIdLst>
-    <p:notesMasterId r:id="rId8"/>
+    <p:notesMasterId r:id="rId9"/>
   </p:notesMasterIdLst>
   <p:sldIdLst>
     <p:sldId id="256" r:id="rId2"/>
     <p:sldId id="262" r:id="rId3"/>
     <p:sldId id="263" r:id="rId4"/>
     <p:sldId id="260" r:id="rId5"/>
-    <p:sldId id="261" r:id="rId6"/>
-    <p:sldId id="264" r:id="rId7"/>
+    <p:sldId id="264" r:id="rId6"/>
+    <p:sldId id="265" r:id="rId7"/>
+    <p:sldId id="266" r:id="rId8"/>
   </p:sldIdLst>
   <p:sldSz cx="12192000" cy="6858000"/>
   <p:notesSz cx="6858000" cy="9144000"/>
@@ -123,7 +124,7 @@
 <file path=ppt/revisionInfo.xml><?xml version="1.0" encoding="utf-8"?>
 <p1510:revInfo xmlns:a="http://schemas.openxmlformats.org/drawingml/2006/main" xmlns:r="http://schemas.openxmlformats.org/officeDocument/2006/relationships" xmlns:p1510="http://schemas.microsoft.com/office/powerpoint/2015/10/main">
   <p1510:revLst>
-    <p1510:client id="{A1FE3073-CEB4-3140-B0CA-5FEA12E5C3D9}" v="3" dt="2023-02-28T11:45:53.507"/>
+    <p1510:client id="{A1FE3073-CEB4-3140-B0CA-5FEA12E5C3D9}" v="12" dt="2023-02-28T12:33:09.803"/>
   </p1510:revLst>
 </p1510:revInfo>
 </file>
@@ -132,16 +133,103 @@
 <pc:chgInfo xmlns:a="http://schemas.openxmlformats.org/drawingml/2006/main" xmlns:r="http://schemas.openxmlformats.org/officeDocument/2006/relationships" xmlns:ac="http://schemas.microsoft.com/office/drawing/2013/main/command" xmlns:pc="http://schemas.microsoft.com/office/powerpoint/2013/main/command">
   <pc:docChgLst>
     <pc:chgData name="Savagar, Bethan Alice" userId="dc0b6509-dca5-46f6-b355-e03f7348faa9" providerId="ADAL" clId="{A1FE3073-CEB4-3140-B0CA-5FEA12E5C3D9}"/>
-    <pc:docChg chg="undo custSel addSld modSld">
-      <pc:chgData name="Savagar, Bethan Alice" userId="dc0b6509-dca5-46f6-b355-e03f7348faa9" providerId="ADAL" clId="{A1FE3073-CEB4-3140-B0CA-5FEA12E5C3D9}" dt="2023-02-28T12:01:14.033" v="495" actId="20577"/>
+    <pc:docChg chg="undo custSel addSld delSld modSld">
+      <pc:chgData name="Savagar, Bethan Alice" userId="dc0b6509-dca5-46f6-b355-e03f7348faa9" providerId="ADAL" clId="{A1FE3073-CEB4-3140-B0CA-5FEA12E5C3D9}" dt="2023-02-28T12:55:03.330" v="1111" actId="12"/>
       <pc:docMkLst>
         <pc:docMk/>
       </pc:docMkLst>
-      <pc:sldChg chg="modNotesTx">
-        <pc:chgData name="Savagar, Bethan Alice" userId="dc0b6509-dca5-46f6-b355-e03f7348faa9" providerId="ADAL" clId="{A1FE3073-CEB4-3140-B0CA-5FEA12E5C3D9}" dt="2023-02-28T12:01:14.033" v="495" actId="20577"/>
+      <pc:sldChg chg="addSp delSp modSp mod modNotesTx">
+        <pc:chgData name="Savagar, Bethan Alice" userId="dc0b6509-dca5-46f6-b355-e03f7348faa9" providerId="ADAL" clId="{A1FE3073-CEB4-3140-B0CA-5FEA12E5C3D9}" dt="2023-02-28T12:55:03.330" v="1111" actId="12"/>
         <pc:sldMkLst>
           <pc:docMk/>
           <pc:sldMk cId="2073572194" sldId="260"/>
+        </pc:sldMkLst>
+        <pc:spChg chg="add mod">
+          <ac:chgData name="Savagar, Bethan Alice" userId="dc0b6509-dca5-46f6-b355-e03f7348faa9" providerId="ADAL" clId="{A1FE3073-CEB4-3140-B0CA-5FEA12E5C3D9}" dt="2023-02-28T12:55:03.330" v="1111" actId="12"/>
+          <ac:spMkLst>
+            <pc:docMk/>
+            <pc:sldMk cId="2073572194" sldId="260"/>
+            <ac:spMk id="8" creationId="{1FFCA54F-F596-9ACA-B8C7-D844C41C9AC4}"/>
+          </ac:spMkLst>
+        </pc:spChg>
+        <pc:spChg chg="del">
+          <ac:chgData name="Savagar, Bethan Alice" userId="dc0b6509-dca5-46f6-b355-e03f7348faa9" providerId="ADAL" clId="{A1FE3073-CEB4-3140-B0CA-5FEA12E5C3D9}" dt="2023-02-28T12:11:10.320" v="504" actId="26606"/>
+          <ac:spMkLst>
+            <pc:docMk/>
+            <pc:sldMk cId="2073572194" sldId="260"/>
+            <ac:spMk id="16" creationId="{417CDA24-35F8-4540-8C52-3096D6D94949}"/>
+          </ac:spMkLst>
+        </pc:spChg>
+        <pc:spChg chg="del">
+          <ac:chgData name="Savagar, Bethan Alice" userId="dc0b6509-dca5-46f6-b355-e03f7348faa9" providerId="ADAL" clId="{A1FE3073-CEB4-3140-B0CA-5FEA12E5C3D9}" dt="2023-02-28T12:11:10.320" v="504" actId="26606"/>
+          <ac:spMkLst>
+            <pc:docMk/>
+            <pc:sldMk cId="2073572194" sldId="260"/>
+            <ac:spMk id="17" creationId="{8658BFE0-4E65-4174-9C75-687C94E88273}"/>
+          </ac:spMkLst>
+        </pc:spChg>
+        <pc:spChg chg="del">
+          <ac:chgData name="Savagar, Bethan Alice" userId="dc0b6509-dca5-46f6-b355-e03f7348faa9" providerId="ADAL" clId="{A1FE3073-CEB4-3140-B0CA-5FEA12E5C3D9}" dt="2023-02-28T12:11:10.320" v="504" actId="26606"/>
+          <ac:spMkLst>
+            <pc:docMk/>
+            <pc:sldMk cId="2073572194" sldId="260"/>
+            <ac:spMk id="18" creationId="{FA75DFED-A0C1-4A83-BE1D-0271C1826EF6}"/>
+          </ac:spMkLst>
+        </pc:spChg>
+        <pc:picChg chg="del mod">
+          <ac:chgData name="Savagar, Bethan Alice" userId="dc0b6509-dca5-46f6-b355-e03f7348faa9" providerId="ADAL" clId="{A1FE3073-CEB4-3140-B0CA-5FEA12E5C3D9}" dt="2023-02-28T12:09:41.269" v="497" actId="478"/>
+          <ac:picMkLst>
+            <pc:docMk/>
+            <pc:sldMk cId="2073572194" sldId="260"/>
+            <ac:picMk id="2" creationId="{ECB39062-AC15-6288-B541-2801B0A76945}"/>
+          </ac:picMkLst>
+        </pc:picChg>
+        <pc:picChg chg="del">
+          <ac:chgData name="Savagar, Bethan Alice" userId="dc0b6509-dca5-46f6-b355-e03f7348faa9" providerId="ADAL" clId="{A1FE3073-CEB4-3140-B0CA-5FEA12E5C3D9}" dt="2023-02-28T12:09:42.890" v="499" actId="478"/>
+          <ac:picMkLst>
+            <pc:docMk/>
+            <pc:sldMk cId="2073572194" sldId="260"/>
+            <ac:picMk id="3" creationId="{7467C030-2103-A6A9-BC2C-C4C6D8857979}"/>
+          </ac:picMkLst>
+        </pc:picChg>
+        <pc:picChg chg="del">
+          <ac:chgData name="Savagar, Bethan Alice" userId="dc0b6509-dca5-46f6-b355-e03f7348faa9" providerId="ADAL" clId="{A1FE3073-CEB4-3140-B0CA-5FEA12E5C3D9}" dt="2023-02-28T12:09:44.298" v="500" actId="478"/>
+          <ac:picMkLst>
+            <pc:docMk/>
+            <pc:sldMk cId="2073572194" sldId="260"/>
+            <ac:picMk id="4" creationId="{59CFFECB-6559-6D44-934D-0B567BC9B280}"/>
+          </ac:picMkLst>
+        </pc:picChg>
+        <pc:picChg chg="del">
+          <ac:chgData name="Savagar, Bethan Alice" userId="dc0b6509-dca5-46f6-b355-e03f7348faa9" providerId="ADAL" clId="{A1FE3073-CEB4-3140-B0CA-5FEA12E5C3D9}" dt="2023-02-28T12:09:42.239" v="498" actId="478"/>
+          <ac:picMkLst>
+            <pc:docMk/>
+            <pc:sldMk cId="2073572194" sldId="260"/>
+            <ac:picMk id="5" creationId="{907CC05C-5258-F7E3-691D-2E5CFB085AA5}"/>
+          </ac:picMkLst>
+        </pc:picChg>
+        <pc:picChg chg="add mod">
+          <ac:chgData name="Savagar, Bethan Alice" userId="dc0b6509-dca5-46f6-b355-e03f7348faa9" providerId="ADAL" clId="{A1FE3073-CEB4-3140-B0CA-5FEA12E5C3D9}" dt="2023-02-28T12:13:52.790" v="602" actId="1076"/>
+          <ac:picMkLst>
+            <pc:docMk/>
+            <pc:sldMk cId="2073572194" sldId="260"/>
+            <ac:picMk id="6" creationId="{894DDA6F-6C9B-407C-F7BB-2C070A49164C}"/>
+          </ac:picMkLst>
+        </pc:picChg>
+        <pc:picChg chg="add mod">
+          <ac:chgData name="Savagar, Bethan Alice" userId="dc0b6509-dca5-46f6-b355-e03f7348faa9" providerId="ADAL" clId="{A1FE3073-CEB4-3140-B0CA-5FEA12E5C3D9}" dt="2023-02-28T12:13:52.790" v="602" actId="1076"/>
+          <ac:picMkLst>
+            <pc:docMk/>
+            <pc:sldMk cId="2073572194" sldId="260"/>
+            <ac:picMk id="7" creationId="{CDFA071C-E3FA-1DCC-F155-63FB177C6091}"/>
+          </ac:picMkLst>
+        </pc:picChg>
+      </pc:sldChg>
+      <pc:sldChg chg="add del">
+        <pc:chgData name="Savagar, Bethan Alice" userId="dc0b6509-dca5-46f6-b355-e03f7348faa9" providerId="ADAL" clId="{A1FE3073-CEB4-3140-B0CA-5FEA12E5C3D9}" dt="2023-02-28T12:11:19.806" v="507" actId="2696"/>
+        <pc:sldMkLst>
+          <pc:docMk/>
+          <pc:sldMk cId="419127042" sldId="261"/>
         </pc:sldMkLst>
       </pc:sldChg>
       <pc:sldChg chg="addSp delSp modSp new mod setBg modNotesTx">
@@ -208,7 +296,7 @@
         </pc:cxnChg>
       </pc:sldChg>
       <pc:sldChg chg="addSp delSp modSp new mod modNotesTx">
-        <pc:chgData name="Savagar, Bethan Alice" userId="dc0b6509-dca5-46f6-b355-e03f7348faa9" providerId="ADAL" clId="{A1FE3073-CEB4-3140-B0CA-5FEA12E5C3D9}" dt="2023-02-28T11:51:15.525" v="463" actId="20577"/>
+        <pc:chgData name="Savagar, Bethan Alice" userId="dc0b6509-dca5-46f6-b355-e03f7348faa9" providerId="ADAL" clId="{A1FE3073-CEB4-3140-B0CA-5FEA12E5C3D9}" dt="2023-02-28T12:19:37.089" v="1010" actId="20577"/>
         <pc:sldMkLst>
           <pc:docMk/>
           <pc:sldMk cId="3929642493" sldId="263"/>
@@ -237,15 +325,71 @@
             <ac:spMk id="5" creationId="{BBF75125-788D-4D03-EC0A-A3C284BEC4EF}"/>
           </ac:spMkLst>
         </pc:spChg>
+        <pc:spChg chg="add mod">
+          <ac:chgData name="Savagar, Bethan Alice" userId="dc0b6509-dca5-46f6-b355-e03f7348faa9" providerId="ADAL" clId="{A1FE3073-CEB4-3140-B0CA-5FEA12E5C3D9}" dt="2023-02-28T12:12:05.348" v="595" actId="14100"/>
+          <ac:spMkLst>
+            <pc:docMk/>
+            <pc:sldMk cId="3929642493" sldId="263"/>
+            <ac:spMk id="6" creationId="{61BA93B9-506C-C100-0D05-FD57E3328BAB}"/>
+          </ac:spMkLst>
+        </pc:spChg>
+        <pc:spChg chg="add mod">
+          <ac:chgData name="Savagar, Bethan Alice" userId="dc0b6509-dca5-46f6-b355-e03f7348faa9" providerId="ADAL" clId="{A1FE3073-CEB4-3140-B0CA-5FEA12E5C3D9}" dt="2023-02-28T12:16:18.195" v="882" actId="20577"/>
+          <ac:spMkLst>
+            <pc:docMk/>
+            <pc:sldMk cId="3929642493" sldId="263"/>
+            <ac:spMk id="12" creationId="{25CF36EF-D8AC-AFE5-B129-C30106001292}"/>
+          </ac:spMkLst>
+        </pc:spChg>
+        <pc:spChg chg="add mod">
+          <ac:chgData name="Savagar, Bethan Alice" userId="dc0b6509-dca5-46f6-b355-e03f7348faa9" providerId="ADAL" clId="{A1FE3073-CEB4-3140-B0CA-5FEA12E5C3D9}" dt="2023-02-28T12:19:00.990" v="1005" actId="20577"/>
+          <ac:spMkLst>
+            <pc:docMk/>
+            <pc:sldMk cId="3929642493" sldId="263"/>
+            <ac:spMk id="13" creationId="{951DF4FF-9FD7-7618-5391-A4CB6A93BFAA}"/>
+          </ac:spMkLst>
+        </pc:spChg>
+        <pc:spChg chg="add mod">
+          <ac:chgData name="Savagar, Bethan Alice" userId="dc0b6509-dca5-46f6-b355-e03f7348faa9" providerId="ADAL" clId="{A1FE3073-CEB4-3140-B0CA-5FEA12E5C3D9}" dt="2023-02-28T12:19:37.089" v="1010" actId="20577"/>
+          <ac:spMkLst>
+            <pc:docMk/>
+            <pc:sldMk cId="3929642493" sldId="263"/>
+            <ac:spMk id="14" creationId="{8793A274-5853-0915-853F-B936A42D600D}"/>
+          </ac:spMkLst>
+        </pc:spChg>
+        <pc:inkChg chg="add">
+          <ac:chgData name="Savagar, Bethan Alice" userId="dc0b6509-dca5-46f6-b355-e03f7348faa9" providerId="ADAL" clId="{A1FE3073-CEB4-3140-B0CA-5FEA12E5C3D9}" dt="2023-02-28T12:13:14.954" v="600" actId="9405"/>
+          <ac:inkMkLst>
+            <pc:docMk/>
+            <pc:sldMk cId="3929642493" sldId="263"/>
+            <ac:inkMk id="10" creationId="{B5D69BD1-6E82-3F8A-0149-2D5D8D609DE8}"/>
+          </ac:inkMkLst>
+        </pc:inkChg>
+        <pc:inkChg chg="add">
+          <ac:chgData name="Savagar, Bethan Alice" userId="dc0b6509-dca5-46f6-b355-e03f7348faa9" providerId="ADAL" clId="{A1FE3073-CEB4-3140-B0CA-5FEA12E5C3D9}" dt="2023-02-28T12:13:19.396" v="601" actId="9405"/>
+          <ac:inkMkLst>
+            <pc:docMk/>
+            <pc:sldMk cId="3929642493" sldId="263"/>
+            <ac:inkMk id="11" creationId="{638613C3-B9C9-BF9D-AB20-803455583167}"/>
+          </ac:inkMkLst>
+        </pc:inkChg>
+        <pc:cxnChg chg="add mod">
+          <ac:chgData name="Savagar, Bethan Alice" userId="dc0b6509-dca5-46f6-b355-e03f7348faa9" providerId="ADAL" clId="{A1FE3073-CEB4-3140-B0CA-5FEA12E5C3D9}" dt="2023-02-28T12:12:49.121" v="599" actId="14100"/>
+          <ac:cxnSpMkLst>
+            <pc:docMk/>
+            <pc:sldMk cId="3929642493" sldId="263"/>
+            <ac:cxnSpMk id="8" creationId="{5BD1CFA8-D902-E022-81EC-185056796407}"/>
+          </ac:cxnSpMkLst>
+        </pc:cxnChg>
       </pc:sldChg>
-      <pc:sldChg chg="addSp new mod">
-        <pc:chgData name="Savagar, Bethan Alice" userId="dc0b6509-dca5-46f6-b355-e03f7348faa9" providerId="ADAL" clId="{A1FE3073-CEB4-3140-B0CA-5FEA12E5C3D9}" dt="2023-02-28T11:58:55.112" v="465" actId="22"/>
+      <pc:sldChg chg="addSp modSp new mod">
+        <pc:chgData name="Savagar, Bethan Alice" userId="dc0b6509-dca5-46f6-b355-e03f7348faa9" providerId="ADAL" clId="{A1FE3073-CEB4-3140-B0CA-5FEA12E5C3D9}" dt="2023-02-28T12:54:49.248" v="1109" actId="20577"/>
         <pc:sldMkLst>
           <pc:docMk/>
           <pc:sldMk cId="2166822845" sldId="264"/>
         </pc:sldMkLst>
-        <pc:spChg chg="add">
-          <ac:chgData name="Savagar, Bethan Alice" userId="dc0b6509-dca5-46f6-b355-e03f7348faa9" providerId="ADAL" clId="{A1FE3073-CEB4-3140-B0CA-5FEA12E5C3D9}" dt="2023-02-28T11:58:55.112" v="465" actId="22"/>
+        <pc:spChg chg="add mod">
+          <ac:chgData name="Savagar, Bethan Alice" userId="dc0b6509-dca5-46f6-b355-e03f7348faa9" providerId="ADAL" clId="{A1FE3073-CEB4-3140-B0CA-5FEA12E5C3D9}" dt="2023-02-28T12:54:49.248" v="1109" actId="20577"/>
           <ac:spMkLst>
             <pc:docMk/>
             <pc:sldMk cId="2166822845" sldId="264"/>
@@ -253,9 +397,111 @@
           </ac:spMkLst>
         </pc:spChg>
       </pc:sldChg>
+      <pc:sldChg chg="addSp delSp modSp new mod modClrScheme chgLayout">
+        <pc:chgData name="Savagar, Bethan Alice" userId="dc0b6509-dca5-46f6-b355-e03f7348faa9" providerId="ADAL" clId="{A1FE3073-CEB4-3140-B0CA-5FEA12E5C3D9}" dt="2023-02-28T12:28:54.082" v="1080" actId="478"/>
+        <pc:sldMkLst>
+          <pc:docMk/>
+          <pc:sldMk cId="563565559" sldId="265"/>
+        </pc:sldMkLst>
+        <pc:spChg chg="add mod">
+          <ac:chgData name="Savagar, Bethan Alice" userId="dc0b6509-dca5-46f6-b355-e03f7348faa9" providerId="ADAL" clId="{A1FE3073-CEB4-3140-B0CA-5FEA12E5C3D9}" dt="2023-02-28T12:26:51.665" v="1057" actId="20577"/>
+          <ac:spMkLst>
+            <pc:docMk/>
+            <pc:sldMk cId="563565559" sldId="265"/>
+            <ac:spMk id="2" creationId="{21977956-9B79-B2A3-1EE1-4E20D0D6046E}"/>
+          </ac:spMkLst>
+        </pc:spChg>
+        <pc:spChg chg="add del mod">
+          <ac:chgData name="Savagar, Bethan Alice" userId="dc0b6509-dca5-46f6-b355-e03f7348faa9" providerId="ADAL" clId="{A1FE3073-CEB4-3140-B0CA-5FEA12E5C3D9}" dt="2023-02-28T12:27:24.792" v="1058"/>
+          <ac:spMkLst>
+            <pc:docMk/>
+            <pc:sldMk cId="563565559" sldId="265"/>
+            <ac:spMk id="3" creationId="{8CFCD6D6-7E75-8B7C-A89B-7F5D84E496D5}"/>
+          </ac:spMkLst>
+        </pc:spChg>
+        <pc:spChg chg="add mod">
+          <ac:chgData name="Savagar, Bethan Alice" userId="dc0b6509-dca5-46f6-b355-e03f7348faa9" providerId="ADAL" clId="{A1FE3073-CEB4-3140-B0CA-5FEA12E5C3D9}" dt="2023-02-28T12:28:54.082" v="1080" actId="478"/>
+          <ac:spMkLst>
+            <pc:docMk/>
+            <pc:sldMk cId="563565559" sldId="265"/>
+            <ac:spMk id="6" creationId="{82F2D9BD-2C24-1D6A-0AB2-08AEAFAB7B42}"/>
+          </ac:spMkLst>
+        </pc:spChg>
+        <pc:graphicFrameChg chg="add del mod modGraphic">
+          <ac:chgData name="Savagar, Bethan Alice" userId="dc0b6509-dca5-46f6-b355-e03f7348faa9" providerId="ADAL" clId="{A1FE3073-CEB4-3140-B0CA-5FEA12E5C3D9}" dt="2023-02-28T12:28:54.082" v="1080" actId="478"/>
+          <ac:graphicFrameMkLst>
+            <pc:docMk/>
+            <pc:sldMk cId="563565559" sldId="265"/>
+            <ac:graphicFrameMk id="4" creationId="{FDF649DB-5E4B-07CE-1C6D-1FC89DDF7473}"/>
+          </ac:graphicFrameMkLst>
+        </pc:graphicFrameChg>
+      </pc:sldChg>
+      <pc:sldChg chg="new">
+        <pc:chgData name="Savagar, Bethan Alice" userId="dc0b6509-dca5-46f6-b355-e03f7348faa9" providerId="ADAL" clId="{A1FE3073-CEB4-3140-B0CA-5FEA12E5C3D9}" dt="2023-02-28T12:26:40.886" v="1036" actId="680"/>
+        <pc:sldMkLst>
+          <pc:docMk/>
+          <pc:sldMk cId="1859828439" sldId="266"/>
+        </pc:sldMkLst>
+      </pc:sldChg>
     </pc:docChg>
   </pc:docChgLst>
 </pc:chgInfo>
+</file>
+
+<file path=ppt/ink/ink1.xml><?xml version="1.0" encoding="utf-8"?>
+<inkml:ink xmlns:inkml="http://www.w3.org/2003/InkML">
+  <inkml:definitions>
+    <inkml:context xml:id="ctx0">
+      <inkml:inkSource xml:id="inkSrc0">
+        <inkml:traceFormat>
+          <inkml:channel name="X" type="integer" min="-2.14748E9" max="2.14748E9" units="cm"/>
+          <inkml:channel name="Y" type="integer" min="-2.14748E9" max="2.14748E9" units="cm"/>
+        </inkml:traceFormat>
+        <inkml:channelProperties>
+          <inkml:channelProperty channel="X" name="resolution" value="1000" units="1/cm"/>
+          <inkml:channelProperty channel="Y" name="resolution" value="1000" units="1/cm"/>
+        </inkml:channelProperties>
+      </inkml:inkSource>
+      <inkml:timestamp xml:id="ts0" timeString="2023-02-28T12:13:14.935"/>
+    </inkml:context>
+    <inkml:brush xml:id="br0">
+      <inkml:brushProperty name="width" value="0.5" units="cm"/>
+      <inkml:brushProperty name="height" value="1" units="cm"/>
+      <inkml:brushProperty name="color" value="#FFFC00"/>
+      <inkml:brushProperty name="tip" value="rectangle"/>
+      <inkml:brushProperty name="rasterOp" value="maskPen"/>
+    </inkml:brush>
+  </inkml:definitions>
+  <inkml:trace contextRef="#ctx0" brushRef="#br0">1 301,'97'-8,"0"0,0 0,-1 0,1 0,0 0,0 1,0-1,2-1,3 1,0 1,-4-2,-5 1,-8-1,-12 0,3-3,-14-2,6 0,9-1,7-2,-1 0,-6 3,22-2,-1 1,-2 0,6 0,-11 4,-21 8,-6 3,1 0,0 0,-3 0,0 0,-2 0,0 0,-4 0,0 0,-1 0,-1 0,-1 0,0 0,-1 0,-1 0,0 0,0 0,0 0,-1 0,48 0,1 0,-49 0,0 0,48 0,-1 0,-5 0,-9 0,-9 0,-7 0,-4 0,-3 3,1 3,-1 3,0 3,0 0,-3-1,0-2,-3-1,-6-2,-3 0,-5 0,0-1,3 1,1-3,2 0,0 0,0 0,0 0,0-2,0-1,0 0,0 0,1 0,-1 0,3 2,4 2,4 2,5 2,0-2,2 2,2-1,-3-4,0 2,-3-1,-2-1,3 0,2-3,2 0,0 2,2 2,-1 2,2-1,5-1,4-2,5-2,4 0,3 0,2 0,2 0,1 0,-3 0,-2 0,-3 0,-1 0,-1 0,-4 0,4 0,-4 0,2 0,1 0,-2 0,3 0,-1 0,-6 0,-1 0,-8 0,-2 0,0 0,-5 0,-3 0,-4 0,-5 0,1 0,8 0,11 0,14 0,7 0,7-1,-4-2,-9 0,-10-1,-12 3,-4 1,-1 0,4 0,7 0,9 0,11 0,6-3,-44 1,1 0,-1 0,0 0,47-4,-5 3,-13-1,-12 2,-15 2,-10 0,-5 0,-1 0,4 0,7 0,6 0,4 0,1 0,-1 0,-1 0,-2 0,-1 0,-6 0,-6 0,-1 0,0-1,3-4,2-3,-2-2,-2 0,-5 2,-5 2,-1 3,-3 1,-3 2,3 0,-1-4,8 3,1-4</inkml:trace>
+</inkml:ink>
+</file>
+
+<file path=ppt/ink/ink2.xml><?xml version="1.0" encoding="utf-8"?>
+<inkml:ink xmlns:inkml="http://www.w3.org/2003/InkML">
+  <inkml:definitions>
+    <inkml:context xml:id="ctx0">
+      <inkml:inkSource xml:id="inkSrc0">
+        <inkml:traceFormat>
+          <inkml:channel name="X" type="integer" min="-2.14748E9" max="2.14748E9" units="cm"/>
+          <inkml:channel name="Y" type="integer" min="-2.14748E9" max="2.14748E9" units="cm"/>
+        </inkml:traceFormat>
+        <inkml:channelProperties>
+          <inkml:channelProperty channel="X" name="resolution" value="1000" units="1/cm"/>
+          <inkml:channelProperty channel="Y" name="resolution" value="1000" units="1/cm"/>
+        </inkml:channelProperties>
+      </inkml:inkSource>
+      <inkml:timestamp xml:id="ts0" timeString="2023-02-28T12:13:19.394"/>
+    </inkml:context>
+    <inkml:brush xml:id="br0">
+      <inkml:brushProperty name="width" value="0.5" units="cm"/>
+      <inkml:brushProperty name="height" value="1" units="cm"/>
+      <inkml:brushProperty name="color" value="#FFFC00"/>
+      <inkml:brushProperty name="tip" value="rectangle"/>
+      <inkml:brushProperty name="rasterOp" value="maskPen"/>
+    </inkml:brush>
+  </inkml:definitions>
+  <inkml:trace contextRef="#ctx0" brushRef="#br0">0 127,'81'0,"-1"0,1 0,-8 0,2 0,3 0,1 0,10 0,2 0,3 0,1 0,-12 0,3 0,0 0,1 0,-1 0,1 0,1 0,-1 0,-1 0,-3 0,9 0,-3 0,-2 0,-1 0,16 0,-3 0,-3 0,-14 0,-2 0,-2 0,-6 0,-2 0,0 0,1 0,0 0,-2 0,23 0,-3 0,-12 2,-2 2,-10 1,-3 3,-7 0,-2 2,37 12,-17-6,-14-4,-15-4,-9-5,-1-1,0-2,8 0,9 0,6 0,6 0,2 0,1 0,-3 0,2 0,1 0,2 0,3 0,-2 0,-1 0,-5 0,-5 0,-5 0,-5 0,-4 0,-3 0,-3 0,-2 0,0 0,3 0,1 0,3 0,3 0,2 0,2 0,0 0,0 0,0 0,-2 0,1 0,4 0,3 0,3 0,2 0,1 0,-1 0,-3 0,-5-2,-3-1,0-3,1 1,2 1,3 2,-2 2,2 0,-3 0,0 0,1-3,-1 0,0 0,-3 1,-3 2,-5 0,1 0,4-1,3-1,3-4,0 0,-3-2,2 2,-2 0,1 0,-1 3,1 0,-1 0,0 0,-3 0,-7 1,-1-1,-2 0,0 0,2 1,-2-1,2-1,1-3,2-1,5 0,5-1,5 2,1-1,3 3,-4-1,-4 0,-3 2,-4 1,3 0,2 0,-2 0,-4-1,-5 2,-5-1,-3 1,-2 0,-2 0,2-1,1-1,5 2,0 2,6 0,8 0,8 0,11 0,3 0,8 0,5-1,6-2,5-1,3 1,1 1,-49 2,0 0,-1 0,1 0,-1 0,1 0,1 0,0 0,1 0,0 0,2 0,-1 0,0 0,-1 0,-1 0,1 0,4 0,0 0,0 0,0 0,3 0,0 0,-1 0,-2 0,-5 0,-1 0,42 0,-18 0,-14 0,-15 0,-8 0,-7 0,-6 0,-2 0,8 0,-4 0,-1 4,4 9,-17 12,5 25,-12 15,-5-22,-1-3</inkml:trace>
+</inkml:ink>
 </file>
 
 <file path=ppt/notesMasters/notesMaster1.xml><?xml version="1.0" encoding="utf-8"?>
@@ -1130,10 +1376,9 @@
           </a:p>
           <a:p>
             <a:r>
-              <a:rPr lang="en-US"/>
+              <a:rPr lang="en-US" dirty="0"/>
               <a:t>Age cats: 4m/6m/12m/18m/18m+</a:t>
             </a:r>
-            <a:endParaRPr lang="en-US" dirty="0"/>
           </a:p>
           <a:p>
             <a:endParaRPr lang="en-US" dirty="0"/>
@@ -1143,6 +1388,12 @@
               <a:rPr lang="en-US" dirty="0"/>
               <a:t>No transmission</a:t>
             </a:r>
+          </a:p>
+          <a:p>
+            <a:endParaRPr lang="en-US" dirty="0"/>
+          </a:p>
+          <a:p>
+            <a:endParaRPr lang="en-US" dirty="0"/>
           </a:p>
         </p:txBody>
       </p:sp>
@@ -1173,103 +1424,6 @@
     <p:extLst>
       <p:ext uri="{BB962C8B-B14F-4D97-AF65-F5344CB8AC3E}">
         <p14:creationId xmlns:p14="http://schemas.microsoft.com/office/powerpoint/2010/main" val="1133383974"/>
-      </p:ext>
-    </p:extLst>
-  </p:cSld>
-  <p:clrMapOvr>
-    <a:masterClrMapping/>
-  </p:clrMapOvr>
-</p:notes>
-</file>
-
-<file path=ppt/notesSlides/notesSlide4.xml><?xml version="1.0" encoding="utf-8"?>
-<p:notes xmlns:a="http://schemas.openxmlformats.org/drawingml/2006/main" xmlns:r="http://schemas.openxmlformats.org/officeDocument/2006/relationships" xmlns:p="http://schemas.openxmlformats.org/presentationml/2006/main">
-  <p:cSld>
-    <p:spTree>
-      <p:nvGrpSpPr>
-        <p:cNvPr id="1" name=""/>
-        <p:cNvGrpSpPr/>
-        <p:nvPr/>
-      </p:nvGrpSpPr>
-      <p:grpSpPr>
-        <a:xfrm>
-          <a:off x="0" y="0"/>
-          <a:ext cx="0" cy="0"/>
-          <a:chOff x="0" y="0"/>
-          <a:chExt cx="0" cy="0"/>
-        </a:xfrm>
-      </p:grpSpPr>
-      <p:sp>
-        <p:nvSpPr>
-          <p:cNvPr id="2" name="Slide Image Placeholder 1"/>
-          <p:cNvSpPr>
-            <a:spLocks noGrp="1" noRot="1" noChangeAspect="1"/>
-          </p:cNvSpPr>
-          <p:nvPr>
-            <p:ph type="sldImg"/>
-          </p:nvPr>
-        </p:nvSpPr>
-        <p:spPr/>
-      </p:sp>
-      <p:sp>
-        <p:nvSpPr>
-          <p:cNvPr id="3" name="Notes Placeholder 2"/>
-          <p:cNvSpPr>
-            <a:spLocks noGrp="1"/>
-          </p:cNvSpPr>
-          <p:nvPr>
-            <p:ph type="body" idx="1"/>
-          </p:nvPr>
-        </p:nvSpPr>
-        <p:spPr/>
-        <p:txBody>
-          <a:bodyPr/>
-          <a:lstStyle/>
-          <a:p>
-            <a:r>
-              <a:rPr lang="en-US" dirty="0"/>
-              <a:t>As previous but with upper age limes of 5(male) and 7(female)</a:t>
-            </a:r>
-          </a:p>
-          <a:p>
-            <a:r>
-              <a:rPr lang="en-US" dirty="0"/>
-              <a:t>- Changed from 3 (male) and 5 </a:t>
-            </a:r>
-            <a:r>
-              <a:rPr lang="en-US"/>
-              <a:t>(female)</a:t>
-            </a:r>
-          </a:p>
-        </p:txBody>
-      </p:sp>
-      <p:sp>
-        <p:nvSpPr>
-          <p:cNvPr id="4" name="Slide Number Placeholder 3"/>
-          <p:cNvSpPr>
-            <a:spLocks noGrp="1"/>
-          </p:cNvSpPr>
-          <p:nvPr>
-            <p:ph type="sldNum" sz="quarter" idx="5"/>
-          </p:nvPr>
-        </p:nvSpPr>
-        <p:spPr/>
-        <p:txBody>
-          <a:bodyPr/>
-          <a:lstStyle/>
-          <a:p>
-            <a:fld id="{E7831A90-815D-FC42-8522-216E5D416C20}" type="slidenum">
-              <a:rPr lang="en-US" smtClean="0"/>
-              <a:t>5</a:t>
-            </a:fld>
-            <a:endParaRPr lang="en-US"/>
-          </a:p>
-        </p:txBody>
-      </p:sp>
-    </p:spTree>
-    <p:extLst>
-      <p:ext uri="{BB962C8B-B14F-4D97-AF65-F5344CB8AC3E}">
-        <p14:creationId xmlns:p14="http://schemas.microsoft.com/office/powerpoint/2010/main" val="1784042783"/>
       </p:ext>
     </p:extLst>
   </p:cSld>
@@ -5087,6 +5241,382 @@
           </a:p>
         </p:txBody>
       </p:sp>
+      <p:sp>
+        <p:nvSpPr>
+          <p:cNvPr id="6" name="TextBox 5">
+            <a:extLst>
+              <a:ext uri="{FF2B5EF4-FFF2-40B4-BE49-F238E27FC236}">
+                <a16:creationId xmlns:a16="http://schemas.microsoft.com/office/drawing/2014/main" id="{61BA93B9-506C-C100-0D05-FD57E3328BAB}"/>
+              </a:ext>
+            </a:extLst>
+          </p:cNvPr>
+          <p:cNvSpPr txBox="1"/>
+          <p:nvPr/>
+        </p:nvSpPr>
+        <p:spPr>
+          <a:xfrm>
+            <a:off x="6850966" y="1828800"/>
+            <a:ext cx="4867422" cy="646331"/>
+          </a:xfrm>
+          <a:prstGeom prst="rect">
+            <a:avLst/>
+          </a:prstGeom>
+          <a:noFill/>
+        </p:spPr>
+        <p:txBody>
+          <a:bodyPr wrap="square" rtlCol="0">
+            <a:spAutoFit/>
+          </a:bodyPr>
+          <a:lstStyle/>
+          <a:p>
+            <a:r>
+              <a:rPr lang="en-US" dirty="0"/>
+              <a:t>Intake = Offtake, NET offtake = 0</a:t>
+            </a:r>
+          </a:p>
+          <a:p>
+            <a:r>
+              <a:rPr lang="en-US" dirty="0"/>
+              <a:t>No age-sex differences for intake/offtake</a:t>
+            </a:r>
+          </a:p>
+        </p:txBody>
+      </p:sp>
+      <p:cxnSp>
+        <p:nvCxnSpPr>
+          <p:cNvPr id="8" name="Straight Arrow Connector 7">
+            <a:extLst>
+              <a:ext uri="{FF2B5EF4-FFF2-40B4-BE49-F238E27FC236}">
+                <a16:creationId xmlns:a16="http://schemas.microsoft.com/office/drawing/2014/main" id="{5BD1CFA8-D902-E022-81EC-185056796407}"/>
+              </a:ext>
+            </a:extLst>
+          </p:cNvPr>
+          <p:cNvCxnSpPr>
+            <a:cxnSpLocks/>
+          </p:cNvCxnSpPr>
+          <p:nvPr/>
+        </p:nvCxnSpPr>
+        <p:spPr>
+          <a:xfrm flipV="1">
+            <a:off x="5341035" y="2124222"/>
+            <a:ext cx="1467728" cy="646331"/>
+          </a:xfrm>
+          <a:prstGeom prst="straightConnector1">
+            <a:avLst/>
+          </a:prstGeom>
+          <a:ln w="38100">
+            <a:tailEnd type="triangle"/>
+          </a:ln>
+        </p:spPr>
+        <p:style>
+          <a:lnRef idx="3">
+            <a:schemeClr val="accent4"/>
+          </a:lnRef>
+          <a:fillRef idx="0">
+            <a:schemeClr val="accent4"/>
+          </a:fillRef>
+          <a:effectRef idx="2">
+            <a:schemeClr val="accent4"/>
+          </a:effectRef>
+          <a:fontRef idx="minor">
+            <a:schemeClr val="tx1"/>
+          </a:fontRef>
+        </p:style>
+      </p:cxnSp>
+      <mc:AlternateContent xmlns:mc="http://schemas.openxmlformats.org/markup-compatibility/2006">
+        <mc:Choice xmlns:p14="http://schemas.microsoft.com/office/powerpoint/2010/main" Requires="p14">
+          <p:contentPart p14:bwMode="auto" r:id="rId3">
+            <p14:nvContentPartPr>
+              <p14:cNvPr id="10" name="Ink 9">
+                <a:extLst>
+                  <a:ext uri="{FF2B5EF4-FFF2-40B4-BE49-F238E27FC236}">
+                    <a16:creationId xmlns:a16="http://schemas.microsoft.com/office/drawing/2014/main" id="{B5D69BD1-6E82-3F8A-0149-2D5D8D609DE8}"/>
+                  </a:ext>
+                </a:extLst>
+              </p14:cNvPr>
+              <p14:cNvContentPartPr/>
+              <p14:nvPr/>
+            </p14:nvContentPartPr>
+            <p14:xfrm>
+              <a:off x="947437" y="2663751"/>
+              <a:ext cx="4377240" cy="108360"/>
+            </p14:xfrm>
+          </p:contentPart>
+        </mc:Choice>
+        <mc:Fallback>
+          <p:pic>
+            <p:nvPicPr>
+              <p:cNvPr id="10" name="Ink 9">
+                <a:extLst>
+                  <a:ext uri="{FF2B5EF4-FFF2-40B4-BE49-F238E27FC236}">
+                    <a16:creationId xmlns:a16="http://schemas.microsoft.com/office/drawing/2014/main" id="{B5D69BD1-6E82-3F8A-0149-2D5D8D609DE8}"/>
+                  </a:ext>
+                </a:extLst>
+              </p:cNvPr>
+              <p:cNvPicPr/>
+              <p:nvPr/>
+            </p:nvPicPr>
+            <p:blipFill>
+              <a:blip r:embed="rId4"/>
+              <a:stretch>
+                <a:fillRect/>
+              </a:stretch>
+            </p:blipFill>
+            <p:spPr>
+              <a:xfrm>
+                <a:off x="857797" y="2484111"/>
+                <a:ext cx="4556880" cy="468000"/>
+              </a:xfrm>
+              <a:prstGeom prst="rect">
+                <a:avLst/>
+              </a:prstGeom>
+            </p:spPr>
+          </p:pic>
+        </mc:Fallback>
+      </mc:AlternateContent>
+      <mc:AlternateContent xmlns:mc="http://schemas.openxmlformats.org/markup-compatibility/2006">
+        <mc:Choice xmlns:p14="http://schemas.microsoft.com/office/powerpoint/2010/main" Requires="p14">
+          <p:contentPart p14:bwMode="auto" r:id="rId5">
+            <p14:nvContentPartPr>
+              <p14:cNvPr id="11" name="Ink 10">
+                <a:extLst>
+                  <a:ext uri="{FF2B5EF4-FFF2-40B4-BE49-F238E27FC236}">
+                    <a16:creationId xmlns:a16="http://schemas.microsoft.com/office/drawing/2014/main" id="{638613C3-B9C9-BF9D-AB20-803455583167}"/>
+                  </a:ext>
+                </a:extLst>
+              </p14:cNvPr>
+              <p14:cNvContentPartPr/>
+              <p14:nvPr/>
+            </p14:nvContentPartPr>
+            <p14:xfrm>
+              <a:off x="946357" y="2924391"/>
+              <a:ext cx="4253760" cy="86760"/>
+            </p14:xfrm>
+          </p:contentPart>
+        </mc:Choice>
+        <mc:Fallback>
+          <p:pic>
+            <p:nvPicPr>
+              <p:cNvPr id="11" name="Ink 10">
+                <a:extLst>
+                  <a:ext uri="{FF2B5EF4-FFF2-40B4-BE49-F238E27FC236}">
+                    <a16:creationId xmlns:a16="http://schemas.microsoft.com/office/drawing/2014/main" id="{638613C3-B9C9-BF9D-AB20-803455583167}"/>
+                  </a:ext>
+                </a:extLst>
+              </p:cNvPr>
+              <p:cNvPicPr/>
+              <p:nvPr/>
+            </p:nvPicPr>
+            <p:blipFill>
+              <a:blip r:embed="rId6"/>
+              <a:stretch>
+                <a:fillRect/>
+              </a:stretch>
+            </p:blipFill>
+            <p:spPr>
+              <a:xfrm>
+                <a:off x="856357" y="2744751"/>
+                <a:ext cx="4433400" cy="446400"/>
+              </a:xfrm>
+              <a:prstGeom prst="rect">
+                <a:avLst/>
+              </a:prstGeom>
+            </p:spPr>
+          </p:pic>
+        </mc:Fallback>
+      </mc:AlternateContent>
+      <p:sp>
+        <p:nvSpPr>
+          <p:cNvPr id="12" name="TextBox 11">
+            <a:extLst>
+              <a:ext uri="{FF2B5EF4-FFF2-40B4-BE49-F238E27FC236}">
+                <a16:creationId xmlns:a16="http://schemas.microsoft.com/office/drawing/2014/main" id="{25CF36EF-D8AC-AFE5-B129-C30106001292}"/>
+              </a:ext>
+            </a:extLst>
+          </p:cNvPr>
+          <p:cNvSpPr txBox="1"/>
+          <p:nvPr/>
+        </p:nvSpPr>
+        <p:spPr>
+          <a:xfrm>
+            <a:off x="6808763" y="3441117"/>
+            <a:ext cx="4867422" cy="923330"/>
+          </a:xfrm>
+          <a:prstGeom prst="rect">
+            <a:avLst/>
+          </a:prstGeom>
+          <a:noFill/>
+        </p:spPr>
+        <p:txBody>
+          <a:bodyPr wrap="square" rtlCol="0">
+            <a:spAutoFit/>
+          </a:bodyPr>
+          <a:lstStyle/>
+          <a:p>
+            <a:r>
+              <a:rPr lang="en-US" dirty="0"/>
+              <a:t>Only animals &gt;=12m could be exchanged</a:t>
+            </a:r>
+          </a:p>
+          <a:p>
+            <a:r>
+              <a:rPr lang="en-US" dirty="0"/>
+              <a:t>Only females &gt;=18m could give birth</a:t>
+            </a:r>
+          </a:p>
+          <a:p>
+            <a:r>
+              <a:rPr lang="en-US" dirty="0"/>
+              <a:t>1:1 sex ratio at birth</a:t>
+            </a:r>
+          </a:p>
+        </p:txBody>
+      </p:sp>
+      <p:sp>
+        <p:nvSpPr>
+          <p:cNvPr id="13" name="TextBox 12">
+            <a:extLst>
+              <a:ext uri="{FF2B5EF4-FFF2-40B4-BE49-F238E27FC236}">
+                <a16:creationId xmlns:a16="http://schemas.microsoft.com/office/drawing/2014/main" id="{951DF4FF-9FD7-7618-5391-A4CB6A93BFAA}"/>
+              </a:ext>
+            </a:extLst>
+          </p:cNvPr>
+          <p:cNvSpPr txBox="1"/>
+          <p:nvPr/>
+        </p:nvSpPr>
+        <p:spPr>
+          <a:xfrm>
+            <a:off x="639526" y="4738549"/>
+            <a:ext cx="3257225" cy="1754326"/>
+          </a:xfrm>
+          <a:prstGeom prst="rect">
+            <a:avLst/>
+          </a:prstGeom>
+          <a:noFill/>
+        </p:spPr>
+        <p:txBody>
+          <a:bodyPr wrap="square" rtlCol="0">
+            <a:spAutoFit/>
+          </a:bodyPr>
+          <a:lstStyle/>
+          <a:p>
+            <a:r>
+              <a:rPr lang="en-US" dirty="0"/>
+              <a:t>Starting population: 1700</a:t>
+            </a:r>
+          </a:p>
+          <a:p>
+            <a:r>
+              <a:rPr lang="en-US" dirty="0"/>
+              <a:t>Female (80%): </a:t>
+            </a:r>
+          </a:p>
+          <a:p>
+            <a:pPr marL="285750" indent="-285750">
+              <a:buFontTx/>
+              <a:buChar char="-"/>
+            </a:pPr>
+            <a:r>
+              <a:rPr lang="en-US" dirty="0"/>
+              <a:t>15% 6-12m, </a:t>
+            </a:r>
+          </a:p>
+          <a:p>
+            <a:pPr marL="285750" indent="-285750">
+              <a:buFontTx/>
+              <a:buChar char="-"/>
+            </a:pPr>
+            <a:r>
+              <a:rPr lang="en-US" dirty="0"/>
+              <a:t>15% 12-18m, </a:t>
+            </a:r>
+          </a:p>
+          <a:p>
+            <a:pPr marL="285750" indent="-285750">
+              <a:buFontTx/>
+              <a:buChar char="-"/>
+            </a:pPr>
+            <a:r>
+              <a:rPr lang="en-US" dirty="0"/>
+              <a:t>50% 18m+</a:t>
+            </a:r>
+          </a:p>
+          <a:p>
+            <a:endParaRPr lang="en-US" dirty="0"/>
+          </a:p>
+        </p:txBody>
+      </p:sp>
+      <p:sp>
+        <p:nvSpPr>
+          <p:cNvPr id="14" name="TextBox 13">
+            <a:extLst>
+              <a:ext uri="{FF2B5EF4-FFF2-40B4-BE49-F238E27FC236}">
+                <a16:creationId xmlns:a16="http://schemas.microsoft.com/office/drawing/2014/main" id="{8793A274-5853-0915-853F-B936A42D600D}"/>
+              </a:ext>
+            </a:extLst>
+          </p:cNvPr>
+          <p:cNvSpPr txBox="1"/>
+          <p:nvPr/>
+        </p:nvSpPr>
+        <p:spPr>
+          <a:xfrm>
+            <a:off x="2510530" y="4738549"/>
+            <a:ext cx="3257225" cy="1754326"/>
+          </a:xfrm>
+          <a:prstGeom prst="rect">
+            <a:avLst/>
+          </a:prstGeom>
+          <a:noFill/>
+        </p:spPr>
+        <p:txBody>
+          <a:bodyPr wrap="square" rtlCol="0">
+            <a:spAutoFit/>
+          </a:bodyPr>
+          <a:lstStyle/>
+          <a:p>
+            <a:endParaRPr lang="en-US" dirty="0"/>
+          </a:p>
+          <a:p>
+            <a:r>
+              <a:rPr lang="en-US" dirty="0"/>
+              <a:t>Male (20%): </a:t>
+            </a:r>
+          </a:p>
+          <a:p>
+            <a:pPr marL="285750" indent="-285750">
+              <a:buFontTx/>
+              <a:buChar char="-"/>
+            </a:pPr>
+            <a:r>
+              <a:rPr lang="en-US" dirty="0"/>
+              <a:t>10% 6-12m, </a:t>
+            </a:r>
+          </a:p>
+          <a:p>
+            <a:pPr marL="285750" indent="-285750">
+              <a:buFontTx/>
+              <a:buChar char="-"/>
+            </a:pPr>
+            <a:r>
+              <a:rPr lang="en-US" dirty="0"/>
+              <a:t>5% 12-18m, </a:t>
+            </a:r>
+          </a:p>
+          <a:p>
+            <a:pPr marL="285750" indent="-285750">
+              <a:buFontTx/>
+              <a:buChar char="-"/>
+            </a:pPr>
+            <a:r>
+              <a:rPr lang="en-US" dirty="0"/>
+              <a:t>5% 18m+</a:t>
+            </a:r>
+          </a:p>
+          <a:p>
+            <a:endParaRPr lang="en-US" dirty="0"/>
+          </a:p>
+        </p:txBody>
+      </p:sp>
     </p:spTree>
     <p:extLst>
       <p:ext uri="{BB962C8B-B14F-4D97-AF65-F5344CB8AC3E}">
@@ -5127,10 +5657,10 @@
       </p:grpSpPr>
       <p:pic>
         <p:nvPicPr>
-          <p:cNvPr id="5" name="Picture 4">
-            <a:extLst>
-              <a:ext uri="{FF2B5EF4-FFF2-40B4-BE49-F238E27FC236}">
-                <a16:creationId xmlns:a16="http://schemas.microsoft.com/office/drawing/2014/main" id="{907CC05C-5258-F7E3-691D-2E5CFB085AA5}"/>
+          <p:cNvPr id="6" name="Picture 5">
+            <a:extLst>
+              <a:ext uri="{FF2B5EF4-FFF2-40B4-BE49-F238E27FC236}">
+                <a16:creationId xmlns:a16="http://schemas.microsoft.com/office/drawing/2014/main" id="{894DDA6F-6C9B-407C-F7BB-2C070A49164C}"/>
               </a:ext>
             </a:extLst>
           </p:cNvPr>
@@ -5147,86 +5677,20 @@
         </p:blipFill>
         <p:spPr>
           <a:xfrm>
-            <a:off x="6410499" y="236831"/>
-            <a:ext cx="5164749" cy="2905170"/>
+            <a:off x="643467" y="346605"/>
+            <a:ext cx="5291666" cy="3095623"/>
           </a:xfrm>
           <a:prstGeom prst="rect">
             <a:avLst/>
           </a:prstGeom>
         </p:spPr>
       </p:pic>
-      <p:sp>
-        <p:nvSpPr>
-          <p:cNvPr id="16" name="Rectangle 9">
-            <a:extLst>
-              <a:ext uri="{FF2B5EF4-FFF2-40B4-BE49-F238E27FC236}">
-                <a16:creationId xmlns:a16="http://schemas.microsoft.com/office/drawing/2014/main" id="{417CDA24-35F8-4540-8C52-3096D6D94949}"/>
-              </a:ext>
-              <a:ext uri="{C183D7F6-B498-43B3-948B-1728B52AA6E4}">
-                <adec:decorative xmlns:adec="http://schemas.microsoft.com/office/drawing/2017/decorative" val="1"/>
-              </a:ext>
-            </a:extLst>
-          </p:cNvPr>
-          <p:cNvSpPr>
-            <a:spLocks noGrp="1" noRot="1" noChangeAspect="1" noMove="1" noResize="1" noEditPoints="1" noAdjustHandles="1" noChangeArrowheads="1" noChangeShapeType="1" noTextEdit="1"/>
-          </p:cNvSpPr>
-          <p:nvPr>
-            <p:extLst>
-              <p:ext uri="{386F3935-93C4-4BCD-93E2-E3B085C9AB24}">
-                <p16:designElem xmlns:p16="http://schemas.microsoft.com/office/powerpoint/2015/main" val="1"/>
-              </p:ext>
-            </p:extLst>
-          </p:nvPr>
-        </p:nvSpPr>
-        <p:spPr>
-          <a:xfrm>
-            <a:off x="6050280" y="0"/>
-            <a:ext cx="91440" cy="6858000"/>
-          </a:xfrm>
-          <a:prstGeom prst="rect">
-            <a:avLst/>
-          </a:prstGeom>
-          <a:solidFill>
-            <a:schemeClr val="tx1">
-              <a:lumMod val="75000"/>
-              <a:lumOff val="25000"/>
-            </a:schemeClr>
-          </a:solidFill>
-          <a:ln>
-            <a:noFill/>
-          </a:ln>
-        </p:spPr>
-        <p:style>
-          <a:lnRef idx="2">
-            <a:schemeClr val="accent1">
-              <a:shade val="50000"/>
-            </a:schemeClr>
-          </a:lnRef>
-          <a:fillRef idx="1">
-            <a:schemeClr val="accent1"/>
-          </a:fillRef>
-          <a:effectRef idx="0">
-            <a:schemeClr val="accent1"/>
-          </a:effectRef>
-          <a:fontRef idx="minor">
-            <a:schemeClr val="lt1"/>
-          </a:fontRef>
-        </p:style>
-        <p:txBody>
-          <a:bodyPr rtlCol="0" anchor="ctr"/>
-          <a:lstStyle/>
-          <a:p>
-            <a:pPr algn="ctr"/>
-            <a:endParaRPr lang="en-US"/>
-          </a:p>
-        </p:txBody>
-      </p:sp>
       <p:pic>
         <p:nvPicPr>
-          <p:cNvPr id="2" name="Picture 1">
-            <a:extLst>
-              <a:ext uri="{FF2B5EF4-FFF2-40B4-BE49-F238E27FC236}">
-                <a16:creationId xmlns:a16="http://schemas.microsoft.com/office/drawing/2014/main" id="{ECB39062-AC15-6288-B541-2801B0A76945}"/>
+          <p:cNvPr id="7" name="Picture 6">
+            <a:extLst>
+              <a:ext uri="{FF2B5EF4-FFF2-40B4-BE49-F238E27FC236}">
+                <a16:creationId xmlns:a16="http://schemas.microsoft.com/office/drawing/2014/main" id="{CDFA071C-E3FA-1DCC-F155-63FB177C6091}"/>
               </a:ext>
             </a:extLst>
           </p:cNvPr>
@@ -5243,8 +5707,8 @@
         </p:blipFill>
         <p:spPr>
           <a:xfrm>
-            <a:off x="614285" y="251500"/>
-            <a:ext cx="5112595" cy="2875833"/>
+            <a:off x="6256865" y="359834"/>
+            <a:ext cx="5291667" cy="3069166"/>
           </a:xfrm>
           <a:prstGeom prst="rect">
             <a:avLst/>
@@ -5253,196 +5717,53 @@
       </p:pic>
       <p:sp>
         <p:nvSpPr>
-          <p:cNvPr id="17" name="Rectangle 11">
-            <a:extLst>
-              <a:ext uri="{FF2B5EF4-FFF2-40B4-BE49-F238E27FC236}">
-                <a16:creationId xmlns:a16="http://schemas.microsoft.com/office/drawing/2014/main" id="{8658BFE0-4E65-4174-9C75-687C94E88273}"/>
-              </a:ext>
-              <a:ext uri="{C183D7F6-B498-43B3-948B-1728B52AA6E4}">
-                <adec:decorative xmlns:adec="http://schemas.microsoft.com/office/drawing/2017/decorative" val="1"/>
-              </a:ext>
-            </a:extLst>
-          </p:cNvPr>
-          <p:cNvSpPr>
-            <a:spLocks noGrp="1" noRot="1" noChangeAspect="1" noMove="1" noResize="1" noEditPoints="1" noAdjustHandles="1" noChangeArrowheads="1" noChangeShapeType="1" noTextEdit="1"/>
-          </p:cNvSpPr>
-          <p:nvPr>
-            <p:extLst>
-              <p:ext uri="{386F3935-93C4-4BCD-93E2-E3B085C9AB24}">
-                <p16:designElem xmlns:p16="http://schemas.microsoft.com/office/powerpoint/2015/main" val="1"/>
-              </p:ext>
-            </p:extLst>
-          </p:nvPr>
+          <p:cNvPr id="8" name="TextBox 7">
+            <a:extLst>
+              <a:ext uri="{FF2B5EF4-FFF2-40B4-BE49-F238E27FC236}">
+                <a16:creationId xmlns:a16="http://schemas.microsoft.com/office/drawing/2014/main" id="{1FFCA54F-F596-9ACA-B8C7-D844C41C9AC4}"/>
+              </a:ext>
+            </a:extLst>
+          </p:cNvPr>
+          <p:cNvSpPr txBox="1"/>
+          <p:nvPr/>
         </p:nvSpPr>
         <p:spPr>
           <a:xfrm>
-            <a:off x="0" y="3383280"/>
-            <a:ext cx="6126480" cy="91440"/>
+            <a:off x="379828" y="3727938"/>
+            <a:ext cx="7554350" cy="923330"/>
           </a:xfrm>
           <a:prstGeom prst="rect">
             <a:avLst/>
           </a:prstGeom>
-          <a:solidFill>
-            <a:schemeClr val="tx1">
-              <a:lumMod val="75000"/>
-              <a:lumOff val="25000"/>
-            </a:schemeClr>
-          </a:solidFill>
-          <a:ln>
-            <a:noFill/>
-          </a:ln>
+          <a:noFill/>
         </p:spPr>
-        <p:style>
-          <a:lnRef idx="2">
-            <a:schemeClr val="accent1">
-              <a:shade val="50000"/>
-            </a:schemeClr>
-          </a:lnRef>
-          <a:fillRef idx="1">
-            <a:schemeClr val="accent1"/>
-          </a:fillRef>
-          <a:effectRef idx="0">
-            <a:schemeClr val="accent1"/>
-          </a:effectRef>
-          <a:fontRef idx="minor">
-            <a:schemeClr val="lt1"/>
-          </a:fontRef>
-        </p:style>
-        <p:txBody>
-          <a:bodyPr rtlCol="0" anchor="ctr"/>
-          <a:lstStyle/>
-          <a:p>
-            <a:pPr algn="ctr"/>
-            <a:endParaRPr lang="en-US"/>
-          </a:p>
-        </p:txBody>
-      </p:sp>
-      <p:sp>
-        <p:nvSpPr>
-          <p:cNvPr id="18" name="Rectangle 13">
-            <a:extLst>
-              <a:ext uri="{FF2B5EF4-FFF2-40B4-BE49-F238E27FC236}">
-                <a16:creationId xmlns:a16="http://schemas.microsoft.com/office/drawing/2014/main" id="{FA75DFED-A0C1-4A83-BE1D-0271C1826EF6}"/>
-              </a:ext>
-              <a:ext uri="{C183D7F6-B498-43B3-948B-1728B52AA6E4}">
-                <adec:decorative xmlns:adec="http://schemas.microsoft.com/office/drawing/2017/decorative" val="1"/>
-              </a:ext>
-            </a:extLst>
-          </p:cNvPr>
-          <p:cNvSpPr>
-            <a:spLocks noGrp="1" noRot="1" noChangeAspect="1" noMove="1" noResize="1" noEditPoints="1" noAdjustHandles="1" noChangeArrowheads="1" noChangeShapeType="1" noTextEdit="1"/>
-          </p:cNvSpPr>
-          <p:nvPr>
-            <p:extLst>
-              <p:ext uri="{386F3935-93C4-4BCD-93E2-E3B085C9AB24}">
-                <p16:designElem xmlns:p16="http://schemas.microsoft.com/office/powerpoint/2015/main" val="1"/>
-              </p:ext>
-            </p:extLst>
-          </p:nvPr>
-        </p:nvSpPr>
-        <p:spPr>
-          <a:xfrm>
-            <a:off x="6065520" y="3383280"/>
-            <a:ext cx="6126480" cy="91440"/>
-          </a:xfrm>
-          <a:prstGeom prst="rect">
-            <a:avLst/>
-          </a:prstGeom>
-          <a:solidFill>
-            <a:schemeClr val="tx1">
-              <a:lumMod val="75000"/>
-              <a:lumOff val="25000"/>
-            </a:schemeClr>
-          </a:solidFill>
-          <a:ln>
-            <a:noFill/>
-          </a:ln>
-        </p:spPr>
-        <p:style>
-          <a:lnRef idx="2">
-            <a:schemeClr val="accent1">
-              <a:shade val="50000"/>
-            </a:schemeClr>
-          </a:lnRef>
-          <a:fillRef idx="1">
-            <a:schemeClr val="accent1"/>
-          </a:fillRef>
-          <a:effectRef idx="0">
-            <a:schemeClr val="accent1"/>
-          </a:effectRef>
-          <a:fontRef idx="minor">
-            <a:schemeClr val="lt1"/>
-          </a:fontRef>
-        </p:style>
-        <p:txBody>
-          <a:bodyPr rtlCol="0" anchor="ctr"/>
-          <a:lstStyle/>
-          <a:p>
-            <a:pPr algn="ctr"/>
-            <a:endParaRPr lang="en-US"/>
-          </a:p>
-        </p:txBody>
-      </p:sp>
-      <p:pic>
-        <p:nvPicPr>
-          <p:cNvPr id="4" name="Picture 3">
-            <a:extLst>
-              <a:ext uri="{FF2B5EF4-FFF2-40B4-BE49-F238E27FC236}">
-                <a16:creationId xmlns:a16="http://schemas.microsoft.com/office/drawing/2014/main" id="{59CFFECB-6559-6D44-934D-0B567BC9B280}"/>
-              </a:ext>
-            </a:extLst>
-          </p:cNvPr>
-          <p:cNvPicPr>
-            <a:picLocks noChangeAspect="1"/>
-          </p:cNvPicPr>
-          <p:nvPr/>
-        </p:nvPicPr>
-        <p:blipFill>
-          <a:blip r:embed="rId5"/>
-          <a:stretch>
-            <a:fillRect/>
-          </a:stretch>
-        </p:blipFill>
-        <p:spPr>
-          <a:xfrm>
-            <a:off x="716751" y="3631096"/>
-            <a:ext cx="4907664" cy="2760560"/>
-          </a:xfrm>
-          <a:prstGeom prst="rect">
-            <a:avLst/>
-          </a:prstGeom>
-        </p:spPr>
-      </p:pic>
-      <p:pic>
-        <p:nvPicPr>
-          <p:cNvPr id="3" name="Picture 2">
-            <a:extLst>
-              <a:ext uri="{FF2B5EF4-FFF2-40B4-BE49-F238E27FC236}">
-                <a16:creationId xmlns:a16="http://schemas.microsoft.com/office/drawing/2014/main" id="{7467C030-2103-A6A9-BC2C-C4C6D8857979}"/>
-              </a:ext>
-            </a:extLst>
-          </p:cNvPr>
-          <p:cNvPicPr>
-            <a:picLocks noChangeAspect="1"/>
-          </p:cNvPicPr>
-          <p:nvPr/>
-        </p:nvPicPr>
-        <p:blipFill>
-          <a:blip r:embed="rId6"/>
-          <a:stretch>
-            <a:fillRect/>
-          </a:stretch>
-        </p:blipFill>
-        <p:spPr>
-          <a:xfrm>
-            <a:off x="6410499" y="3631096"/>
-            <a:ext cx="4907664" cy="2760560"/>
-          </a:xfrm>
-          <a:prstGeom prst="rect">
-            <a:avLst/>
-          </a:prstGeom>
-        </p:spPr>
-      </p:pic>
+        <p:txBody>
+          <a:bodyPr wrap="square" rtlCol="0">
+            <a:spAutoFit/>
+          </a:bodyPr>
+          <a:lstStyle/>
+          <a:p>
+            <a:pPr marL="285750" indent="-285750">
+              <a:buFont typeface="Arial" panose="020B0604020202020204" pitchFamily="34" charset="0"/>
+              <a:buChar char="•"/>
+            </a:pPr>
+            <a:r>
+              <a:rPr lang="en-US" dirty="0"/>
+              <a:t>Exponential growth of population</a:t>
+            </a:r>
+          </a:p>
+          <a:p>
+            <a:pPr marL="285750" indent="-285750">
+              <a:buFont typeface="Arial" panose="020B0604020202020204" pitchFamily="34" charset="0"/>
+              <a:buChar char="•"/>
+            </a:pPr>
+            <a:r>
+              <a:rPr lang="en-US" dirty="0"/>
+              <a:t>Age-sex structure of population not maintained (no age-sex differences for trade, deaths)</a:t>
+            </a:r>
+          </a:p>
+        </p:txBody>
+      </p:sp>
     </p:spTree>
     <p:extLst>
       <p:ext uri="{BB962C8B-B14F-4D97-AF65-F5344CB8AC3E}">
@@ -5459,14 +5780,6 @@
 <file path=ppt/slides/slide5.xml><?xml version="1.0" encoding="utf-8"?>
 <p:sld xmlns:a="http://schemas.openxmlformats.org/drawingml/2006/main" xmlns:r="http://schemas.openxmlformats.org/officeDocument/2006/relationships" xmlns:p="http://schemas.openxmlformats.org/presentationml/2006/main">
   <p:cSld>
-    <p:bg>
-      <p:bgPr>
-        <a:solidFill>
-          <a:schemeClr val="bg1"/>
-        </a:solidFill>
-        <a:effectLst/>
-      </p:bgPr>
-    </p:bg>
     <p:spTree>
       <p:nvGrpSpPr>
         <p:cNvPr id="1" name=""/>
@@ -5481,328 +5794,297 @@
           <a:chExt cx="0" cy="0"/>
         </a:xfrm>
       </p:grpSpPr>
-      <p:pic>
-        <p:nvPicPr>
-          <p:cNvPr id="3" name="Picture 2">
-            <a:extLst>
-              <a:ext uri="{FF2B5EF4-FFF2-40B4-BE49-F238E27FC236}">
-                <a16:creationId xmlns:a16="http://schemas.microsoft.com/office/drawing/2014/main" id="{D03F0396-DEED-F347-4A07-C4ED9D272705}"/>
-              </a:ext>
-            </a:extLst>
-          </p:cNvPr>
-          <p:cNvPicPr>
-            <a:picLocks noChangeAspect="1"/>
-          </p:cNvPicPr>
+      <p:sp>
+        <p:nvSpPr>
+          <p:cNvPr id="3" name="TextBox 2">
+            <a:extLst>
+              <a:ext uri="{FF2B5EF4-FFF2-40B4-BE49-F238E27FC236}">
+                <a16:creationId xmlns:a16="http://schemas.microsoft.com/office/drawing/2014/main" id="{2CEAF43A-3C94-8B4E-2E3A-71E8CE67926E}"/>
+              </a:ext>
+            </a:extLst>
+          </p:cNvPr>
+          <p:cNvSpPr txBox="1"/>
           <p:nvPr/>
-        </p:nvPicPr>
-        <p:blipFill>
-          <a:blip r:embed="rId3"/>
-          <a:stretch>
-            <a:fillRect/>
-          </a:stretch>
-        </p:blipFill>
+        </p:nvSpPr>
         <p:spPr>
           <a:xfrm>
-            <a:off x="363679" y="3595060"/>
-            <a:ext cx="5164749" cy="2905170"/>
+            <a:off x="633046" y="562708"/>
+            <a:ext cx="8514470" cy="4524315"/>
           </a:xfrm>
           <a:prstGeom prst="rect">
             <a:avLst/>
           </a:prstGeom>
+          <a:noFill/>
         </p:spPr>
-      </p:pic>
-      <p:sp>
-        <p:nvSpPr>
-          <p:cNvPr id="10" name="Rectangle 9">
-            <a:extLst>
-              <a:ext uri="{FF2B5EF4-FFF2-40B4-BE49-F238E27FC236}">
-                <a16:creationId xmlns:a16="http://schemas.microsoft.com/office/drawing/2014/main" id="{417CDA24-35F8-4540-8C52-3096D6D94949}"/>
-              </a:ext>
-              <a:ext uri="{C183D7F6-B498-43B3-948B-1728B52AA6E4}">
-                <adec:decorative xmlns:adec="http://schemas.microsoft.com/office/drawing/2017/decorative" val="1"/>
-              </a:ext>
-            </a:extLst>
-          </p:cNvPr>
-          <p:cNvSpPr>
-            <a:spLocks noGrp="1" noRot="1" noChangeAspect="1" noMove="1" noResize="1" noEditPoints="1" noAdjustHandles="1" noChangeArrowheads="1" noChangeShapeType="1" noTextEdit="1"/>
-          </p:cNvSpPr>
-          <p:nvPr>
-            <p:extLst>
-              <p:ext uri="{386F3935-93C4-4BCD-93E2-E3B085C9AB24}">
-                <p16:designElem xmlns:p16="http://schemas.microsoft.com/office/powerpoint/2015/main" val="1"/>
-              </p:ext>
-            </p:extLst>
-          </p:nvPr>
-        </p:nvSpPr>
-        <p:spPr>
-          <a:xfrm>
-            <a:off x="6050280" y="0"/>
-            <a:ext cx="91440" cy="6858000"/>
-          </a:xfrm>
-          <a:prstGeom prst="rect">
-            <a:avLst/>
-          </a:prstGeom>
-          <a:solidFill>
-            <a:schemeClr val="tx1">
-              <a:lumMod val="75000"/>
-              <a:lumOff val="25000"/>
-            </a:schemeClr>
-          </a:solidFill>
-          <a:ln>
-            <a:noFill/>
-          </a:ln>
-        </p:spPr>
-        <p:style>
-          <a:lnRef idx="2">
-            <a:schemeClr val="accent1">
-              <a:shade val="50000"/>
-            </a:schemeClr>
-          </a:lnRef>
-          <a:fillRef idx="1">
-            <a:schemeClr val="accent1"/>
-          </a:fillRef>
-          <a:effectRef idx="0">
-            <a:schemeClr val="accent1"/>
-          </a:effectRef>
-          <a:fontRef idx="minor">
-            <a:schemeClr val="lt1"/>
-          </a:fontRef>
-        </p:style>
-        <p:txBody>
-          <a:bodyPr rtlCol="0" anchor="ctr"/>
-          <a:lstStyle/>
-          <a:p>
-            <a:pPr algn="ctr"/>
-            <a:endParaRPr lang="en-US"/>
-          </a:p>
-        </p:txBody>
-      </p:sp>
-      <p:pic>
-        <p:nvPicPr>
-          <p:cNvPr id="2" name="Picture 1">
-            <a:extLst>
-              <a:ext uri="{FF2B5EF4-FFF2-40B4-BE49-F238E27FC236}">
-                <a16:creationId xmlns:a16="http://schemas.microsoft.com/office/drawing/2014/main" id="{27E56DAD-33D9-F37D-D5CF-DFAF8ABDE197}"/>
-              </a:ext>
-            </a:extLst>
-          </p:cNvPr>
-          <p:cNvPicPr>
-            <a:picLocks noChangeAspect="1"/>
-          </p:cNvPicPr>
-          <p:nvPr/>
-        </p:nvPicPr>
-        <p:blipFill>
-          <a:blip r:embed="rId4"/>
-          <a:stretch>
-            <a:fillRect/>
-          </a:stretch>
-        </p:blipFill>
-        <p:spPr>
-          <a:xfrm>
-            <a:off x="586260" y="241117"/>
-            <a:ext cx="5112595" cy="2875833"/>
-          </a:xfrm>
-          <a:prstGeom prst="rect">
-            <a:avLst/>
-          </a:prstGeom>
-        </p:spPr>
-      </p:pic>
-      <p:sp>
-        <p:nvSpPr>
-          <p:cNvPr id="12" name="Rectangle 11">
-            <a:extLst>
-              <a:ext uri="{FF2B5EF4-FFF2-40B4-BE49-F238E27FC236}">
-                <a16:creationId xmlns:a16="http://schemas.microsoft.com/office/drawing/2014/main" id="{8658BFE0-4E65-4174-9C75-687C94E88273}"/>
-              </a:ext>
-              <a:ext uri="{C183D7F6-B498-43B3-948B-1728B52AA6E4}">
-                <adec:decorative xmlns:adec="http://schemas.microsoft.com/office/drawing/2017/decorative" val="1"/>
-              </a:ext>
-            </a:extLst>
-          </p:cNvPr>
-          <p:cNvSpPr>
-            <a:spLocks noGrp="1" noRot="1" noChangeAspect="1" noMove="1" noResize="1" noEditPoints="1" noAdjustHandles="1" noChangeArrowheads="1" noChangeShapeType="1" noTextEdit="1"/>
-          </p:cNvSpPr>
-          <p:nvPr>
-            <p:extLst>
-              <p:ext uri="{386F3935-93C4-4BCD-93E2-E3B085C9AB24}">
-                <p16:designElem xmlns:p16="http://schemas.microsoft.com/office/powerpoint/2015/main" val="1"/>
-              </p:ext>
-            </p:extLst>
-          </p:nvPr>
-        </p:nvSpPr>
-        <p:spPr>
-          <a:xfrm>
-            <a:off x="0" y="3383280"/>
-            <a:ext cx="6126480" cy="91440"/>
-          </a:xfrm>
-          <a:prstGeom prst="rect">
-            <a:avLst/>
-          </a:prstGeom>
-          <a:solidFill>
-            <a:schemeClr val="tx1">
-              <a:lumMod val="75000"/>
-              <a:lumOff val="25000"/>
-            </a:schemeClr>
-          </a:solidFill>
-          <a:ln>
-            <a:noFill/>
-          </a:ln>
-        </p:spPr>
-        <p:style>
-          <a:lnRef idx="2">
-            <a:schemeClr val="accent1">
-              <a:shade val="50000"/>
-            </a:schemeClr>
-          </a:lnRef>
-          <a:fillRef idx="1">
-            <a:schemeClr val="accent1"/>
-          </a:fillRef>
-          <a:effectRef idx="0">
-            <a:schemeClr val="accent1"/>
-          </a:effectRef>
-          <a:fontRef idx="minor">
-            <a:schemeClr val="lt1"/>
-          </a:fontRef>
-        </p:style>
-        <p:txBody>
-          <a:bodyPr rtlCol="0" anchor="ctr"/>
-          <a:lstStyle/>
-          <a:p>
-            <a:pPr algn="ctr"/>
-            <a:endParaRPr lang="en-US"/>
-          </a:p>
-        </p:txBody>
-      </p:sp>
-      <p:sp>
-        <p:nvSpPr>
-          <p:cNvPr id="14" name="Rectangle 13">
-            <a:extLst>
-              <a:ext uri="{FF2B5EF4-FFF2-40B4-BE49-F238E27FC236}">
-                <a16:creationId xmlns:a16="http://schemas.microsoft.com/office/drawing/2014/main" id="{FA75DFED-A0C1-4A83-BE1D-0271C1826EF6}"/>
-              </a:ext>
-              <a:ext uri="{C183D7F6-B498-43B3-948B-1728B52AA6E4}">
-                <adec:decorative xmlns:adec="http://schemas.microsoft.com/office/drawing/2017/decorative" val="1"/>
-              </a:ext>
-            </a:extLst>
-          </p:cNvPr>
-          <p:cNvSpPr>
-            <a:spLocks noGrp="1" noRot="1" noChangeAspect="1" noMove="1" noResize="1" noEditPoints="1" noAdjustHandles="1" noChangeArrowheads="1" noChangeShapeType="1" noTextEdit="1"/>
-          </p:cNvSpPr>
-          <p:nvPr>
-            <p:extLst>
-              <p:ext uri="{386F3935-93C4-4BCD-93E2-E3B085C9AB24}">
-                <p16:designElem xmlns:p16="http://schemas.microsoft.com/office/powerpoint/2015/main" val="1"/>
-              </p:ext>
-            </p:extLst>
-          </p:nvPr>
-        </p:nvSpPr>
-        <p:spPr>
-          <a:xfrm>
-            <a:off x="6065520" y="3383280"/>
-            <a:ext cx="6126480" cy="91440"/>
-          </a:xfrm>
-          <a:prstGeom prst="rect">
-            <a:avLst/>
-          </a:prstGeom>
-          <a:solidFill>
-            <a:schemeClr val="tx1">
-              <a:lumMod val="75000"/>
-              <a:lumOff val="25000"/>
-            </a:schemeClr>
-          </a:solidFill>
-          <a:ln>
-            <a:noFill/>
-          </a:ln>
-        </p:spPr>
-        <p:style>
-          <a:lnRef idx="2">
-            <a:schemeClr val="accent1">
-              <a:shade val="50000"/>
-            </a:schemeClr>
-          </a:lnRef>
-          <a:fillRef idx="1">
-            <a:schemeClr val="accent1"/>
-          </a:fillRef>
-          <a:effectRef idx="0">
-            <a:schemeClr val="accent1"/>
-          </a:effectRef>
-          <a:fontRef idx="minor">
-            <a:schemeClr val="lt1"/>
-          </a:fontRef>
-        </p:style>
-        <p:txBody>
-          <a:bodyPr rtlCol="0" anchor="ctr"/>
-          <a:lstStyle/>
-          <a:p>
-            <a:pPr algn="ctr"/>
-            <a:endParaRPr lang="en-US"/>
-          </a:p>
-        </p:txBody>
-      </p:sp>
-      <p:pic>
-        <p:nvPicPr>
-          <p:cNvPr id="4" name="Picture 3">
-            <a:extLst>
-              <a:ext uri="{FF2B5EF4-FFF2-40B4-BE49-F238E27FC236}">
-                <a16:creationId xmlns:a16="http://schemas.microsoft.com/office/drawing/2014/main" id="{0FAC7335-70C3-1436-B948-A71B67A07703}"/>
-              </a:ext>
-            </a:extLst>
-          </p:cNvPr>
-          <p:cNvPicPr>
-            <a:picLocks noChangeAspect="1"/>
-          </p:cNvPicPr>
-          <p:nvPr/>
-        </p:nvPicPr>
-        <p:blipFill>
-          <a:blip r:embed="rId5"/>
-          <a:stretch>
-            <a:fillRect/>
-          </a:stretch>
-        </p:blipFill>
-        <p:spPr>
-          <a:xfrm>
-            <a:off x="6663572" y="3667365"/>
-            <a:ext cx="4907664" cy="2760560"/>
-          </a:xfrm>
-          <a:prstGeom prst="rect">
-            <a:avLst/>
-          </a:prstGeom>
-        </p:spPr>
-      </p:pic>
-      <p:pic>
-        <p:nvPicPr>
-          <p:cNvPr id="5" name="Picture 4">
-            <a:extLst>
-              <a:ext uri="{FF2B5EF4-FFF2-40B4-BE49-F238E27FC236}">
-                <a16:creationId xmlns:a16="http://schemas.microsoft.com/office/drawing/2014/main" id="{B5802B6C-46B5-D101-DC4E-595F4A734D2F}"/>
-              </a:ext>
-            </a:extLst>
-          </p:cNvPr>
-          <p:cNvPicPr>
-            <a:picLocks noChangeAspect="1"/>
-          </p:cNvPicPr>
-          <p:nvPr/>
-        </p:nvPicPr>
-        <p:blipFill>
-          <a:blip r:embed="rId6"/>
-          <a:stretch>
-            <a:fillRect/>
-          </a:stretch>
-        </p:blipFill>
-        <p:spPr>
-          <a:xfrm>
-            <a:off x="6785492" y="298753"/>
-            <a:ext cx="4907664" cy="2760560"/>
-          </a:xfrm>
-          <a:prstGeom prst="rect">
-            <a:avLst/>
-          </a:prstGeom>
-        </p:spPr>
-      </p:pic>
+        <p:txBody>
+          <a:bodyPr wrap="square">
+            <a:spAutoFit/>
+          </a:bodyPr>
+          <a:lstStyle/>
+          <a:p>
+            <a:pPr rtl="0" fontAlgn="ctr">
+              <a:spcBef>
+                <a:spcPts val="0"/>
+              </a:spcBef>
+              <a:spcAft>
+                <a:spcPts val="0"/>
+              </a:spcAft>
+              <a:buFont typeface="Courier New" panose="02070309020205020404" pitchFamily="49" charset="0"/>
+              <a:buChar char="o"/>
+            </a:pPr>
+            <a:r>
+              <a:rPr lang="en-GB" dirty="0">
+                <a:effectLst/>
+                <a:latin typeface="Calibri" panose="020F0502020204030204" pitchFamily="34" charset="0"/>
+              </a:rPr>
+              <a:t>Developments:</a:t>
+            </a:r>
+          </a:p>
+          <a:p>
+            <a:pPr marL="742950" lvl="1" indent="-285750" rtl="0" fontAlgn="ctr">
+              <a:spcBef>
+                <a:spcPts val="0"/>
+              </a:spcBef>
+              <a:spcAft>
+                <a:spcPts val="0"/>
+              </a:spcAft>
+              <a:buFont typeface="Arial" panose="020B0604020202020204" pitchFamily="34" charset="0"/>
+              <a:buChar char="•"/>
+            </a:pPr>
+            <a:r>
+              <a:rPr lang="en-GB" dirty="0">
+                <a:effectLst/>
+                <a:latin typeface="Calibri" panose="020F0502020204030204" pitchFamily="34" charset="0"/>
+              </a:rPr>
+              <a:t>Transmission - BS working on this but not quite right</a:t>
+            </a:r>
+          </a:p>
+          <a:p>
+            <a:pPr marL="742950" lvl="1" indent="-285750" rtl="0" fontAlgn="ctr">
+              <a:spcBef>
+                <a:spcPts val="0"/>
+              </a:spcBef>
+              <a:spcAft>
+                <a:spcPts val="0"/>
+              </a:spcAft>
+              <a:buFont typeface="Arial" panose="020B0604020202020204" pitchFamily="34" charset="0"/>
+              <a:buChar char="•"/>
+            </a:pPr>
+            <a:r>
+              <a:rPr lang="en-GB" dirty="0">
+                <a:effectLst/>
+                <a:latin typeface="Calibri" panose="020F0502020204030204" pitchFamily="34" charset="0"/>
+              </a:rPr>
+              <a:t>Stabilising population size + structure</a:t>
+            </a:r>
+          </a:p>
+          <a:p>
+            <a:pPr marL="742950" lvl="1" indent="-285750" rtl="0" fontAlgn="ctr">
+              <a:spcBef>
+                <a:spcPts val="0"/>
+              </a:spcBef>
+              <a:spcAft>
+                <a:spcPts val="0"/>
+              </a:spcAft>
+              <a:buFont typeface="Arial" panose="020B0604020202020204" pitchFamily="34" charset="0"/>
+              <a:buChar char="•"/>
+            </a:pPr>
+            <a:r>
+              <a:rPr lang="en-GB" dirty="0">
+                <a:effectLst/>
+                <a:highlight>
+                  <a:srgbClr val="FFFF00"/>
+                </a:highlight>
+                <a:latin typeface="Calibri" panose="020F0502020204030204" pitchFamily="34" charset="0"/>
+              </a:rPr>
+              <a:t>Seasonality</a:t>
+            </a:r>
+            <a:r>
+              <a:rPr lang="en-GB" dirty="0">
+                <a:effectLst/>
+                <a:latin typeface="Calibri" panose="020F0502020204030204" pitchFamily="34" charset="0"/>
+              </a:rPr>
+              <a:t>: how to incorporate this</a:t>
+            </a:r>
+          </a:p>
+          <a:p>
+            <a:pPr marL="1143000" lvl="2" indent="-228600" rtl="0" fontAlgn="ctr">
+              <a:spcBef>
+                <a:spcPts val="0"/>
+              </a:spcBef>
+              <a:spcAft>
+                <a:spcPts val="0"/>
+              </a:spcAft>
+              <a:buFont typeface="Arial" panose="020B0604020202020204" pitchFamily="34" charset="0"/>
+              <a:buChar char="§"/>
+            </a:pPr>
+            <a:r>
+              <a:rPr lang="en-GB" dirty="0">
+                <a:effectLst/>
+                <a:latin typeface="Calibri" panose="020F0502020204030204" pitchFamily="34" charset="0"/>
+              </a:rPr>
+              <a:t>Options: 2 seasons, 1 peak season and 1 'off' season, could compare this and model with no seasonality</a:t>
+            </a:r>
+          </a:p>
+          <a:p>
+            <a:pPr marL="1143000" lvl="2" indent="-228600" rtl="0" fontAlgn="ctr">
+              <a:spcBef>
+                <a:spcPts val="0"/>
+              </a:spcBef>
+              <a:spcAft>
+                <a:spcPts val="0"/>
+              </a:spcAft>
+              <a:buFont typeface="Arial" panose="020B0604020202020204" pitchFamily="34" charset="0"/>
+              <a:buChar char="§"/>
+            </a:pPr>
+            <a:r>
+              <a:rPr lang="en-GB" dirty="0">
+                <a:effectLst/>
+                <a:latin typeface="Calibri" panose="020F0502020204030204" pitchFamily="34" charset="0"/>
+              </a:rPr>
+              <a:t>Seasons differ between regions so may be too hard to generalise?</a:t>
+            </a:r>
+          </a:p>
+          <a:p>
+            <a:pPr rtl="0" fontAlgn="ctr">
+              <a:spcBef>
+                <a:spcPts val="0"/>
+              </a:spcBef>
+              <a:spcAft>
+                <a:spcPts val="0"/>
+              </a:spcAft>
+              <a:buFont typeface="Courier New" panose="02070309020205020404" pitchFamily="49" charset="0"/>
+              <a:buChar char="o"/>
+            </a:pPr>
+            <a:r>
+              <a:rPr lang="en-GB" dirty="0">
+                <a:effectLst/>
+                <a:highlight>
+                  <a:srgbClr val="FFFF00"/>
+                </a:highlight>
+                <a:latin typeface="Calibri" panose="020F0502020204030204" pitchFamily="34" charset="0"/>
+              </a:rPr>
+              <a:t>Timestep</a:t>
+            </a:r>
+            <a:r>
+              <a:rPr lang="en-GB" dirty="0">
+                <a:effectLst/>
+                <a:latin typeface="Calibri" panose="020F0502020204030204" pitchFamily="34" charset="0"/>
+              </a:rPr>
+              <a:t> of model</a:t>
+            </a:r>
+          </a:p>
+          <a:p>
+            <a:pPr marL="742950" lvl="1" indent="-285750" rtl="0" fontAlgn="ctr">
+              <a:spcBef>
+                <a:spcPts val="0"/>
+              </a:spcBef>
+              <a:spcAft>
+                <a:spcPts val="0"/>
+              </a:spcAft>
+              <a:buFont typeface="Arial" panose="020B0604020202020204" pitchFamily="34" charset="0"/>
+              <a:buChar char="•"/>
+            </a:pPr>
+            <a:r>
+              <a:rPr lang="en-GB" dirty="0">
+                <a:effectLst/>
+                <a:latin typeface="Calibri" panose="020F0502020204030204" pitchFamily="34" charset="0"/>
+              </a:rPr>
+              <a:t>Weekly demographic rates are hard to come by</a:t>
+            </a:r>
+          </a:p>
+          <a:p>
+            <a:pPr marL="742950" lvl="1" indent="-285750" rtl="0" fontAlgn="ctr">
+              <a:spcBef>
+                <a:spcPts val="0"/>
+              </a:spcBef>
+              <a:spcAft>
+                <a:spcPts val="0"/>
+              </a:spcAft>
+              <a:buFont typeface="Arial" panose="020B0604020202020204" pitchFamily="34" charset="0"/>
+              <a:buChar char="•"/>
+            </a:pPr>
+            <a:r>
+              <a:rPr lang="en-GB" dirty="0">
+                <a:effectLst/>
+                <a:latin typeface="Calibri" panose="020F0502020204030204" pitchFamily="34" charset="0"/>
+              </a:rPr>
+              <a:t>Would monthly demographic timestep be too big</a:t>
+            </a:r>
+          </a:p>
+          <a:p>
+            <a:pPr marL="1143000" lvl="2" indent="-228600" rtl="0" fontAlgn="ctr">
+              <a:spcBef>
+                <a:spcPts val="0"/>
+              </a:spcBef>
+              <a:spcAft>
+                <a:spcPts val="0"/>
+              </a:spcAft>
+              <a:buFont typeface="Arial" panose="020B0604020202020204" pitchFamily="34" charset="0"/>
+              <a:buChar char="§"/>
+            </a:pPr>
+            <a:r>
+              <a:rPr lang="en-GB" dirty="0">
+                <a:effectLst/>
+                <a:latin typeface="Calibri" panose="020F0502020204030204" pitchFamily="34" charset="0"/>
+              </a:rPr>
+              <a:t>Data may be more accurately reflected</a:t>
+            </a:r>
+          </a:p>
+          <a:p>
+            <a:pPr rtl="0" fontAlgn="ctr">
+              <a:spcBef>
+                <a:spcPts val="0"/>
+              </a:spcBef>
+              <a:spcAft>
+                <a:spcPts val="0"/>
+              </a:spcAft>
+              <a:buFont typeface="Arial" panose="020B0604020202020204" pitchFamily="34" charset="0"/>
+              <a:buChar char="•"/>
+            </a:pPr>
+            <a:r>
+              <a:rPr lang="en-GB" dirty="0">
+                <a:effectLst/>
+                <a:latin typeface="Calibri" panose="020F0502020204030204" pitchFamily="34" charset="0"/>
+              </a:rPr>
+              <a:t>Data for model:</a:t>
+            </a:r>
+          </a:p>
+          <a:p>
+            <a:pPr marL="742950" lvl="1" indent="-285750" rtl="0" fontAlgn="ctr">
+              <a:spcBef>
+                <a:spcPts val="0"/>
+              </a:spcBef>
+              <a:spcAft>
+                <a:spcPts val="0"/>
+              </a:spcAft>
+              <a:buFont typeface="Arial" panose="020B0604020202020204" pitchFamily="34" charset="0"/>
+              <a:buChar char="•"/>
+            </a:pPr>
+            <a:r>
+              <a:rPr lang="en-GB" dirty="0">
+                <a:effectLst/>
+                <a:latin typeface="Calibri" panose="020F0502020204030204" pitchFamily="34" charset="0"/>
+              </a:rPr>
+              <a:t>BS needs to focus time on this, still not confirmed flock profiles (was hoping RP2 would help but not enough time)</a:t>
+            </a:r>
+          </a:p>
+          <a:p>
+            <a:pPr marL="742950" lvl="1" indent="-285750" fontAlgn="ctr">
+              <a:buFont typeface="Arial" panose="020B0604020202020204" pitchFamily="34" charset="0"/>
+              <a:buChar char="•"/>
+            </a:pPr>
+            <a:endParaRPr lang="en-GB" sz="3600" dirty="0">
+              <a:effectLst/>
+              <a:latin typeface="Calibri" panose="020F0502020204030204" pitchFamily="34" charset="0"/>
+            </a:endParaRPr>
+          </a:p>
+        </p:txBody>
+      </p:sp>
     </p:spTree>
     <p:extLst>
       <p:ext uri="{BB962C8B-B14F-4D97-AF65-F5344CB8AC3E}">
-        <p14:creationId xmlns:p14="http://schemas.microsoft.com/office/powerpoint/2010/main" val="419127042"/>
+        <p14:creationId xmlns:p14="http://schemas.microsoft.com/office/powerpoint/2010/main" val="2166822845"/>
       </p:ext>
     </p:extLst>
   </p:cSld>
@@ -5831,173 +6113,97 @@
       </p:grpSpPr>
       <p:sp>
         <p:nvSpPr>
-          <p:cNvPr id="3" name="TextBox 2">
-            <a:extLst>
-              <a:ext uri="{FF2B5EF4-FFF2-40B4-BE49-F238E27FC236}">
-                <a16:creationId xmlns:a16="http://schemas.microsoft.com/office/drawing/2014/main" id="{2CEAF43A-3C94-8B4E-2E3A-71E8CE67926E}"/>
-              </a:ext>
-            </a:extLst>
-          </p:cNvPr>
-          <p:cNvSpPr txBox="1"/>
-          <p:nvPr/>
-        </p:nvSpPr>
-        <p:spPr>
-          <a:xfrm>
-            <a:off x="3049172" y="2709242"/>
-            <a:ext cx="6098344" cy="1446550"/>
-          </a:xfrm>
-          <a:prstGeom prst="rect">
-            <a:avLst/>
-          </a:prstGeom>
-          <a:noFill/>
-        </p:spPr>
-        <p:txBody>
-          <a:bodyPr wrap="square">
-            <a:spAutoFit/>
-          </a:bodyPr>
-          <a:lstStyle/>
-          <a:p>
-            <a:pPr rtl="0" fontAlgn="ctr">
-              <a:spcBef>
-                <a:spcPts val="0"/>
-              </a:spcBef>
-              <a:spcAft>
-                <a:spcPts val="0"/>
-              </a:spcAft>
-              <a:buFont typeface="Courier New" panose="02070309020205020404" pitchFamily="49" charset="0"/>
-              <a:buChar char="o"/>
-            </a:pPr>
-            <a:r>
-              <a:rPr lang="en-GB" sz="1100" dirty="0">
-                <a:effectLst/>
-                <a:latin typeface="Calibri" panose="020F0502020204030204" pitchFamily="34" charset="0"/>
+          <p:cNvPr id="2" name="Title 1">
+            <a:extLst>
+              <a:ext uri="{FF2B5EF4-FFF2-40B4-BE49-F238E27FC236}">
+                <a16:creationId xmlns:a16="http://schemas.microsoft.com/office/drawing/2014/main" id="{21977956-9B79-B2A3-1EE1-4E20D0D6046E}"/>
+              </a:ext>
+            </a:extLst>
+          </p:cNvPr>
+          <p:cNvSpPr>
+            <a:spLocks noGrp="1"/>
+          </p:cNvSpPr>
+          <p:nvPr>
+            <p:ph type="title"/>
+          </p:nvPr>
+        </p:nvSpPr>
+        <p:spPr/>
+        <p:txBody>
+          <a:bodyPr/>
+          <a:lstStyle/>
+          <a:p>
+            <a:r>
+              <a:rPr lang="en-US" dirty="0"/>
+              <a:t>Sensitivity analysis</a:t>
+            </a:r>
+          </a:p>
+        </p:txBody>
+      </p:sp>
+      <p:sp>
+        <p:nvSpPr>
+          <p:cNvPr id="6" name="Content Placeholder 5">
+            <a:extLst>
+              <a:ext uri="{FF2B5EF4-FFF2-40B4-BE49-F238E27FC236}">
+                <a16:creationId xmlns:a16="http://schemas.microsoft.com/office/drawing/2014/main" id="{82F2D9BD-2C24-1D6A-0AB2-08AEAFAB7B42}"/>
+              </a:ext>
+            </a:extLst>
+          </p:cNvPr>
+          <p:cNvSpPr>
+            <a:spLocks noGrp="1"/>
+          </p:cNvSpPr>
+          <p:nvPr>
+            <p:ph idx="1"/>
+          </p:nvPr>
+        </p:nvSpPr>
+        <p:spPr/>
+        <p:txBody>
+          <a:bodyPr/>
+          <a:lstStyle/>
+          <a:p>
+            <a:r>
+              <a:rPr lang="en-US" dirty="0">
+                <a:hlinkClick r:id="rId2"/>
               </a:rPr>
-              <a:t>Developments:</a:t>
-            </a:r>
-          </a:p>
-          <a:p>
-            <a:pPr marL="742950" lvl="1" indent="-285750" rtl="0" fontAlgn="ctr">
-              <a:spcBef>
-                <a:spcPts val="0"/>
-              </a:spcBef>
-              <a:spcAft>
-                <a:spcPts val="0"/>
-              </a:spcAft>
-              <a:buFont typeface="Arial" panose="020B0604020202020204" pitchFamily="34" charset="0"/>
-              <a:buChar char="•"/>
-            </a:pPr>
-            <a:r>
-              <a:rPr lang="en-GB" sz="1100" dirty="0">
-                <a:effectLst/>
-                <a:latin typeface="Calibri" panose="020F0502020204030204" pitchFamily="34" charset="0"/>
-              </a:rPr>
-              <a:t>Controlling population size (tbc when more parameter sets fitted)</a:t>
-            </a:r>
-          </a:p>
-          <a:p>
-            <a:pPr marL="1143000" lvl="2" indent="-228600" rtl="0" fontAlgn="ctr">
-              <a:spcBef>
-                <a:spcPts val="0"/>
-              </a:spcBef>
-              <a:spcAft>
-                <a:spcPts val="0"/>
-              </a:spcAft>
-              <a:buFont typeface="Arial" panose="020B0604020202020204" pitchFamily="34" charset="0"/>
-              <a:buChar char="§"/>
-            </a:pPr>
-            <a:r>
-              <a:rPr lang="en-GB" sz="1100" dirty="0">
-                <a:solidFill>
-                  <a:srgbClr val="7F7F7F"/>
-                </a:solidFill>
-                <a:effectLst/>
-                <a:latin typeface="Calibri" panose="020F0502020204030204" pitchFamily="34" charset="0"/>
-              </a:rPr>
-              <a:t>GF: Need to think about end population - stable / exponential / avoid collapse</a:t>
-            </a:r>
-          </a:p>
-          <a:p>
-            <a:pPr marL="742950" lvl="1" indent="-285750" rtl="0" fontAlgn="ctr">
-              <a:spcBef>
-                <a:spcPts val="0"/>
-              </a:spcBef>
-              <a:spcAft>
-                <a:spcPts val="0"/>
-              </a:spcAft>
-              <a:buFont typeface="Arial" panose="020B0604020202020204" pitchFamily="34" charset="0"/>
-              <a:buChar char="•"/>
-            </a:pPr>
-            <a:r>
-              <a:rPr lang="en-GB" sz="1100" dirty="0">
-                <a:effectLst/>
-                <a:latin typeface="Calibri" panose="020F0502020204030204" pitchFamily="34" charset="0"/>
-              </a:rPr>
-              <a:t>Add in transmission</a:t>
-            </a:r>
-          </a:p>
-          <a:p>
-            <a:pPr marL="742950" lvl="1" indent="-285750" rtl="0" fontAlgn="ctr">
-              <a:spcBef>
-                <a:spcPts val="0"/>
-              </a:spcBef>
-              <a:spcAft>
-                <a:spcPts val="0"/>
-              </a:spcAft>
-              <a:buFont typeface="Arial" panose="020B0604020202020204" pitchFamily="34" charset="0"/>
-              <a:buChar char="•"/>
-            </a:pPr>
-            <a:r>
-              <a:rPr lang="en-GB" sz="1100" dirty="0">
-                <a:effectLst/>
-                <a:latin typeface="Calibri" panose="020F0502020204030204" pitchFamily="34" charset="0"/>
-              </a:rPr>
-              <a:t>Seasonality of demographic rates (how?) - thinking just 2 seasons, 1 "peak", remainder "normal"</a:t>
-            </a:r>
-          </a:p>
-          <a:p>
-            <a:pPr rtl="0" fontAlgn="ctr">
-              <a:spcBef>
-                <a:spcPts val="0"/>
-              </a:spcBef>
-              <a:spcAft>
-                <a:spcPts val="0"/>
-              </a:spcAft>
-              <a:buFont typeface="Courier New" panose="02070309020205020404" pitchFamily="49" charset="0"/>
-              <a:buChar char="o"/>
-            </a:pPr>
-            <a:r>
-              <a:rPr lang="en-GB" sz="1100" dirty="0">
-                <a:effectLst/>
-                <a:latin typeface="Calibri" panose="020F0502020204030204" pitchFamily="34" charset="0"/>
-              </a:rPr>
-              <a:t>Timestep of model</a:t>
-            </a:r>
-          </a:p>
-          <a:p>
-            <a:pPr marL="742950" lvl="1" indent="-285750" rtl="0" fontAlgn="ctr">
-              <a:spcBef>
-                <a:spcPts val="0"/>
-              </a:spcBef>
-              <a:spcAft>
-                <a:spcPts val="0"/>
-              </a:spcAft>
-              <a:buFont typeface="Arial" panose="020B0604020202020204" pitchFamily="34" charset="0"/>
-              <a:buChar char="•"/>
-            </a:pPr>
-            <a:r>
-              <a:rPr lang="en-GB" sz="1100" dirty="0">
-                <a:effectLst/>
-                <a:latin typeface="Calibri" panose="020F0502020204030204" pitchFamily="34" charset="0"/>
-              </a:rPr>
-              <a:t>Weekly demographic rates are hard to come by…</a:t>
-            </a:r>
+              <a:t>file:///Users/bethsavagar/Library/CloudStorage/OneDrive-RoyalVeterinaryCollege/Population_Dynamics_Model/writing/methods/notes/Parameters.docx</a:t>
+            </a:r>
+            <a:endParaRPr lang="en-US" dirty="0"/>
           </a:p>
         </p:txBody>
       </p:sp>
     </p:spTree>
     <p:extLst>
       <p:ext uri="{BB962C8B-B14F-4D97-AF65-F5344CB8AC3E}">
-        <p14:creationId xmlns:p14="http://schemas.microsoft.com/office/powerpoint/2010/main" val="2166822845"/>
+        <p14:creationId xmlns:p14="http://schemas.microsoft.com/office/powerpoint/2010/main" val="563565559"/>
+      </p:ext>
+    </p:extLst>
+  </p:cSld>
+  <p:clrMapOvr>
+    <a:masterClrMapping/>
+  </p:clrMapOvr>
+</p:sld>
+</file>
+
+<file path=ppt/slides/slide7.xml><?xml version="1.0" encoding="utf-8"?>
+<p:sld xmlns:a="http://schemas.openxmlformats.org/drawingml/2006/main" xmlns:r="http://schemas.openxmlformats.org/officeDocument/2006/relationships" xmlns:p="http://schemas.openxmlformats.org/presentationml/2006/main">
+  <p:cSld>
+    <p:spTree>
+      <p:nvGrpSpPr>
+        <p:cNvPr id="1" name=""/>
+        <p:cNvGrpSpPr/>
+        <p:nvPr/>
+      </p:nvGrpSpPr>
+      <p:grpSpPr>
+        <a:xfrm>
+          <a:off x="0" y="0"/>
+          <a:ext cx="0" cy="0"/>
+          <a:chOff x="0" y="0"/>
+          <a:chExt cx="0" cy="0"/>
+        </a:xfrm>
+      </p:grpSpPr>
+    </p:spTree>
+    <p:extLst>
+      <p:ext uri="{BB962C8B-B14F-4D97-AF65-F5344CB8AC3E}">
+        <p14:creationId xmlns:p14="http://schemas.microsoft.com/office/powerpoint/2010/main" val="1859828439"/>
       </p:ext>
     </p:extLst>
   </p:cSld>

--- a/results-presentations/model-test-BAOBAB.pptx
+++ b/results-presentations/model-test-BAOBAB.pptx
@@ -124,7 +124,7 @@
 <file path=ppt/revisionInfo.xml><?xml version="1.0" encoding="utf-8"?>
 <p1510:revInfo xmlns:a="http://schemas.openxmlformats.org/drawingml/2006/main" xmlns:r="http://schemas.openxmlformats.org/officeDocument/2006/relationships" xmlns:p1510="http://schemas.microsoft.com/office/powerpoint/2015/10/main">
   <p1510:revLst>
-    <p1510:client id="{A1FE3073-CEB4-3140-B0CA-5FEA12E5C3D9}" v="12" dt="2023-02-28T12:33:09.803"/>
+    <p1510:client id="{3A5BAB18-A7D2-1646-8C2B-E00ADF9A013D}" v="2" dt="2023-03-01T14:32:07.601"/>
   </p1510:revLst>
 </p1510:revInfo>
 </file>
@@ -445,6 +445,91 @@
       </pc:sldChg>
     </pc:docChg>
   </pc:docChgLst>
+  <pc:docChgLst>
+    <pc:chgData name="Savagar, Bethan Alice" userId="dc0b6509-dca5-46f6-b355-e03f7348faa9" providerId="ADAL" clId="{3A5BAB18-A7D2-1646-8C2B-E00ADF9A013D}"/>
+    <pc:docChg chg="custSel modSld">
+      <pc:chgData name="Savagar, Bethan Alice" userId="dc0b6509-dca5-46f6-b355-e03f7348faa9" providerId="ADAL" clId="{3A5BAB18-A7D2-1646-8C2B-E00ADF9A013D}" dt="2023-03-01T14:34:20.658" v="221" actId="20577"/>
+      <pc:docMkLst>
+        <pc:docMk/>
+      </pc:docMkLst>
+      <pc:sldChg chg="modSp mod">
+        <pc:chgData name="Savagar, Bethan Alice" userId="dc0b6509-dca5-46f6-b355-e03f7348faa9" providerId="ADAL" clId="{3A5BAB18-A7D2-1646-8C2B-E00ADF9A013D}" dt="2023-03-01T14:31:38.321" v="9" actId="20577"/>
+        <pc:sldMkLst>
+          <pc:docMk/>
+          <pc:sldMk cId="73896297" sldId="256"/>
+        </pc:sldMkLst>
+        <pc:spChg chg="mod">
+          <ac:chgData name="Savagar, Bethan Alice" userId="dc0b6509-dca5-46f6-b355-e03f7348faa9" providerId="ADAL" clId="{3A5BAB18-A7D2-1646-8C2B-E00ADF9A013D}" dt="2023-03-01T14:31:38.321" v="9" actId="20577"/>
+          <ac:spMkLst>
+            <pc:docMk/>
+            <pc:sldMk cId="73896297" sldId="256"/>
+            <ac:spMk id="3" creationId="{3DFD11F4-0EB5-3BAD-96DF-D1CBD44D20FC}"/>
+          </ac:spMkLst>
+        </pc:spChg>
+      </pc:sldChg>
+      <pc:sldChg chg="modSp mod">
+        <pc:chgData name="Savagar, Bethan Alice" userId="dc0b6509-dca5-46f6-b355-e03f7348faa9" providerId="ADAL" clId="{3A5BAB18-A7D2-1646-8C2B-E00ADF9A013D}" dt="2023-03-01T14:34:20.658" v="221" actId="20577"/>
+        <pc:sldMkLst>
+          <pc:docMk/>
+          <pc:sldMk cId="2073572194" sldId="260"/>
+        </pc:sldMkLst>
+        <pc:spChg chg="mod">
+          <ac:chgData name="Savagar, Bethan Alice" userId="dc0b6509-dca5-46f6-b355-e03f7348faa9" providerId="ADAL" clId="{3A5BAB18-A7D2-1646-8C2B-E00ADF9A013D}" dt="2023-03-01T14:34:20.658" v="221" actId="20577"/>
+          <ac:spMkLst>
+            <pc:docMk/>
+            <pc:sldMk cId="2073572194" sldId="260"/>
+            <ac:spMk id="8" creationId="{1FFCA54F-F596-9ACA-B8C7-D844C41C9AC4}"/>
+          </ac:spMkLst>
+        </pc:spChg>
+      </pc:sldChg>
+      <pc:sldChg chg="addSp modSp mod">
+        <pc:chgData name="Savagar, Bethan Alice" userId="dc0b6509-dca5-46f6-b355-e03f7348faa9" providerId="ADAL" clId="{3A5BAB18-A7D2-1646-8C2B-E00ADF9A013D}" dt="2023-03-01T14:32:26.196" v="84" actId="20577"/>
+        <pc:sldMkLst>
+          <pc:docMk/>
+          <pc:sldMk cId="1361513349" sldId="262"/>
+        </pc:sldMkLst>
+        <pc:spChg chg="add mod">
+          <ac:chgData name="Savagar, Bethan Alice" userId="dc0b6509-dca5-46f6-b355-e03f7348faa9" providerId="ADAL" clId="{3A5BAB18-A7D2-1646-8C2B-E00ADF9A013D}" dt="2023-03-01T14:32:05.299" v="32" actId="1076"/>
+          <ac:spMkLst>
+            <pc:docMk/>
+            <pc:sldMk cId="1361513349" sldId="262"/>
+            <ac:spMk id="3" creationId="{619F8B46-E62F-BBE2-8B4D-FB3A6646BF82}"/>
+          </ac:spMkLst>
+        </pc:spChg>
+        <pc:spChg chg="add mod">
+          <ac:chgData name="Savagar, Bethan Alice" userId="dc0b6509-dca5-46f6-b355-e03f7348faa9" providerId="ADAL" clId="{3A5BAB18-A7D2-1646-8C2B-E00ADF9A013D}" dt="2023-03-01T14:32:26.196" v="84" actId="20577"/>
+          <ac:spMkLst>
+            <pc:docMk/>
+            <pc:sldMk cId="1361513349" sldId="262"/>
+            <ac:spMk id="6" creationId="{D1F50478-D622-ACBF-1EAA-D97DB0B1ED7E}"/>
+          </ac:spMkLst>
+        </pc:spChg>
+      </pc:sldChg>
+      <pc:sldChg chg="modSp mod">
+        <pc:chgData name="Savagar, Bethan Alice" userId="dc0b6509-dca5-46f6-b355-e03f7348faa9" providerId="ADAL" clId="{3A5BAB18-A7D2-1646-8C2B-E00ADF9A013D}" dt="2023-03-01T14:33:14.825" v="147" actId="20577"/>
+        <pc:sldMkLst>
+          <pc:docMk/>
+          <pc:sldMk cId="3929642493" sldId="263"/>
+        </pc:sldMkLst>
+        <pc:spChg chg="mod">
+          <ac:chgData name="Savagar, Bethan Alice" userId="dc0b6509-dca5-46f6-b355-e03f7348faa9" providerId="ADAL" clId="{3A5BAB18-A7D2-1646-8C2B-E00ADF9A013D}" dt="2023-03-01T14:32:43.649" v="89" actId="20577"/>
+          <ac:spMkLst>
+            <pc:docMk/>
+            <pc:sldMk cId="3929642493" sldId="263"/>
+            <ac:spMk id="2" creationId="{886AA6A4-35E3-0AA1-51AC-149697AD0686}"/>
+          </ac:spMkLst>
+        </pc:spChg>
+        <pc:spChg chg="mod">
+          <ac:chgData name="Savagar, Bethan Alice" userId="dc0b6509-dca5-46f6-b355-e03f7348faa9" providerId="ADAL" clId="{3A5BAB18-A7D2-1646-8C2B-E00ADF9A013D}" dt="2023-03-01T14:33:14.825" v="147" actId="20577"/>
+          <ac:spMkLst>
+            <pc:docMk/>
+            <pc:sldMk cId="3929642493" sldId="263"/>
+            <ac:spMk id="13" creationId="{951DF4FF-9FD7-7618-5391-A4CB6A93BFAA}"/>
+          </ac:spMkLst>
+        </pc:spChg>
+      </pc:sldChg>
+    </pc:docChg>
+  </pc:docChgLst>
 </pc:chgInfo>
 </file>
 
@@ -586,7 +671,7 @@
           <a:p>
             <a:fld id="{12BFABB2-EEA0-864E-BF55-7EF7D8AD924B}" type="datetimeFigureOut">
               <a:rPr lang="en-US" smtClean="0"/>
-              <a:t>2/27/23</a:t>
+              <a:t>3/1/23</a:t>
             </a:fld>
             <a:endParaRPr lang="en-US"/>
           </a:p>
@@ -1582,7 +1667,7 @@
           <a:p>
             <a:fld id="{17EE346A-1225-314F-8E90-18293479AF17}" type="datetimeFigureOut">
               <a:rPr lang="en-US" smtClean="0"/>
-              <a:t>2/27/23</a:t>
+              <a:t>3/1/23</a:t>
             </a:fld>
             <a:endParaRPr lang="en-US"/>
           </a:p>
@@ -1782,7 +1867,7 @@
           <a:p>
             <a:fld id="{17EE346A-1225-314F-8E90-18293479AF17}" type="datetimeFigureOut">
               <a:rPr lang="en-US" smtClean="0"/>
-              <a:t>2/27/23</a:t>
+              <a:t>3/1/23</a:t>
             </a:fld>
             <a:endParaRPr lang="en-US"/>
           </a:p>
@@ -1992,7 +2077,7 @@
           <a:p>
             <a:fld id="{17EE346A-1225-314F-8E90-18293479AF17}" type="datetimeFigureOut">
               <a:rPr lang="en-US" smtClean="0"/>
-              <a:t>2/27/23</a:t>
+              <a:t>3/1/23</a:t>
             </a:fld>
             <a:endParaRPr lang="en-US"/>
           </a:p>
@@ -2192,7 +2277,7 @@
           <a:p>
             <a:fld id="{17EE346A-1225-314F-8E90-18293479AF17}" type="datetimeFigureOut">
               <a:rPr lang="en-US" smtClean="0"/>
-              <a:t>2/27/23</a:t>
+              <a:t>3/1/23</a:t>
             </a:fld>
             <a:endParaRPr lang="en-US"/>
           </a:p>
@@ -2468,7 +2553,7 @@
           <a:p>
             <a:fld id="{17EE346A-1225-314F-8E90-18293479AF17}" type="datetimeFigureOut">
               <a:rPr lang="en-US" smtClean="0"/>
-              <a:t>2/27/23</a:t>
+              <a:t>3/1/23</a:t>
             </a:fld>
             <a:endParaRPr lang="en-US"/>
           </a:p>
@@ -2736,7 +2821,7 @@
           <a:p>
             <a:fld id="{17EE346A-1225-314F-8E90-18293479AF17}" type="datetimeFigureOut">
               <a:rPr lang="en-US" smtClean="0"/>
-              <a:t>2/27/23</a:t>
+              <a:t>3/1/23</a:t>
             </a:fld>
             <a:endParaRPr lang="en-US"/>
           </a:p>
@@ -3151,7 +3236,7 @@
           <a:p>
             <a:fld id="{17EE346A-1225-314F-8E90-18293479AF17}" type="datetimeFigureOut">
               <a:rPr lang="en-US" smtClean="0"/>
-              <a:t>2/27/23</a:t>
+              <a:t>3/1/23</a:t>
             </a:fld>
             <a:endParaRPr lang="en-US"/>
           </a:p>
@@ -3293,7 +3378,7 @@
           <a:p>
             <a:fld id="{17EE346A-1225-314F-8E90-18293479AF17}" type="datetimeFigureOut">
               <a:rPr lang="en-US" smtClean="0"/>
-              <a:t>2/27/23</a:t>
+              <a:t>3/1/23</a:t>
             </a:fld>
             <a:endParaRPr lang="en-US"/>
           </a:p>
@@ -3406,7 +3491,7 @@
           <a:p>
             <a:fld id="{17EE346A-1225-314F-8E90-18293479AF17}" type="datetimeFigureOut">
               <a:rPr lang="en-US" smtClean="0"/>
-              <a:t>2/27/23</a:t>
+              <a:t>3/1/23</a:t>
             </a:fld>
             <a:endParaRPr lang="en-US"/>
           </a:p>
@@ -3719,7 +3804,7 @@
           <a:p>
             <a:fld id="{17EE346A-1225-314F-8E90-18293479AF17}" type="datetimeFigureOut">
               <a:rPr lang="en-US" smtClean="0"/>
-              <a:t>2/27/23</a:t>
+              <a:t>3/1/23</a:t>
             </a:fld>
             <a:endParaRPr lang="en-US"/>
           </a:p>
@@ -4008,7 +4093,7 @@
           <a:p>
             <a:fld id="{17EE346A-1225-314F-8E90-18293479AF17}" type="datetimeFigureOut">
               <a:rPr lang="en-US" smtClean="0"/>
-              <a:t>2/27/23</a:t>
+              <a:t>3/1/23</a:t>
             </a:fld>
             <a:endParaRPr lang="en-US"/>
           </a:p>
@@ -4251,7 +4336,7 @@
           <a:p>
             <a:fld id="{17EE346A-1225-314F-8E90-18293479AF17}" type="datetimeFigureOut">
               <a:rPr lang="en-US" smtClean="0"/>
-              <a:t>2/27/23</a:t>
+              <a:t>3/1/23</a:t>
             </a:fld>
             <a:endParaRPr lang="en-US"/>
           </a:p>
@@ -4717,7 +4802,10 @@
           <a:bodyPr/>
           <a:lstStyle/>
           <a:p>
-            <a:endParaRPr lang="en-US"/>
+            <a:r>
+              <a:rPr lang="en-US" dirty="0"/>
+              <a:t>02/03/2023</a:t>
+            </a:r>
           </a:p>
         </p:txBody>
       </p:sp>
@@ -5037,6 +5125,80 @@
           </a:p>
         </p:txBody>
       </p:sp>
+      <p:sp>
+        <p:nvSpPr>
+          <p:cNvPr id="3" name="TextBox 2">
+            <a:extLst>
+              <a:ext uri="{FF2B5EF4-FFF2-40B4-BE49-F238E27FC236}">
+                <a16:creationId xmlns:a16="http://schemas.microsoft.com/office/drawing/2014/main" id="{619F8B46-E62F-BBE2-8B4D-FB3A6646BF82}"/>
+              </a:ext>
+            </a:extLst>
+          </p:cNvPr>
+          <p:cNvSpPr txBox="1"/>
+          <p:nvPr/>
+        </p:nvSpPr>
+        <p:spPr>
+          <a:xfrm>
+            <a:off x="407963" y="1252577"/>
+            <a:ext cx="2715186" cy="369332"/>
+          </a:xfrm>
+          <a:prstGeom prst="rect">
+            <a:avLst/>
+          </a:prstGeom>
+          <a:noFill/>
+        </p:spPr>
+        <p:txBody>
+          <a:bodyPr wrap="square" rtlCol="0">
+            <a:spAutoFit/>
+          </a:bodyPr>
+          <a:lstStyle/>
+          <a:p>
+            <a:r>
+              <a:rPr lang="en-US" dirty="0"/>
+              <a:t>Data from papers:</a:t>
+            </a:r>
+          </a:p>
+        </p:txBody>
+      </p:sp>
+      <p:sp>
+        <p:nvSpPr>
+          <p:cNvPr id="6" name="TextBox 5">
+            <a:extLst>
+              <a:ext uri="{FF2B5EF4-FFF2-40B4-BE49-F238E27FC236}">
+                <a16:creationId xmlns:a16="http://schemas.microsoft.com/office/drawing/2014/main" id="{D1F50478-D622-ACBF-1EAA-D97DB0B1ED7E}"/>
+              </a:ext>
+            </a:extLst>
+          </p:cNvPr>
+          <p:cNvSpPr txBox="1"/>
+          <p:nvPr/>
+        </p:nvSpPr>
+        <p:spPr>
+          <a:xfrm>
+            <a:off x="6095998" y="1353514"/>
+            <a:ext cx="3131005" cy="369332"/>
+          </a:xfrm>
+          <a:prstGeom prst="rect">
+            <a:avLst/>
+          </a:prstGeom>
+          <a:noFill/>
+        </p:spPr>
+        <p:txBody>
+          <a:bodyPr wrap="square" rtlCol="0">
+            <a:spAutoFit/>
+          </a:bodyPr>
+          <a:lstStyle/>
+          <a:p>
+            <a:r>
+              <a:rPr lang="en-US" dirty="0" err="1"/>
+              <a:t>Bodjo</a:t>
+            </a:r>
+            <a:r>
+              <a:rPr lang="en-US" dirty="0"/>
+              <a:t> data + modelled decay</a:t>
+            </a:r>
+          </a:p>
+        </p:txBody>
+      </p:sp>
     </p:spTree>
     <p:extLst>
       <p:ext uri="{BB962C8B-B14F-4D97-AF65-F5344CB8AC3E}">
@@ -5090,7 +5252,7 @@
           <a:p>
             <a:r>
               <a:rPr lang="en-US" dirty="0"/>
-              <a:t>BAOBAB Test</a:t>
+              <a:t>BAOBAB Test Data</a:t>
             </a:r>
           </a:p>
         </p:txBody>
@@ -5323,8 +5485,8 @@
           </a:fontRef>
         </p:style>
       </p:cxnSp>
-      <mc:AlternateContent xmlns:mc="http://schemas.openxmlformats.org/markup-compatibility/2006">
-        <mc:Choice xmlns:p14="http://schemas.microsoft.com/office/powerpoint/2010/main" Requires="p14">
+      <mc:AlternateContent xmlns:mc="http://schemas.openxmlformats.org/markup-compatibility/2006" xmlns:p14="http://schemas.microsoft.com/office/powerpoint/2010/main">
+        <mc:Choice Requires="p14">
           <p:contentPart p14:bwMode="auto" r:id="rId3">
             <p14:nvContentPartPr>
               <p14:cNvPr id="10" name="Ink 9">
@@ -5343,7 +5505,7 @@
             </p14:xfrm>
           </p:contentPart>
         </mc:Choice>
-        <mc:Fallback>
+        <mc:Fallback xmlns="">
           <p:pic>
             <p:nvPicPr>
               <p:cNvPr id="10" name="Ink 9">
@@ -5374,8 +5536,8 @@
           </p:pic>
         </mc:Fallback>
       </mc:AlternateContent>
-      <mc:AlternateContent xmlns:mc="http://schemas.openxmlformats.org/markup-compatibility/2006">
-        <mc:Choice xmlns:p14="http://schemas.microsoft.com/office/powerpoint/2010/main" Requires="p14">
+      <mc:AlternateContent xmlns:mc="http://schemas.openxmlformats.org/markup-compatibility/2006" xmlns:p14="http://schemas.microsoft.com/office/powerpoint/2010/main">
+        <mc:Choice Requires="p14">
           <p:contentPart p14:bwMode="auto" r:id="rId5">
             <p14:nvContentPartPr>
               <p14:cNvPr id="11" name="Ink 10">
@@ -5394,7 +5556,7 @@
             </p14:xfrm>
           </p:contentPart>
         </mc:Choice>
-        <mc:Fallback>
+        <mc:Fallback xmlns="">
           <p:pic>
             <p:nvPicPr>
               <p:cNvPr id="11" name="Ink 10">
@@ -5487,7 +5649,7 @@
         <p:spPr>
           <a:xfrm>
             <a:off x="639526" y="4738549"/>
-            <a:ext cx="3257225" cy="1754326"/>
+            <a:ext cx="4354505" cy="1754326"/>
           </a:xfrm>
           <a:prstGeom prst="rect">
             <a:avLst/>
@@ -5502,7 +5664,7 @@
           <a:p>
             <a:r>
               <a:rPr lang="en-US" dirty="0"/>
-              <a:t>Starting population: 1700</a:t>
+              <a:t>Starting population: 1700 (arbitrary)</a:t>
             </a:r>
           </a:p>
           <a:p>
@@ -5542,7 +5704,10 @@
             </a:r>
           </a:p>
           <a:p>
-            <a:endParaRPr lang="en-US" dirty="0"/>
+            <a:r>
+              <a:rPr lang="en-US" dirty="0"/>
+              <a:t>- Similar to reported proportions in field</a:t>
+            </a:r>
           </a:p>
         </p:txBody>
       </p:sp>
@@ -5730,7 +5895,7 @@
         <p:spPr>
           <a:xfrm>
             <a:off x="379828" y="3727938"/>
-            <a:ext cx="7554350" cy="923330"/>
+            <a:ext cx="7554350" cy="1477328"/>
           </a:xfrm>
           <a:prstGeom prst="rect">
             <a:avLst/>
@@ -5761,6 +5926,27 @@
               <a:rPr lang="en-US" dirty="0"/>
               <a:t>Age-sex structure of population not maintained (no age-sex differences for trade, deaths)</a:t>
             </a:r>
+          </a:p>
+          <a:p>
+            <a:pPr marL="742950" lvl="1" indent="-285750">
+              <a:buFont typeface="Arial" panose="020B0604020202020204" pitchFamily="34" charset="0"/>
+              <a:buChar char="•"/>
+            </a:pPr>
+            <a:r>
+              <a:rPr lang="en-US" dirty="0"/>
+              <a:t>i.e. expect higher male offtake (should help </a:t>
+            </a:r>
+            <a:r>
+              <a:rPr lang="en-US"/>
+              <a:t>maintain proportion F)</a:t>
+            </a:r>
+          </a:p>
+          <a:p>
+            <a:pPr marL="742950" lvl="1" indent="-285750">
+              <a:buFont typeface="Arial" panose="020B0604020202020204" pitchFamily="34" charset="0"/>
+              <a:buChar char="•"/>
+            </a:pPr>
+            <a:endParaRPr lang="en-US" dirty="0"/>
           </a:p>
         </p:txBody>
       </p:sp>

--- a/results-presentations/model-test-BAOBAB.pptx
+++ b/results-presentations/model-test-BAOBAB.pptx
@@ -5,7 +5,7 @@
     <p:sldMasterId id="2147483648" r:id="rId1"/>
   </p:sldMasterIdLst>
   <p:notesMasterIdLst>
-    <p:notesMasterId r:id="rId9"/>
+    <p:notesMasterId r:id="rId11"/>
   </p:notesMasterIdLst>
   <p:sldIdLst>
     <p:sldId id="256" r:id="rId2"/>
@@ -14,7 +14,9 @@
     <p:sldId id="260" r:id="rId5"/>
     <p:sldId id="264" r:id="rId6"/>
     <p:sldId id="265" r:id="rId7"/>
-    <p:sldId id="266" r:id="rId8"/>
+    <p:sldId id="267" r:id="rId8"/>
+    <p:sldId id="268" r:id="rId9"/>
+    <p:sldId id="269" r:id="rId10"/>
   </p:sldIdLst>
   <p:sldSz cx="12192000" cy="6858000"/>
   <p:notesSz cx="6858000" cy="9144000"/>
@@ -124,7 +126,7 @@
 <file path=ppt/revisionInfo.xml><?xml version="1.0" encoding="utf-8"?>
 <p1510:revInfo xmlns:a="http://schemas.openxmlformats.org/drawingml/2006/main" xmlns:r="http://schemas.openxmlformats.org/officeDocument/2006/relationships" xmlns:p1510="http://schemas.microsoft.com/office/powerpoint/2015/10/main">
   <p1510:revLst>
-    <p1510:client id="{3A5BAB18-A7D2-1646-8C2B-E00ADF9A013D}" v="2" dt="2023-03-01T14:32:07.601"/>
+    <p1510:client id="{3A5BAB18-A7D2-1646-8C2B-E00ADF9A013D}" v="4" dt="2023-03-09T12:36:02.631"/>
   </p1510:revLst>
 </p1510:revInfo>
 </file>
@@ -447,8 +449,8 @@
   </pc:docChgLst>
   <pc:docChgLst>
     <pc:chgData name="Savagar, Bethan Alice" userId="dc0b6509-dca5-46f6-b355-e03f7348faa9" providerId="ADAL" clId="{3A5BAB18-A7D2-1646-8C2B-E00ADF9A013D}"/>
-    <pc:docChg chg="custSel modSld">
-      <pc:chgData name="Savagar, Bethan Alice" userId="dc0b6509-dca5-46f6-b355-e03f7348faa9" providerId="ADAL" clId="{3A5BAB18-A7D2-1646-8C2B-E00ADF9A013D}" dt="2023-03-01T14:34:20.658" v="221" actId="20577"/>
+    <pc:docChg chg="custSel addSld delSld modSld">
+      <pc:chgData name="Savagar, Bethan Alice" userId="dc0b6509-dca5-46f6-b355-e03f7348faa9" providerId="ADAL" clId="{3A5BAB18-A7D2-1646-8C2B-E00ADF9A013D}" dt="2023-03-09T12:36:09.568" v="819" actId="20577"/>
       <pc:docMkLst>
         <pc:docMk/>
       </pc:docMkLst>
@@ -482,8 +484,8 @@
           </ac:spMkLst>
         </pc:spChg>
       </pc:sldChg>
-      <pc:sldChg chg="addSp modSp mod">
-        <pc:chgData name="Savagar, Bethan Alice" userId="dc0b6509-dca5-46f6-b355-e03f7348faa9" providerId="ADAL" clId="{3A5BAB18-A7D2-1646-8C2B-E00ADF9A013D}" dt="2023-03-01T14:32:26.196" v="84" actId="20577"/>
+      <pc:sldChg chg="addSp modSp mod modNotesTx">
+        <pc:chgData name="Savagar, Bethan Alice" userId="dc0b6509-dca5-46f6-b355-e03f7348faa9" providerId="ADAL" clId="{3A5BAB18-A7D2-1646-8C2B-E00ADF9A013D}" dt="2023-03-09T10:03:22.320" v="538" actId="20577"/>
         <pc:sldMkLst>
           <pc:docMk/>
           <pc:sldMk cId="1361513349" sldId="262"/>
@@ -527,6 +529,90 @@
             <ac:spMk id="13" creationId="{951DF4FF-9FD7-7618-5391-A4CB6A93BFAA}"/>
           </ac:spMkLst>
         </pc:spChg>
+      </pc:sldChg>
+      <pc:sldChg chg="del">
+        <pc:chgData name="Savagar, Bethan Alice" userId="dc0b6509-dca5-46f6-b355-e03f7348faa9" providerId="ADAL" clId="{3A5BAB18-A7D2-1646-8C2B-E00ADF9A013D}" dt="2023-03-09T10:01:41.653" v="223" actId="2696"/>
+        <pc:sldMkLst>
+          <pc:docMk/>
+          <pc:sldMk cId="1859828439" sldId="266"/>
+        </pc:sldMkLst>
+      </pc:sldChg>
+      <pc:sldChg chg="modSp new mod">
+        <pc:chgData name="Savagar, Bethan Alice" userId="dc0b6509-dca5-46f6-b355-e03f7348faa9" providerId="ADAL" clId="{3A5BAB18-A7D2-1646-8C2B-E00ADF9A013D}" dt="2023-03-09T10:01:49.113" v="260" actId="20577"/>
+        <pc:sldMkLst>
+          <pc:docMk/>
+          <pc:sldMk cId="1549157115" sldId="267"/>
+        </pc:sldMkLst>
+        <pc:spChg chg="mod">
+          <ac:chgData name="Savagar, Bethan Alice" userId="dc0b6509-dca5-46f6-b355-e03f7348faa9" providerId="ADAL" clId="{3A5BAB18-A7D2-1646-8C2B-E00ADF9A013D}" dt="2023-03-09T10:01:49.113" v="260" actId="20577"/>
+          <ac:spMkLst>
+            <pc:docMk/>
+            <pc:sldMk cId="1549157115" sldId="267"/>
+            <ac:spMk id="2" creationId="{9D5C6CC1-7331-744B-00F7-C9838CDDEB66}"/>
+          </ac:spMkLst>
+        </pc:spChg>
+      </pc:sldChg>
+      <pc:sldChg chg="addSp modSp new mod">
+        <pc:chgData name="Savagar, Bethan Alice" userId="dc0b6509-dca5-46f6-b355-e03f7348faa9" providerId="ADAL" clId="{3A5BAB18-A7D2-1646-8C2B-E00ADF9A013D}" dt="2023-03-09T10:05:55.540" v="802" actId="27636"/>
+        <pc:sldMkLst>
+          <pc:docMk/>
+          <pc:sldMk cId="955302800" sldId="268"/>
+        </pc:sldMkLst>
+        <pc:spChg chg="mod">
+          <ac:chgData name="Savagar, Bethan Alice" userId="dc0b6509-dca5-46f6-b355-e03f7348faa9" providerId="ADAL" clId="{3A5BAB18-A7D2-1646-8C2B-E00ADF9A013D}" dt="2023-03-09T10:05:38.807" v="762" actId="20577"/>
+          <ac:spMkLst>
+            <pc:docMk/>
+            <pc:sldMk cId="955302800" sldId="268"/>
+            <ac:spMk id="2" creationId="{8C7025F6-38A4-71F1-C210-81672BD3EB6D}"/>
+          </ac:spMkLst>
+        </pc:spChg>
+        <pc:spChg chg="mod">
+          <ac:chgData name="Savagar, Bethan Alice" userId="dc0b6509-dca5-46f6-b355-e03f7348faa9" providerId="ADAL" clId="{3A5BAB18-A7D2-1646-8C2B-E00ADF9A013D}" dt="2023-03-09T10:05:55.540" v="802" actId="27636"/>
+          <ac:spMkLst>
+            <pc:docMk/>
+            <pc:sldMk cId="955302800" sldId="268"/>
+            <ac:spMk id="3" creationId="{6CD2E1C0-CEC2-1E06-3848-7EE195EB6372}"/>
+          </ac:spMkLst>
+        </pc:spChg>
+        <pc:picChg chg="add mod">
+          <ac:chgData name="Savagar, Bethan Alice" userId="dc0b6509-dca5-46f6-b355-e03f7348faa9" providerId="ADAL" clId="{3A5BAB18-A7D2-1646-8C2B-E00ADF9A013D}" dt="2023-03-09T10:05:13.251" v="745" actId="1076"/>
+          <ac:picMkLst>
+            <pc:docMk/>
+            <pc:sldMk cId="955302800" sldId="268"/>
+            <ac:picMk id="4" creationId="{DB16E72D-EE15-CD23-E03C-BC00A171E81E}"/>
+          </ac:picMkLst>
+        </pc:picChg>
+      </pc:sldChg>
+      <pc:sldChg chg="addSp delSp modSp new mod">
+        <pc:chgData name="Savagar, Bethan Alice" userId="dc0b6509-dca5-46f6-b355-e03f7348faa9" providerId="ADAL" clId="{3A5BAB18-A7D2-1646-8C2B-E00ADF9A013D}" dt="2023-03-09T12:36:09.568" v="819" actId="20577"/>
+        <pc:sldMkLst>
+          <pc:docMk/>
+          <pc:sldMk cId="3349671045" sldId="269"/>
+        </pc:sldMkLst>
+        <pc:spChg chg="mod">
+          <ac:chgData name="Savagar, Bethan Alice" userId="dc0b6509-dca5-46f6-b355-e03f7348faa9" providerId="ADAL" clId="{3A5BAB18-A7D2-1646-8C2B-E00ADF9A013D}" dt="2023-03-09T12:36:09.568" v="819" actId="20577"/>
+          <ac:spMkLst>
+            <pc:docMk/>
+            <pc:sldMk cId="3349671045" sldId="269"/>
+            <ac:spMk id="2" creationId="{B69E2D86-3324-8802-4A9F-3F499F519DA0}"/>
+          </ac:spMkLst>
+        </pc:spChg>
+        <pc:spChg chg="del">
+          <ac:chgData name="Savagar, Bethan Alice" userId="dc0b6509-dca5-46f6-b355-e03f7348faa9" providerId="ADAL" clId="{3A5BAB18-A7D2-1646-8C2B-E00ADF9A013D}" dt="2023-03-09T12:36:02.629" v="804" actId="931"/>
+          <ac:spMkLst>
+            <pc:docMk/>
+            <pc:sldMk cId="3349671045" sldId="269"/>
+            <ac:spMk id="3" creationId="{7D82F283-BBD2-F025-7E60-F80834798208}"/>
+          </ac:spMkLst>
+        </pc:spChg>
+        <pc:picChg chg="add mod">
+          <ac:chgData name="Savagar, Bethan Alice" userId="dc0b6509-dca5-46f6-b355-e03f7348faa9" providerId="ADAL" clId="{3A5BAB18-A7D2-1646-8C2B-E00ADF9A013D}" dt="2023-03-09T12:36:04.990" v="805" actId="27614"/>
+          <ac:picMkLst>
+            <pc:docMk/>
+            <pc:sldMk cId="3349671045" sldId="269"/>
+            <ac:picMk id="5" creationId="{67879477-76D7-7E4E-9FCF-BD8C428F9321}"/>
+          </ac:picMkLst>
+        </pc:picChg>
       </pc:sldChg>
     </pc:docChg>
   </pc:docChgLst>
@@ -671,7 +757,7 @@
           <a:p>
             <a:fld id="{12BFABB2-EEA0-864E-BF55-7EF7D8AD924B}" type="datetimeFigureOut">
               <a:rPr lang="en-US" smtClean="0"/>
-              <a:t>3/1/23</a:t>
+              <a:t>3/9/23</a:t>
             </a:fld>
             <a:endParaRPr lang="en-US"/>
           </a:p>
@@ -1205,6 +1291,30 @@
             </a:r>
           </a:p>
           <a:p>
+            <a:pPr marL="285750" lvl="0" indent="-285750">
+              <a:buFont typeface="Courier New" panose="02070309020205020404" pitchFamily="49" charset="0"/>
+              <a:buChar char="o"/>
+            </a:pPr>
+            <a:r>
+              <a:rPr lang="en-GB" sz="1200" dirty="0" err="1">
+                <a:effectLst/>
+                <a:latin typeface="Calibri" panose="020F0502020204030204" pitchFamily="34" charset="0"/>
+                <a:ea typeface="Calibri" panose="020F0502020204030204" pitchFamily="34" charset="0"/>
+                <a:cs typeface="Times New Roman" panose="02020603050405020304" pitchFamily="18" charset="0"/>
+              </a:rPr>
+              <a:t>Bodjo</a:t>
+            </a:r>
+            <a:r>
+              <a:rPr lang="en-GB" sz="1200" dirty="0">
+                <a:effectLst/>
+                <a:latin typeface="Calibri" panose="020F0502020204030204" pitchFamily="34" charset="0"/>
+                <a:ea typeface="Calibri" panose="020F0502020204030204" pitchFamily="34" charset="0"/>
+                <a:cs typeface="Times New Roman" panose="02020603050405020304" pitchFamily="18" charset="0"/>
+              </a:rPr>
+              <a:t> data provides proportion of all lambs that are immune at each timepoint, we need the decay rate (or proportion of lambs at previous timestep)</a:t>
+            </a:r>
+          </a:p>
+          <a:p>
             <a:endParaRPr lang="en-US" dirty="0"/>
           </a:p>
         </p:txBody>
@@ -1667,7 +1777,7 @@
           <a:p>
             <a:fld id="{17EE346A-1225-314F-8E90-18293479AF17}" type="datetimeFigureOut">
               <a:rPr lang="en-US" smtClean="0"/>
-              <a:t>3/1/23</a:t>
+              <a:t>3/9/23</a:t>
             </a:fld>
             <a:endParaRPr lang="en-US"/>
           </a:p>
@@ -1867,7 +1977,7 @@
           <a:p>
             <a:fld id="{17EE346A-1225-314F-8E90-18293479AF17}" type="datetimeFigureOut">
               <a:rPr lang="en-US" smtClean="0"/>
-              <a:t>3/1/23</a:t>
+              <a:t>3/9/23</a:t>
             </a:fld>
             <a:endParaRPr lang="en-US"/>
           </a:p>
@@ -2077,7 +2187,7 @@
           <a:p>
             <a:fld id="{17EE346A-1225-314F-8E90-18293479AF17}" type="datetimeFigureOut">
               <a:rPr lang="en-US" smtClean="0"/>
-              <a:t>3/1/23</a:t>
+              <a:t>3/9/23</a:t>
             </a:fld>
             <a:endParaRPr lang="en-US"/>
           </a:p>
@@ -2277,7 +2387,7 @@
           <a:p>
             <a:fld id="{17EE346A-1225-314F-8E90-18293479AF17}" type="datetimeFigureOut">
               <a:rPr lang="en-US" smtClean="0"/>
-              <a:t>3/1/23</a:t>
+              <a:t>3/9/23</a:t>
             </a:fld>
             <a:endParaRPr lang="en-US"/>
           </a:p>
@@ -2553,7 +2663,7 @@
           <a:p>
             <a:fld id="{17EE346A-1225-314F-8E90-18293479AF17}" type="datetimeFigureOut">
               <a:rPr lang="en-US" smtClean="0"/>
-              <a:t>3/1/23</a:t>
+              <a:t>3/9/23</a:t>
             </a:fld>
             <a:endParaRPr lang="en-US"/>
           </a:p>
@@ -2821,7 +2931,7 @@
           <a:p>
             <a:fld id="{17EE346A-1225-314F-8E90-18293479AF17}" type="datetimeFigureOut">
               <a:rPr lang="en-US" smtClean="0"/>
-              <a:t>3/1/23</a:t>
+              <a:t>3/9/23</a:t>
             </a:fld>
             <a:endParaRPr lang="en-US"/>
           </a:p>
@@ -3236,7 +3346,7 @@
           <a:p>
             <a:fld id="{17EE346A-1225-314F-8E90-18293479AF17}" type="datetimeFigureOut">
               <a:rPr lang="en-US" smtClean="0"/>
-              <a:t>3/1/23</a:t>
+              <a:t>3/9/23</a:t>
             </a:fld>
             <a:endParaRPr lang="en-US"/>
           </a:p>
@@ -3378,7 +3488,7 @@
           <a:p>
             <a:fld id="{17EE346A-1225-314F-8E90-18293479AF17}" type="datetimeFigureOut">
               <a:rPr lang="en-US" smtClean="0"/>
-              <a:t>3/1/23</a:t>
+              <a:t>3/9/23</a:t>
             </a:fld>
             <a:endParaRPr lang="en-US"/>
           </a:p>
@@ -3491,7 +3601,7 @@
           <a:p>
             <a:fld id="{17EE346A-1225-314F-8E90-18293479AF17}" type="datetimeFigureOut">
               <a:rPr lang="en-US" smtClean="0"/>
-              <a:t>3/1/23</a:t>
+              <a:t>3/9/23</a:t>
             </a:fld>
             <a:endParaRPr lang="en-US"/>
           </a:p>
@@ -3804,7 +3914,7 @@
           <a:p>
             <a:fld id="{17EE346A-1225-314F-8E90-18293479AF17}" type="datetimeFigureOut">
               <a:rPr lang="en-US" smtClean="0"/>
-              <a:t>3/1/23</a:t>
+              <a:t>3/9/23</a:t>
             </a:fld>
             <a:endParaRPr lang="en-US"/>
           </a:p>
@@ -4093,7 +4203,7 @@
           <a:p>
             <a:fld id="{17EE346A-1225-314F-8E90-18293479AF17}" type="datetimeFigureOut">
               <a:rPr lang="en-US" smtClean="0"/>
-              <a:t>3/1/23</a:t>
+              <a:t>3/9/23</a:t>
             </a:fld>
             <a:endParaRPr lang="en-US"/>
           </a:p>
@@ -4336,7 +4446,7 @@
           <a:p>
             <a:fld id="{17EE346A-1225-314F-8E90-18293479AF17}" type="datetimeFigureOut">
               <a:rPr lang="en-US" smtClean="0"/>
-              <a:t>3/1/23</a:t>
+              <a:t>3/9/23</a:t>
             </a:fld>
             <a:endParaRPr lang="en-US"/>
           </a:p>
@@ -6386,10 +6496,347 @@
           <a:chExt cx="0" cy="0"/>
         </a:xfrm>
       </p:grpSpPr>
+      <p:sp>
+        <p:nvSpPr>
+          <p:cNvPr id="2" name="Title 1">
+            <a:extLst>
+              <a:ext uri="{FF2B5EF4-FFF2-40B4-BE49-F238E27FC236}">
+                <a16:creationId xmlns:a16="http://schemas.microsoft.com/office/drawing/2014/main" id="{9D5C6CC1-7331-744B-00F7-C9838CDDEB66}"/>
+              </a:ext>
+            </a:extLst>
+          </p:cNvPr>
+          <p:cNvSpPr>
+            <a:spLocks noGrp="1"/>
+          </p:cNvSpPr>
+          <p:nvPr>
+            <p:ph type="title"/>
+          </p:nvPr>
+        </p:nvSpPr>
+        <p:spPr/>
+        <p:txBody>
+          <a:bodyPr/>
+          <a:lstStyle/>
+          <a:p>
+            <a:r>
+              <a:rPr lang="en-US" dirty="0"/>
+              <a:t>Testing Model Functionality</a:t>
+            </a:r>
+          </a:p>
+        </p:txBody>
+      </p:sp>
+      <p:sp>
+        <p:nvSpPr>
+          <p:cNvPr id="3" name="Text Placeholder 2">
+            <a:extLst>
+              <a:ext uri="{FF2B5EF4-FFF2-40B4-BE49-F238E27FC236}">
+                <a16:creationId xmlns:a16="http://schemas.microsoft.com/office/drawing/2014/main" id="{AAE9FE35-5ACA-6517-479D-B55C3B7CBC6D}"/>
+              </a:ext>
+            </a:extLst>
+          </p:cNvPr>
+          <p:cNvSpPr>
+            <a:spLocks noGrp="1"/>
+          </p:cNvSpPr>
+          <p:nvPr>
+            <p:ph type="body" idx="1"/>
+          </p:nvPr>
+        </p:nvSpPr>
+        <p:spPr/>
+        <p:txBody>
+          <a:bodyPr/>
+          <a:lstStyle/>
+          <a:p>
+            <a:endParaRPr lang="en-US"/>
+          </a:p>
+        </p:txBody>
+      </p:sp>
     </p:spTree>
     <p:extLst>
       <p:ext uri="{BB962C8B-B14F-4D97-AF65-F5344CB8AC3E}">
-        <p14:creationId xmlns:p14="http://schemas.microsoft.com/office/powerpoint/2010/main" val="1859828439"/>
+        <p14:creationId xmlns:p14="http://schemas.microsoft.com/office/powerpoint/2010/main" val="1549157115"/>
+      </p:ext>
+    </p:extLst>
+  </p:cSld>
+  <p:clrMapOvr>
+    <a:masterClrMapping/>
+  </p:clrMapOvr>
+</p:sld>
+</file>
+
+<file path=ppt/slides/slide8.xml><?xml version="1.0" encoding="utf-8"?>
+<p:sld xmlns:a="http://schemas.openxmlformats.org/drawingml/2006/main" xmlns:r="http://schemas.openxmlformats.org/officeDocument/2006/relationships" xmlns:p="http://schemas.openxmlformats.org/presentationml/2006/main">
+  <p:cSld>
+    <p:spTree>
+      <p:nvGrpSpPr>
+        <p:cNvPr id="1" name=""/>
+        <p:cNvGrpSpPr/>
+        <p:nvPr/>
+      </p:nvGrpSpPr>
+      <p:grpSpPr>
+        <a:xfrm>
+          <a:off x="0" y="0"/>
+          <a:ext cx="0" cy="0"/>
+          <a:chOff x="0" y="0"/>
+          <a:chExt cx="0" cy="0"/>
+        </a:xfrm>
+      </p:grpSpPr>
+      <p:sp>
+        <p:nvSpPr>
+          <p:cNvPr id="2" name="Title 1">
+            <a:extLst>
+              <a:ext uri="{FF2B5EF4-FFF2-40B4-BE49-F238E27FC236}">
+                <a16:creationId xmlns:a16="http://schemas.microsoft.com/office/drawing/2014/main" id="{8C7025F6-38A4-71F1-C210-81672BD3EB6D}"/>
+              </a:ext>
+            </a:extLst>
+          </p:cNvPr>
+          <p:cNvSpPr>
+            <a:spLocks noGrp="1"/>
+          </p:cNvSpPr>
+          <p:nvPr>
+            <p:ph type="title"/>
+          </p:nvPr>
+        </p:nvSpPr>
+        <p:spPr/>
+        <p:txBody>
+          <a:bodyPr/>
+          <a:lstStyle/>
+          <a:p>
+            <a:r>
+              <a:rPr lang="en-US" dirty="0"/>
+              <a:t>Immunity Decay Test</a:t>
+            </a:r>
+          </a:p>
+        </p:txBody>
+      </p:sp>
+      <p:sp>
+        <p:nvSpPr>
+          <p:cNvPr id="3" name="Content Placeholder 2">
+            <a:extLst>
+              <a:ext uri="{FF2B5EF4-FFF2-40B4-BE49-F238E27FC236}">
+                <a16:creationId xmlns:a16="http://schemas.microsoft.com/office/drawing/2014/main" id="{6CD2E1C0-CEC2-1E06-3848-7EE195EB6372}"/>
+              </a:ext>
+            </a:extLst>
+          </p:cNvPr>
+          <p:cNvSpPr>
+            <a:spLocks noGrp="1"/>
+          </p:cNvSpPr>
+          <p:nvPr>
+            <p:ph idx="1"/>
+          </p:nvPr>
+        </p:nvSpPr>
+        <p:spPr/>
+        <p:txBody>
+          <a:bodyPr>
+            <a:normAutofit fontScale="77500" lnSpcReduction="20000"/>
+          </a:bodyPr>
+          <a:lstStyle/>
+          <a:p>
+            <a:endParaRPr lang="en-US" dirty="0"/>
+          </a:p>
+          <a:p>
+            <a:r>
+              <a:rPr lang="en-US" dirty="0"/>
+              <a:t>See </a:t>
+            </a:r>
+            <a:r>
+              <a:rPr lang="en-US" dirty="0" err="1"/>
+              <a:t>Imm-test.R</a:t>
+            </a:r>
+            <a:r>
+              <a:rPr lang="en-US" dirty="0"/>
+              <a:t> (08/03/23)</a:t>
+            </a:r>
+          </a:p>
+          <a:p>
+            <a:r>
+              <a:rPr lang="en-US" dirty="0"/>
+              <a:t># Run model with conditions to replicate </a:t>
+            </a:r>
+            <a:r>
+              <a:rPr lang="en-US" dirty="0" err="1"/>
+              <a:t>Bodjo</a:t>
+            </a:r>
+            <a:r>
+              <a:rPr lang="en-US" dirty="0"/>
+              <a:t> et al paper where offspring immunity dynamics are drawn from.</a:t>
+            </a:r>
+          </a:p>
+          <a:p>
+            <a:pPr lvl="1"/>
+            <a:r>
+              <a:rPr lang="en-US" dirty="0"/>
+              <a:t>Tested duration of maternal immunity in 112 lambs up to 150 days after birth, born to ewes vaccinated with the homologous PPR vaccine “Nigeria 75/1" at day 90 and day 120 of pregnancy.</a:t>
+            </a:r>
+          </a:p>
+          <a:p>
+            <a:endParaRPr lang="en-US" dirty="0"/>
+          </a:p>
+          <a:p>
+            <a:r>
+              <a:rPr lang="en-US" dirty="0"/>
+              <a:t># Parameters: </a:t>
+            </a:r>
+          </a:p>
+          <a:p>
+            <a:r>
+              <a:rPr lang="en-US" dirty="0"/>
+              <a:t># - set 112 lambs to immune compartment </a:t>
+            </a:r>
+          </a:p>
+          <a:p>
+            <a:r>
+              <a:rPr lang="en-US" dirty="0"/>
+              <a:t># - set rest of population to 0</a:t>
+            </a:r>
+          </a:p>
+          <a:p>
+            <a:r>
+              <a:rPr lang="en-US" dirty="0"/>
+              <a:t># - set mortality, offtake, and all demographic rates (except immune decay) to 0</a:t>
+            </a:r>
+          </a:p>
+          <a:p>
+            <a:r>
+              <a:rPr lang="en-US" dirty="0"/>
+              <a:t># - plot proportion immune for first 6 months of simulation </a:t>
+            </a:r>
+          </a:p>
+          <a:p>
+            <a:r>
+              <a:rPr lang="en-US" dirty="0"/>
+              <a:t># - plot should mirror the immune decay from </a:t>
+            </a:r>
+            <a:r>
+              <a:rPr lang="en-US" dirty="0" err="1"/>
+              <a:t>Bodjo</a:t>
+            </a:r>
+            <a:r>
+              <a:rPr lang="en-US" dirty="0"/>
+              <a:t> raw data</a:t>
+            </a:r>
+          </a:p>
+        </p:txBody>
+      </p:sp>
+      <p:pic>
+        <p:nvPicPr>
+          <p:cNvPr id="4" name="Picture 3" descr="Chart, line chart&#10;&#10;Description automatically generated">
+            <a:extLst>
+              <a:ext uri="{FF2B5EF4-FFF2-40B4-BE49-F238E27FC236}">
+                <a16:creationId xmlns:a16="http://schemas.microsoft.com/office/drawing/2014/main" id="{DB16E72D-EE15-CD23-E03C-BC00A171E81E}"/>
+              </a:ext>
+            </a:extLst>
+          </p:cNvPr>
+          <p:cNvPicPr>
+            <a:picLocks noChangeAspect="1"/>
+          </p:cNvPicPr>
+          <p:nvPr/>
+        </p:nvPicPr>
+        <p:blipFill>
+          <a:blip r:embed="rId2"/>
+          <a:stretch>
+            <a:fillRect/>
+          </a:stretch>
+        </p:blipFill>
+        <p:spPr>
+          <a:xfrm>
+            <a:off x="7703577" y="3619314"/>
+            <a:ext cx="4142860" cy="2799416"/>
+          </a:xfrm>
+          <a:prstGeom prst="rect">
+            <a:avLst/>
+          </a:prstGeom>
+        </p:spPr>
+      </p:pic>
+    </p:spTree>
+    <p:extLst>
+      <p:ext uri="{BB962C8B-B14F-4D97-AF65-F5344CB8AC3E}">
+        <p14:creationId xmlns:p14="http://schemas.microsoft.com/office/powerpoint/2010/main" val="955302800"/>
+      </p:ext>
+    </p:extLst>
+  </p:cSld>
+  <p:clrMapOvr>
+    <a:masterClrMapping/>
+  </p:clrMapOvr>
+</p:sld>
+</file>
+
+<file path=ppt/slides/slide9.xml><?xml version="1.0" encoding="utf-8"?>
+<p:sld xmlns:a="http://schemas.openxmlformats.org/drawingml/2006/main" xmlns:r="http://schemas.openxmlformats.org/officeDocument/2006/relationships" xmlns:p="http://schemas.openxmlformats.org/presentationml/2006/main">
+  <p:cSld>
+    <p:spTree>
+      <p:nvGrpSpPr>
+        <p:cNvPr id="1" name=""/>
+        <p:cNvGrpSpPr/>
+        <p:nvPr/>
+      </p:nvGrpSpPr>
+      <p:grpSpPr>
+        <a:xfrm>
+          <a:off x="0" y="0"/>
+          <a:ext cx="0" cy="0"/>
+          <a:chOff x="0" y="0"/>
+          <a:chExt cx="0" cy="0"/>
+        </a:xfrm>
+      </p:grpSpPr>
+      <p:sp>
+        <p:nvSpPr>
+          <p:cNvPr id="2" name="Title 1">
+            <a:extLst>
+              <a:ext uri="{FF2B5EF4-FFF2-40B4-BE49-F238E27FC236}">
+                <a16:creationId xmlns:a16="http://schemas.microsoft.com/office/drawing/2014/main" id="{B69E2D86-3324-8802-4A9F-3F499F519DA0}"/>
+              </a:ext>
+            </a:extLst>
+          </p:cNvPr>
+          <p:cNvSpPr>
+            <a:spLocks noGrp="1"/>
+          </p:cNvSpPr>
+          <p:nvPr>
+            <p:ph type="title"/>
+          </p:nvPr>
+        </p:nvSpPr>
+        <p:spPr/>
+        <p:txBody>
+          <a:bodyPr/>
+          <a:lstStyle/>
+          <a:p>
+            <a:r>
+              <a:rPr lang="en-US"/>
+              <a:t>Model output</a:t>
+            </a:r>
+          </a:p>
+        </p:txBody>
+      </p:sp>
+      <p:pic>
+        <p:nvPicPr>
+          <p:cNvPr id="5" name="Content Placeholder 4" descr="Chart, line chart&#10;&#10;Description automatically generated">
+            <a:extLst>
+              <a:ext uri="{FF2B5EF4-FFF2-40B4-BE49-F238E27FC236}">
+                <a16:creationId xmlns:a16="http://schemas.microsoft.com/office/drawing/2014/main" id="{67879477-76D7-7E4E-9FCF-BD8C428F9321}"/>
+              </a:ext>
+            </a:extLst>
+          </p:cNvPr>
+          <p:cNvPicPr>
+            <a:picLocks noGrp="1" noChangeAspect="1"/>
+          </p:cNvPicPr>
+          <p:nvPr>
+            <p:ph idx="1"/>
+          </p:nvPr>
+        </p:nvPicPr>
+        <p:blipFill>
+          <a:blip r:embed="rId2"/>
+          <a:stretch>
+            <a:fillRect/>
+          </a:stretch>
+        </p:blipFill>
+        <p:spPr>
+          <a:xfrm>
+            <a:off x="3158586" y="1825625"/>
+            <a:ext cx="5874828" cy="4351338"/>
+          </a:xfrm>
+        </p:spPr>
+      </p:pic>
+    </p:spTree>
+    <p:extLst>
+      <p:ext uri="{BB962C8B-B14F-4D97-AF65-F5344CB8AC3E}">
+        <p14:creationId xmlns:p14="http://schemas.microsoft.com/office/powerpoint/2010/main" val="3349671045"/>
       </p:ext>
     </p:extLst>
   </p:cSld>

--- a/results-presentations/model-test-BAOBAB.pptx
+++ b/results-presentations/model-test-BAOBAB.pptx
@@ -450,7 +450,7 @@
   <pc:docChgLst>
     <pc:chgData name="Savagar, Bethan Alice" userId="dc0b6509-dca5-46f6-b355-e03f7348faa9" providerId="ADAL" clId="{3A5BAB18-A7D2-1646-8C2B-E00ADF9A013D}"/>
     <pc:docChg chg="custSel addSld delSld modSld">
-      <pc:chgData name="Savagar, Bethan Alice" userId="dc0b6509-dca5-46f6-b355-e03f7348faa9" providerId="ADAL" clId="{3A5BAB18-A7D2-1646-8C2B-E00ADF9A013D}" dt="2023-03-09T12:36:09.568" v="819" actId="20577"/>
+      <pc:chgData name="Savagar, Bethan Alice" userId="dc0b6509-dca5-46f6-b355-e03f7348faa9" providerId="ADAL" clId="{3A5BAB18-A7D2-1646-8C2B-E00ADF9A013D}" dt="2023-03-14T10:14:28.913" v="822" actId="1076"/>
       <pc:docMkLst>
         <pc:docMk/>
       </pc:docMkLst>
@@ -553,7 +553,7 @@
         </pc:spChg>
       </pc:sldChg>
       <pc:sldChg chg="addSp modSp new mod">
-        <pc:chgData name="Savagar, Bethan Alice" userId="dc0b6509-dca5-46f6-b355-e03f7348faa9" providerId="ADAL" clId="{3A5BAB18-A7D2-1646-8C2B-E00ADF9A013D}" dt="2023-03-09T10:05:55.540" v="802" actId="27636"/>
+        <pc:chgData name="Savagar, Bethan Alice" userId="dc0b6509-dca5-46f6-b355-e03f7348faa9" providerId="ADAL" clId="{3A5BAB18-A7D2-1646-8C2B-E00ADF9A013D}" dt="2023-03-14T10:14:28.913" v="822" actId="1076"/>
         <pc:sldMkLst>
           <pc:docMk/>
           <pc:sldMk cId="955302800" sldId="268"/>
@@ -567,7 +567,7 @@
           </ac:spMkLst>
         </pc:spChg>
         <pc:spChg chg="mod">
-          <ac:chgData name="Savagar, Bethan Alice" userId="dc0b6509-dca5-46f6-b355-e03f7348faa9" providerId="ADAL" clId="{3A5BAB18-A7D2-1646-8C2B-E00ADF9A013D}" dt="2023-03-09T10:05:55.540" v="802" actId="27636"/>
+          <ac:chgData name="Savagar, Bethan Alice" userId="dc0b6509-dca5-46f6-b355-e03f7348faa9" providerId="ADAL" clId="{3A5BAB18-A7D2-1646-8C2B-E00ADF9A013D}" dt="2023-03-14T10:14:18.942" v="821" actId="27636"/>
           <ac:spMkLst>
             <pc:docMk/>
             <pc:sldMk cId="955302800" sldId="268"/>
@@ -575,7 +575,7 @@
           </ac:spMkLst>
         </pc:spChg>
         <pc:picChg chg="add mod">
-          <ac:chgData name="Savagar, Bethan Alice" userId="dc0b6509-dca5-46f6-b355-e03f7348faa9" providerId="ADAL" clId="{3A5BAB18-A7D2-1646-8C2B-E00ADF9A013D}" dt="2023-03-09T10:05:13.251" v="745" actId="1076"/>
+          <ac:chgData name="Savagar, Bethan Alice" userId="dc0b6509-dca5-46f6-b355-e03f7348faa9" providerId="ADAL" clId="{3A5BAB18-A7D2-1646-8C2B-E00ADF9A013D}" dt="2023-03-14T10:14:28.913" v="822" actId="1076"/>
           <ac:picMkLst>
             <pc:docMk/>
             <pc:sldMk cId="955302800" sldId="268"/>
@@ -757,7 +757,7 @@
           <a:p>
             <a:fld id="{12BFABB2-EEA0-864E-BF55-7EF7D8AD924B}" type="datetimeFigureOut">
               <a:rPr lang="en-US" smtClean="0"/>
-              <a:t>3/9/23</a:t>
+              <a:t>3/14/23</a:t>
             </a:fld>
             <a:endParaRPr lang="en-US"/>
           </a:p>
@@ -1777,7 +1777,7 @@
           <a:p>
             <a:fld id="{17EE346A-1225-314F-8E90-18293479AF17}" type="datetimeFigureOut">
               <a:rPr lang="en-US" smtClean="0"/>
-              <a:t>3/9/23</a:t>
+              <a:t>3/14/23</a:t>
             </a:fld>
             <a:endParaRPr lang="en-US"/>
           </a:p>
@@ -1977,7 +1977,7 @@
           <a:p>
             <a:fld id="{17EE346A-1225-314F-8E90-18293479AF17}" type="datetimeFigureOut">
               <a:rPr lang="en-US" smtClean="0"/>
-              <a:t>3/9/23</a:t>
+              <a:t>3/14/23</a:t>
             </a:fld>
             <a:endParaRPr lang="en-US"/>
           </a:p>
@@ -2187,7 +2187,7 @@
           <a:p>
             <a:fld id="{17EE346A-1225-314F-8E90-18293479AF17}" type="datetimeFigureOut">
               <a:rPr lang="en-US" smtClean="0"/>
-              <a:t>3/9/23</a:t>
+              <a:t>3/14/23</a:t>
             </a:fld>
             <a:endParaRPr lang="en-US"/>
           </a:p>
@@ -2387,7 +2387,7 @@
           <a:p>
             <a:fld id="{17EE346A-1225-314F-8E90-18293479AF17}" type="datetimeFigureOut">
               <a:rPr lang="en-US" smtClean="0"/>
-              <a:t>3/9/23</a:t>
+              <a:t>3/14/23</a:t>
             </a:fld>
             <a:endParaRPr lang="en-US"/>
           </a:p>
@@ -2663,7 +2663,7 @@
           <a:p>
             <a:fld id="{17EE346A-1225-314F-8E90-18293479AF17}" type="datetimeFigureOut">
               <a:rPr lang="en-US" smtClean="0"/>
-              <a:t>3/9/23</a:t>
+              <a:t>3/14/23</a:t>
             </a:fld>
             <a:endParaRPr lang="en-US"/>
           </a:p>
@@ -2931,7 +2931,7 @@
           <a:p>
             <a:fld id="{17EE346A-1225-314F-8E90-18293479AF17}" type="datetimeFigureOut">
               <a:rPr lang="en-US" smtClean="0"/>
-              <a:t>3/9/23</a:t>
+              <a:t>3/14/23</a:t>
             </a:fld>
             <a:endParaRPr lang="en-US"/>
           </a:p>
@@ -3346,7 +3346,7 @@
           <a:p>
             <a:fld id="{17EE346A-1225-314F-8E90-18293479AF17}" type="datetimeFigureOut">
               <a:rPr lang="en-US" smtClean="0"/>
-              <a:t>3/9/23</a:t>
+              <a:t>3/14/23</a:t>
             </a:fld>
             <a:endParaRPr lang="en-US"/>
           </a:p>
@@ -3488,7 +3488,7 @@
           <a:p>
             <a:fld id="{17EE346A-1225-314F-8E90-18293479AF17}" type="datetimeFigureOut">
               <a:rPr lang="en-US" smtClean="0"/>
-              <a:t>3/9/23</a:t>
+              <a:t>3/14/23</a:t>
             </a:fld>
             <a:endParaRPr lang="en-US"/>
           </a:p>
@@ -3601,7 +3601,7 @@
           <a:p>
             <a:fld id="{17EE346A-1225-314F-8E90-18293479AF17}" type="datetimeFigureOut">
               <a:rPr lang="en-US" smtClean="0"/>
-              <a:t>3/9/23</a:t>
+              <a:t>3/14/23</a:t>
             </a:fld>
             <a:endParaRPr lang="en-US"/>
           </a:p>
@@ -3914,7 +3914,7 @@
           <a:p>
             <a:fld id="{17EE346A-1225-314F-8E90-18293479AF17}" type="datetimeFigureOut">
               <a:rPr lang="en-US" smtClean="0"/>
-              <a:t>3/9/23</a:t>
+              <a:t>3/14/23</a:t>
             </a:fld>
             <a:endParaRPr lang="en-US"/>
           </a:p>
@@ -4203,7 +4203,7 @@
           <a:p>
             <a:fld id="{17EE346A-1225-314F-8E90-18293479AF17}" type="datetimeFigureOut">
               <a:rPr lang="en-US" smtClean="0"/>
-              <a:t>3/9/23</a:t>
+              <a:t>3/14/23</a:t>
             </a:fld>
             <a:endParaRPr lang="en-US"/>
           </a:p>
@@ -4446,7 +4446,7 @@
           <a:p>
             <a:fld id="{17EE346A-1225-314F-8E90-18293479AF17}" type="datetimeFigureOut">
               <a:rPr lang="en-US" smtClean="0"/>
-              <a:t>3/9/23</a:t>
+              <a:t>3/14/23</a:t>
             </a:fld>
             <a:endParaRPr lang="en-US"/>
           </a:p>
@@ -6623,10 +6623,15 @@
             <p:ph idx="1"/>
           </p:nvPr>
         </p:nvSpPr>
-        <p:spPr/>
+        <p:spPr>
+          <a:xfrm>
+            <a:off x="838200" y="1825625"/>
+            <a:ext cx="6865377" cy="4351338"/>
+          </a:xfrm>
+        </p:spPr>
         <p:txBody>
           <a:bodyPr>
-            <a:normAutofit fontScale="77500" lnSpcReduction="20000"/>
+            <a:normAutofit fontScale="62500" lnSpcReduction="20000"/>
           </a:bodyPr>
           <a:lstStyle/>
           <a:p>
@@ -6738,7 +6743,7 @@
         </p:blipFill>
         <p:spPr>
           <a:xfrm>
-            <a:off x="7703577" y="3619314"/>
+            <a:off x="7703577" y="1481025"/>
             <a:ext cx="4142860" cy="2799416"/>
           </a:xfrm>
           <a:prstGeom prst="rect">
